--- a/Presentations/Hibernate/Hibernate-Part-1.pptx
+++ b/Presentations/Hibernate/Hibernate-Part-1.pptx
@@ -5,33 +5,18 @@
     <p:sldMasterId id="2147483648" r:id="rId1"/>
   </p:sldMasterIdLst>
   <p:notesMasterIdLst>
-    <p:notesMasterId r:id="rId23"/>
+    <p:notesMasterId r:id="rId8"/>
   </p:notesMasterIdLst>
   <p:handoutMasterIdLst>
-    <p:handoutMasterId r:id="rId24"/>
+    <p:handoutMasterId r:id="rId9"/>
   </p:handoutMasterIdLst>
   <p:sldIdLst>
     <p:sldId id="256" r:id="rId2"/>
-    <p:sldId id="257" r:id="rId3"/>
-    <p:sldId id="329" r:id="rId4"/>
-    <p:sldId id="325" r:id="rId5"/>
-    <p:sldId id="338" r:id="rId6"/>
-    <p:sldId id="326" r:id="rId7"/>
-    <p:sldId id="330" r:id="rId8"/>
-    <p:sldId id="331" r:id="rId9"/>
-    <p:sldId id="332" r:id="rId10"/>
-    <p:sldId id="339" r:id="rId11"/>
-    <p:sldId id="340" r:id="rId12"/>
-    <p:sldId id="341" r:id="rId13"/>
-    <p:sldId id="342" r:id="rId14"/>
-    <p:sldId id="343" r:id="rId15"/>
-    <p:sldId id="344" r:id="rId16"/>
-    <p:sldId id="345" r:id="rId17"/>
-    <p:sldId id="346" r:id="rId18"/>
-    <p:sldId id="347" r:id="rId19"/>
-    <p:sldId id="348" r:id="rId20"/>
-    <p:sldId id="327" r:id="rId21"/>
-    <p:sldId id="349" r:id="rId22"/>
+    <p:sldId id="350" r:id="rId3"/>
+    <p:sldId id="351" r:id="rId4"/>
+    <p:sldId id="352" r:id="rId5"/>
+    <p:sldId id="257" r:id="rId6"/>
+    <p:sldId id="349" r:id="rId7"/>
   </p:sldIdLst>
   <p:sldSz cx="9144000" cy="6858000" type="screen4x3"/>
   <p:notesSz cx="6858000" cy="9144000"/>
@@ -3538,35 +3523,19 @@
           <a:lstStyle/>
           <a:p>
             <a:r>
-              <a:rPr lang="en-US" altLang="en-US" dirty="0" smtClean="0">
-                <a:solidFill>
-                  <a:schemeClr val="tx1"/>
-                </a:solidFill>
-              </a:rPr>
-              <a:t>Hibernate - Part 1</a:t>
+              <a:rPr lang="en-US" altLang="en-US" dirty="0"/>
+              <a:t>Hibernate – Part </a:t>
+            </a:r>
+            <a:r>
+              <a:rPr lang="en-US" altLang="en-US" dirty="0" smtClean="0"/>
+              <a:t>1</a:t>
             </a:r>
             <a:br>
-              <a:rPr lang="en-US" altLang="en-US" dirty="0" smtClean="0">
-                <a:solidFill>
-                  <a:schemeClr val="tx1"/>
-                </a:solidFill>
-              </a:rPr>
+              <a:rPr lang="en-US" altLang="en-US" dirty="0" smtClean="0"/>
             </a:br>
             <a:r>
-              <a:rPr lang="en-US" altLang="en-US" dirty="0" smtClean="0">
-                <a:solidFill>
-                  <a:schemeClr val="tx1"/>
-                </a:solidFill>
-              </a:rPr>
-              <a:t>What </a:t>
-            </a:r>
-            <a:r>
-              <a:rPr lang="en-US" altLang="en-US" smtClean="0">
-                <a:solidFill>
-                  <a:schemeClr val="tx1"/>
-                </a:solidFill>
-              </a:rPr>
-              <a:t>is Hibernate?</a:t>
+              <a:rPr lang="en-US" altLang="en-US" dirty="0" smtClean="0"/>
+              <a:t>What is Hibernate?</a:t>
             </a:r>
             <a:endParaRPr lang="en-US" altLang="en-US" dirty="0">
               <a:solidFill>
@@ -3732,2416 +3701,6 @@
         </p:spPr>
       </p:pic>
     </p:spTree>
-  </p:cSld>
-  <p:clrMapOvr>
-    <a:masterClrMapping/>
-  </p:clrMapOvr>
-  <p:timing>
-    <p:tnLst>
-      <p:par>
-        <p:cTn id="1" dur="indefinite" restart="never" nodeType="tmRoot"/>
-      </p:par>
-    </p:tnLst>
-  </p:timing>
-</p:sld>
-</file>
-
-<file path=ppt/slides/slide10.xml><?xml version="1.0" encoding="utf-8"?>
-<p:sld xmlns:a="http://schemas.openxmlformats.org/drawingml/2006/main" xmlns:r="http://schemas.openxmlformats.org/officeDocument/2006/relationships" xmlns:p="http://schemas.openxmlformats.org/presentationml/2006/main">
-  <p:cSld>
-    <p:spTree>
-      <p:nvGrpSpPr>
-        <p:cNvPr id="1" name=""/>
-        <p:cNvGrpSpPr/>
-        <p:nvPr/>
-      </p:nvGrpSpPr>
-      <p:grpSpPr>
-        <a:xfrm>
-          <a:off x="0" y="0"/>
-          <a:ext cx="0" cy="0"/>
-          <a:chOff x="0" y="0"/>
-          <a:chExt cx="0" cy="0"/>
-        </a:xfrm>
-      </p:grpSpPr>
-      <p:sp>
-        <p:nvSpPr>
-          <p:cNvPr id="4" name="Slide Number Placeholder 3"/>
-          <p:cNvSpPr>
-            <a:spLocks noGrp="1"/>
-          </p:cNvSpPr>
-          <p:nvPr>
-            <p:ph type="sldNum" sz="quarter" idx="10"/>
-          </p:nvPr>
-        </p:nvSpPr>
-        <p:spPr/>
-        <p:txBody>
-          <a:bodyPr/>
-          <a:lstStyle/>
-          <a:p>
-            <a:fld id="{9CAA6850-6AF0-4A45-8B3A-FEE9E8969215}" type="slidenum">
-              <a:rPr lang="en-US" altLang="en-US"/>
-              <a:pPr/>
-              <a:t>10</a:t>
-            </a:fld>
-            <a:endParaRPr lang="en-US" altLang="en-US"/>
-          </a:p>
-        </p:txBody>
-      </p:sp>
-      <p:sp>
-        <p:nvSpPr>
-          <p:cNvPr id="9220" name="Rectangle 4"/>
-          <p:cNvSpPr>
-            <a:spLocks noGrp="1" noChangeArrowheads="1"/>
-          </p:cNvSpPr>
-          <p:nvPr>
-            <p:ph type="title"/>
-          </p:nvPr>
-        </p:nvSpPr>
-        <p:spPr bwMode="auto">
-          <a:xfrm>
-            <a:off x="457200" y="274638"/>
-            <a:ext cx="8229600" cy="868362"/>
-          </a:xfrm>
-          <a:noFill/>
-          <a:ln/>
-          <a:extLst>
-            <a:ext uri="{909E8E84-426E-40DD-AFC4-6F175D3DCCD1}">
-              <a14:hiddenFill xmlns:a14="http://schemas.microsoft.com/office/drawing/2010/main">
-                <a:solidFill>
-                  <a:schemeClr val="accent1"/>
-                </a:solidFill>
-              </a14:hiddenFill>
-            </a:ext>
-            <a:ext uri="{91240B29-F687-4F45-9708-019B960494DF}">
-              <a14:hiddenLine xmlns:a14="http://schemas.microsoft.com/office/drawing/2010/main" w="9525">
-                <a:solidFill>
-                  <a:schemeClr val="tx1"/>
-                </a:solidFill>
-                <a:miter lim="800000"/>
-                <a:headEnd/>
-                <a:tailEnd/>
-              </a14:hiddenLine>
-            </a:ext>
-            <a:ext uri="{AF507438-7753-43E0-B8FC-AC1667EBCBE1}">
-              <a14:hiddenEffects xmlns:a14="http://schemas.microsoft.com/office/drawing/2010/main">
-                <a:effectLst>
-                  <a:outerShdw dist="35921" dir="2700000" algn="ctr" rotWithShape="0">
-                    <a:schemeClr val="bg2"/>
-                  </a:outerShdw>
-                </a:effectLst>
-              </a14:hiddenEffects>
-            </a:ext>
-          </a:extLst>
-        </p:spPr>
-        <p:txBody>
-          <a:bodyPr vert="horz" wrap="square" lIns="91440" tIns="45720" rIns="91440" bIns="45720" numCol="1" anchor="t" anchorCtr="0" compatLnSpc="1">
-            <a:prstTxWarp prst="textNoShape">
-              <a:avLst/>
-            </a:prstTxWarp>
-          </a:bodyPr>
-          <a:lstStyle/>
-          <a:p>
-            <a:r>
-              <a:rPr lang="en-US" altLang="en-US" dirty="0"/>
-              <a:t>Hibernate Setup </a:t>
-            </a:r>
-          </a:p>
-        </p:txBody>
-      </p:sp>
-      <p:sp>
-        <p:nvSpPr>
-          <p:cNvPr id="9221" name="Rectangle 5"/>
-          <p:cNvSpPr>
-            <a:spLocks noGrp="1" noChangeArrowheads="1"/>
-          </p:cNvSpPr>
-          <p:nvPr>
-            <p:ph type="body" idx="1"/>
-          </p:nvPr>
-        </p:nvSpPr>
-        <p:spPr bwMode="auto">
-          <a:xfrm>
-            <a:off x="457200" y="1295400"/>
-            <a:ext cx="8229600" cy="4830763"/>
-          </a:xfrm>
-          <a:noFill/>
-          <a:ln/>
-          <a:extLst>
-            <a:ext uri="{909E8E84-426E-40DD-AFC4-6F175D3DCCD1}">
-              <a14:hiddenFill xmlns:a14="http://schemas.microsoft.com/office/drawing/2010/main">
-                <a:solidFill>
-                  <a:schemeClr val="accent1"/>
-                </a:solidFill>
-              </a14:hiddenFill>
-            </a:ext>
-            <a:ext uri="{91240B29-F687-4F45-9708-019B960494DF}">
-              <a14:hiddenLine xmlns:a14="http://schemas.microsoft.com/office/drawing/2010/main" w="9525">
-                <a:solidFill>
-                  <a:schemeClr val="tx1"/>
-                </a:solidFill>
-                <a:miter lim="800000"/>
-                <a:headEnd/>
-                <a:tailEnd/>
-              </a14:hiddenLine>
-            </a:ext>
-            <a:ext uri="{AF507438-7753-43E0-B8FC-AC1667EBCBE1}">
-              <a14:hiddenEffects xmlns:a14="http://schemas.microsoft.com/office/drawing/2010/main">
-                <a:effectLst>
-                  <a:outerShdw dist="35921" dir="2700000" algn="ctr" rotWithShape="0">
-                    <a:schemeClr val="bg2"/>
-                  </a:outerShdw>
-                </a:effectLst>
-              </a14:hiddenEffects>
-            </a:ext>
-          </a:extLst>
-        </p:spPr>
-        <p:txBody>
-          <a:bodyPr vert="horz" wrap="square" lIns="91440" tIns="45720" rIns="91440" bIns="45720" numCol="1" anchor="t" anchorCtr="0" compatLnSpc="1">
-            <a:prstTxWarp prst="textNoShape">
-              <a:avLst/>
-            </a:prstTxWarp>
-          </a:bodyPr>
-          <a:lstStyle/>
-          <a:p>
-            <a:pPr>
-              <a:lnSpc>
-                <a:spcPct val="90000"/>
-              </a:lnSpc>
-            </a:pPr>
-            <a:r>
-              <a:rPr lang="en-US" altLang="en-US" sz="2400" dirty="0" smtClean="0"/>
-              <a:t>Now you need to create a User library on the Eclipse IDE.</a:t>
-            </a:r>
-            <a:endParaRPr lang="en-US" altLang="en-US" sz="2400" dirty="0"/>
-          </a:p>
-        </p:txBody>
-      </p:sp>
-      <p:pic>
-        <p:nvPicPr>
-          <p:cNvPr id="1026" name="Picture 2"/>
-          <p:cNvPicPr>
-            <a:picLocks noChangeAspect="1" noChangeArrowheads="1"/>
-          </p:cNvPicPr>
-          <p:nvPr/>
-        </p:nvPicPr>
-        <p:blipFill>
-          <a:blip r:embed="rId2">
-            <a:extLst>
-              <a:ext uri="{28A0092B-C50C-407E-A947-70E740481C1C}">
-                <a14:useLocalDpi xmlns:a14="http://schemas.microsoft.com/office/drawing/2010/main" val="0"/>
-              </a:ext>
-            </a:extLst>
-          </a:blip>
-          <a:srcRect/>
-          <a:stretch>
-            <a:fillRect/>
-          </a:stretch>
-        </p:blipFill>
-        <p:spPr bwMode="auto">
-          <a:xfrm>
-            <a:off x="1676400" y="1981200"/>
-            <a:ext cx="5867400" cy="4400311"/>
-          </a:xfrm>
-          <a:prstGeom prst="rect">
-            <a:avLst/>
-          </a:prstGeom>
-          <a:noFill/>
-          <a:ln>
-            <a:noFill/>
-          </a:ln>
-          <a:extLst>
-            <a:ext uri="{909E8E84-426E-40DD-AFC4-6F175D3DCCD1}">
-              <a14:hiddenFill xmlns:a14="http://schemas.microsoft.com/office/drawing/2010/main">
-                <a:solidFill>
-                  <a:schemeClr val="accent1"/>
-                </a:solidFill>
-              </a14:hiddenFill>
-            </a:ext>
-            <a:ext uri="{91240B29-F687-4F45-9708-019B960494DF}">
-              <a14:hiddenLine xmlns:a14="http://schemas.microsoft.com/office/drawing/2010/main" w="9525">
-                <a:solidFill>
-                  <a:schemeClr val="tx1"/>
-                </a:solidFill>
-                <a:miter lim="800000"/>
-                <a:headEnd/>
-                <a:tailEnd/>
-              </a14:hiddenLine>
-            </a:ext>
-          </a:extLst>
-        </p:spPr>
-      </p:pic>
-    </p:spTree>
-    <p:extLst>
-      <p:ext uri="{BB962C8B-B14F-4D97-AF65-F5344CB8AC3E}">
-        <p14:creationId xmlns:p14="http://schemas.microsoft.com/office/powerpoint/2010/main" val="3595438718"/>
-      </p:ext>
-    </p:extLst>
-  </p:cSld>
-  <p:clrMapOvr>
-    <a:masterClrMapping/>
-  </p:clrMapOvr>
-  <p:timing>
-    <p:tnLst>
-      <p:par>
-        <p:cTn id="1" dur="indefinite" restart="never" nodeType="tmRoot"/>
-      </p:par>
-    </p:tnLst>
-  </p:timing>
-</p:sld>
-</file>
-
-<file path=ppt/slides/slide11.xml><?xml version="1.0" encoding="utf-8"?>
-<p:sld xmlns:a="http://schemas.openxmlformats.org/drawingml/2006/main" xmlns:r="http://schemas.openxmlformats.org/officeDocument/2006/relationships" xmlns:p="http://schemas.openxmlformats.org/presentationml/2006/main">
-  <p:cSld>
-    <p:spTree>
-      <p:nvGrpSpPr>
-        <p:cNvPr id="1" name=""/>
-        <p:cNvGrpSpPr/>
-        <p:nvPr/>
-      </p:nvGrpSpPr>
-      <p:grpSpPr>
-        <a:xfrm>
-          <a:off x="0" y="0"/>
-          <a:ext cx="0" cy="0"/>
-          <a:chOff x="0" y="0"/>
-          <a:chExt cx="0" cy="0"/>
-        </a:xfrm>
-      </p:grpSpPr>
-      <p:sp>
-        <p:nvSpPr>
-          <p:cNvPr id="4" name="Slide Number Placeholder 3"/>
-          <p:cNvSpPr>
-            <a:spLocks noGrp="1"/>
-          </p:cNvSpPr>
-          <p:nvPr>
-            <p:ph type="sldNum" sz="quarter" idx="10"/>
-          </p:nvPr>
-        </p:nvSpPr>
-        <p:spPr/>
-        <p:txBody>
-          <a:bodyPr/>
-          <a:lstStyle/>
-          <a:p>
-            <a:fld id="{9CAA6850-6AF0-4A45-8B3A-FEE9E8969215}" type="slidenum">
-              <a:rPr lang="en-US" altLang="en-US"/>
-              <a:pPr/>
-              <a:t>11</a:t>
-            </a:fld>
-            <a:endParaRPr lang="en-US" altLang="en-US"/>
-          </a:p>
-        </p:txBody>
-      </p:sp>
-      <p:sp>
-        <p:nvSpPr>
-          <p:cNvPr id="9220" name="Rectangle 4"/>
-          <p:cNvSpPr>
-            <a:spLocks noGrp="1" noChangeArrowheads="1"/>
-          </p:cNvSpPr>
-          <p:nvPr>
-            <p:ph type="title"/>
-          </p:nvPr>
-        </p:nvSpPr>
-        <p:spPr bwMode="auto">
-          <a:xfrm>
-            <a:off x="457200" y="274638"/>
-            <a:ext cx="8229600" cy="868362"/>
-          </a:xfrm>
-          <a:noFill/>
-          <a:ln/>
-          <a:extLst>
-            <a:ext uri="{909E8E84-426E-40DD-AFC4-6F175D3DCCD1}">
-              <a14:hiddenFill xmlns:a14="http://schemas.microsoft.com/office/drawing/2010/main">
-                <a:solidFill>
-                  <a:schemeClr val="accent1"/>
-                </a:solidFill>
-              </a14:hiddenFill>
-            </a:ext>
-            <a:ext uri="{91240B29-F687-4F45-9708-019B960494DF}">
-              <a14:hiddenLine xmlns:a14="http://schemas.microsoft.com/office/drawing/2010/main" w="9525">
-                <a:solidFill>
-                  <a:schemeClr val="tx1"/>
-                </a:solidFill>
-                <a:miter lim="800000"/>
-                <a:headEnd/>
-                <a:tailEnd/>
-              </a14:hiddenLine>
-            </a:ext>
-            <a:ext uri="{AF507438-7753-43E0-B8FC-AC1667EBCBE1}">
-              <a14:hiddenEffects xmlns:a14="http://schemas.microsoft.com/office/drawing/2010/main">
-                <a:effectLst>
-                  <a:outerShdw dist="35921" dir="2700000" algn="ctr" rotWithShape="0">
-                    <a:schemeClr val="bg2"/>
-                  </a:outerShdw>
-                </a:effectLst>
-              </a14:hiddenEffects>
-            </a:ext>
-          </a:extLst>
-        </p:spPr>
-        <p:txBody>
-          <a:bodyPr vert="horz" wrap="square" lIns="91440" tIns="45720" rIns="91440" bIns="45720" numCol="1" anchor="t" anchorCtr="0" compatLnSpc="1">
-            <a:prstTxWarp prst="textNoShape">
-              <a:avLst/>
-            </a:prstTxWarp>
-          </a:bodyPr>
-          <a:lstStyle/>
-          <a:p>
-            <a:r>
-              <a:rPr lang="en-US" altLang="en-US" dirty="0"/>
-              <a:t>Hibernate Setup </a:t>
-            </a:r>
-          </a:p>
-        </p:txBody>
-      </p:sp>
-      <p:sp>
-        <p:nvSpPr>
-          <p:cNvPr id="9221" name="Rectangle 5"/>
-          <p:cNvSpPr>
-            <a:spLocks noGrp="1" noChangeArrowheads="1"/>
-          </p:cNvSpPr>
-          <p:nvPr>
-            <p:ph type="body" idx="1"/>
-          </p:nvPr>
-        </p:nvSpPr>
-        <p:spPr bwMode="auto">
-          <a:xfrm>
-            <a:off x="457200" y="1295400"/>
-            <a:ext cx="8229600" cy="4830763"/>
-          </a:xfrm>
-          <a:noFill/>
-          <a:ln/>
-          <a:extLst>
-            <a:ext uri="{909E8E84-426E-40DD-AFC4-6F175D3DCCD1}">
-              <a14:hiddenFill xmlns:a14="http://schemas.microsoft.com/office/drawing/2010/main">
-                <a:solidFill>
-                  <a:schemeClr val="accent1"/>
-                </a:solidFill>
-              </a14:hiddenFill>
-            </a:ext>
-            <a:ext uri="{91240B29-F687-4F45-9708-019B960494DF}">
-              <a14:hiddenLine xmlns:a14="http://schemas.microsoft.com/office/drawing/2010/main" w="9525">
-                <a:solidFill>
-                  <a:schemeClr val="tx1"/>
-                </a:solidFill>
-                <a:miter lim="800000"/>
-                <a:headEnd/>
-                <a:tailEnd/>
-              </a14:hiddenLine>
-            </a:ext>
-            <a:ext uri="{AF507438-7753-43E0-B8FC-AC1667EBCBE1}">
-              <a14:hiddenEffects xmlns:a14="http://schemas.microsoft.com/office/drawing/2010/main">
-                <a:effectLst>
-                  <a:outerShdw dist="35921" dir="2700000" algn="ctr" rotWithShape="0">
-                    <a:schemeClr val="bg2"/>
-                  </a:outerShdw>
-                </a:effectLst>
-              </a14:hiddenEffects>
-            </a:ext>
-          </a:extLst>
-        </p:spPr>
-        <p:txBody>
-          <a:bodyPr vert="horz" wrap="square" lIns="91440" tIns="45720" rIns="91440" bIns="45720" numCol="1" anchor="t" anchorCtr="0" compatLnSpc="1">
-            <a:prstTxWarp prst="textNoShape">
-              <a:avLst/>
-            </a:prstTxWarp>
-          </a:bodyPr>
-          <a:lstStyle/>
-          <a:p>
-            <a:pPr>
-              <a:lnSpc>
-                <a:spcPct val="90000"/>
-              </a:lnSpc>
-            </a:pPr>
-            <a:endParaRPr lang="en-US" altLang="en-US" sz="2400" dirty="0"/>
-          </a:p>
-        </p:txBody>
-      </p:sp>
-      <p:pic>
-        <p:nvPicPr>
-          <p:cNvPr id="2051" name="Picture 3"/>
-          <p:cNvPicPr>
-            <a:picLocks noChangeAspect="1" noChangeArrowheads="1"/>
-          </p:cNvPicPr>
-          <p:nvPr/>
-        </p:nvPicPr>
-        <p:blipFill>
-          <a:blip r:embed="rId2">
-            <a:extLst>
-              <a:ext uri="{28A0092B-C50C-407E-A947-70E740481C1C}">
-                <a14:useLocalDpi xmlns:a14="http://schemas.microsoft.com/office/drawing/2010/main" val="0"/>
-              </a:ext>
-            </a:extLst>
-          </a:blip>
-          <a:srcRect/>
-          <a:stretch>
-            <a:fillRect/>
-          </a:stretch>
-        </p:blipFill>
-        <p:spPr bwMode="auto">
-          <a:xfrm>
-            <a:off x="1290638" y="1474527"/>
-            <a:ext cx="6634162" cy="4597661"/>
-          </a:xfrm>
-          <a:prstGeom prst="rect">
-            <a:avLst/>
-          </a:prstGeom>
-          <a:noFill/>
-          <a:ln>
-            <a:noFill/>
-          </a:ln>
-          <a:extLst>
-            <a:ext uri="{909E8E84-426E-40DD-AFC4-6F175D3DCCD1}">
-              <a14:hiddenFill xmlns:a14="http://schemas.microsoft.com/office/drawing/2010/main">
-                <a:solidFill>
-                  <a:schemeClr val="accent1"/>
-                </a:solidFill>
-              </a14:hiddenFill>
-            </a:ext>
-            <a:ext uri="{91240B29-F687-4F45-9708-019B960494DF}">
-              <a14:hiddenLine xmlns:a14="http://schemas.microsoft.com/office/drawing/2010/main" w="9525">
-                <a:solidFill>
-                  <a:schemeClr val="tx1"/>
-                </a:solidFill>
-                <a:miter lim="800000"/>
-                <a:headEnd/>
-                <a:tailEnd/>
-              </a14:hiddenLine>
-            </a:ext>
-          </a:extLst>
-        </p:spPr>
-      </p:pic>
-    </p:spTree>
-    <p:extLst>
-      <p:ext uri="{BB962C8B-B14F-4D97-AF65-F5344CB8AC3E}">
-        <p14:creationId xmlns:p14="http://schemas.microsoft.com/office/powerpoint/2010/main" val="1365439093"/>
-      </p:ext>
-    </p:extLst>
-  </p:cSld>
-  <p:clrMapOvr>
-    <a:masterClrMapping/>
-  </p:clrMapOvr>
-  <p:timing>
-    <p:tnLst>
-      <p:par>
-        <p:cTn id="1" dur="indefinite" restart="never" nodeType="tmRoot"/>
-      </p:par>
-    </p:tnLst>
-  </p:timing>
-</p:sld>
-</file>
-
-<file path=ppt/slides/slide12.xml><?xml version="1.0" encoding="utf-8"?>
-<p:sld xmlns:a="http://schemas.openxmlformats.org/drawingml/2006/main" xmlns:r="http://schemas.openxmlformats.org/officeDocument/2006/relationships" xmlns:p="http://schemas.openxmlformats.org/presentationml/2006/main">
-  <p:cSld>
-    <p:spTree>
-      <p:nvGrpSpPr>
-        <p:cNvPr id="1" name=""/>
-        <p:cNvGrpSpPr/>
-        <p:nvPr/>
-      </p:nvGrpSpPr>
-      <p:grpSpPr>
-        <a:xfrm>
-          <a:off x="0" y="0"/>
-          <a:ext cx="0" cy="0"/>
-          <a:chOff x="0" y="0"/>
-          <a:chExt cx="0" cy="0"/>
-        </a:xfrm>
-      </p:grpSpPr>
-      <p:sp>
-        <p:nvSpPr>
-          <p:cNvPr id="4" name="Slide Number Placeholder 3"/>
-          <p:cNvSpPr>
-            <a:spLocks noGrp="1"/>
-          </p:cNvSpPr>
-          <p:nvPr>
-            <p:ph type="sldNum" sz="quarter" idx="10"/>
-          </p:nvPr>
-        </p:nvSpPr>
-        <p:spPr/>
-        <p:txBody>
-          <a:bodyPr/>
-          <a:lstStyle/>
-          <a:p>
-            <a:fld id="{9CAA6850-6AF0-4A45-8B3A-FEE9E8969215}" type="slidenum">
-              <a:rPr lang="en-US" altLang="en-US"/>
-              <a:pPr/>
-              <a:t>12</a:t>
-            </a:fld>
-            <a:endParaRPr lang="en-US" altLang="en-US"/>
-          </a:p>
-        </p:txBody>
-      </p:sp>
-      <p:sp>
-        <p:nvSpPr>
-          <p:cNvPr id="9220" name="Rectangle 4"/>
-          <p:cNvSpPr>
-            <a:spLocks noGrp="1" noChangeArrowheads="1"/>
-          </p:cNvSpPr>
-          <p:nvPr>
-            <p:ph type="title"/>
-          </p:nvPr>
-        </p:nvSpPr>
-        <p:spPr bwMode="auto">
-          <a:xfrm>
-            <a:off x="457200" y="274638"/>
-            <a:ext cx="8229600" cy="868362"/>
-          </a:xfrm>
-          <a:noFill/>
-          <a:ln/>
-          <a:extLst>
-            <a:ext uri="{909E8E84-426E-40DD-AFC4-6F175D3DCCD1}">
-              <a14:hiddenFill xmlns:a14="http://schemas.microsoft.com/office/drawing/2010/main">
-                <a:solidFill>
-                  <a:schemeClr val="accent1"/>
-                </a:solidFill>
-              </a14:hiddenFill>
-            </a:ext>
-            <a:ext uri="{91240B29-F687-4F45-9708-019B960494DF}">
-              <a14:hiddenLine xmlns:a14="http://schemas.microsoft.com/office/drawing/2010/main" w="9525">
-                <a:solidFill>
-                  <a:schemeClr val="tx1"/>
-                </a:solidFill>
-                <a:miter lim="800000"/>
-                <a:headEnd/>
-                <a:tailEnd/>
-              </a14:hiddenLine>
-            </a:ext>
-            <a:ext uri="{AF507438-7753-43E0-B8FC-AC1667EBCBE1}">
-              <a14:hiddenEffects xmlns:a14="http://schemas.microsoft.com/office/drawing/2010/main">
-                <a:effectLst>
-                  <a:outerShdw dist="35921" dir="2700000" algn="ctr" rotWithShape="0">
-                    <a:schemeClr val="bg2"/>
-                  </a:outerShdw>
-                </a:effectLst>
-              </a14:hiddenEffects>
-            </a:ext>
-          </a:extLst>
-        </p:spPr>
-        <p:txBody>
-          <a:bodyPr vert="horz" wrap="square" lIns="91440" tIns="45720" rIns="91440" bIns="45720" numCol="1" anchor="t" anchorCtr="0" compatLnSpc="1">
-            <a:prstTxWarp prst="textNoShape">
-              <a:avLst/>
-            </a:prstTxWarp>
-          </a:bodyPr>
-          <a:lstStyle/>
-          <a:p>
-            <a:r>
-              <a:rPr lang="en-US" altLang="en-US" dirty="0"/>
-              <a:t>Hibernate Setup </a:t>
-            </a:r>
-          </a:p>
-        </p:txBody>
-      </p:sp>
-      <p:sp>
-        <p:nvSpPr>
-          <p:cNvPr id="9221" name="Rectangle 5"/>
-          <p:cNvSpPr>
-            <a:spLocks noGrp="1" noChangeArrowheads="1"/>
-          </p:cNvSpPr>
-          <p:nvPr>
-            <p:ph type="body" idx="1"/>
-          </p:nvPr>
-        </p:nvSpPr>
-        <p:spPr bwMode="auto">
-          <a:xfrm>
-            <a:off x="457200" y="1295400"/>
-            <a:ext cx="8229600" cy="4830763"/>
-          </a:xfrm>
-          <a:noFill/>
-          <a:ln/>
-          <a:extLst>
-            <a:ext uri="{909E8E84-426E-40DD-AFC4-6F175D3DCCD1}">
-              <a14:hiddenFill xmlns:a14="http://schemas.microsoft.com/office/drawing/2010/main">
-                <a:solidFill>
-                  <a:schemeClr val="accent1"/>
-                </a:solidFill>
-              </a14:hiddenFill>
-            </a:ext>
-            <a:ext uri="{91240B29-F687-4F45-9708-019B960494DF}">
-              <a14:hiddenLine xmlns:a14="http://schemas.microsoft.com/office/drawing/2010/main" w="9525">
-                <a:solidFill>
-                  <a:schemeClr val="tx1"/>
-                </a:solidFill>
-                <a:miter lim="800000"/>
-                <a:headEnd/>
-                <a:tailEnd/>
-              </a14:hiddenLine>
-            </a:ext>
-            <a:ext uri="{AF507438-7753-43E0-B8FC-AC1667EBCBE1}">
-              <a14:hiddenEffects xmlns:a14="http://schemas.microsoft.com/office/drawing/2010/main">
-                <a:effectLst>
-                  <a:outerShdw dist="35921" dir="2700000" algn="ctr" rotWithShape="0">
-                    <a:schemeClr val="bg2"/>
-                  </a:outerShdw>
-                </a:effectLst>
-              </a14:hiddenEffects>
-            </a:ext>
-          </a:extLst>
-        </p:spPr>
-        <p:txBody>
-          <a:bodyPr vert="horz" wrap="square" lIns="91440" tIns="45720" rIns="91440" bIns="45720" numCol="1" anchor="t" anchorCtr="0" compatLnSpc="1">
-            <a:prstTxWarp prst="textNoShape">
-              <a:avLst/>
-            </a:prstTxWarp>
-          </a:bodyPr>
-          <a:lstStyle/>
-          <a:p>
-            <a:pPr>
-              <a:lnSpc>
-                <a:spcPct val="90000"/>
-              </a:lnSpc>
-            </a:pPr>
-            <a:endParaRPr lang="en-US" altLang="en-US" sz="2400" dirty="0"/>
-          </a:p>
-        </p:txBody>
-      </p:sp>
-      <p:pic>
-        <p:nvPicPr>
-          <p:cNvPr id="3074" name="Picture 2"/>
-          <p:cNvPicPr>
-            <a:picLocks noChangeAspect="1" noChangeArrowheads="1"/>
-          </p:cNvPicPr>
-          <p:nvPr/>
-        </p:nvPicPr>
-        <p:blipFill>
-          <a:blip r:embed="rId2">
-            <a:extLst>
-              <a:ext uri="{28A0092B-C50C-407E-A947-70E740481C1C}">
-                <a14:useLocalDpi xmlns:a14="http://schemas.microsoft.com/office/drawing/2010/main" val="0"/>
-              </a:ext>
-            </a:extLst>
-          </a:blip>
-          <a:srcRect/>
-          <a:stretch>
-            <a:fillRect/>
-          </a:stretch>
-        </p:blipFill>
-        <p:spPr bwMode="auto">
-          <a:xfrm>
-            <a:off x="2057400" y="1828800"/>
-            <a:ext cx="5000625" cy="4371975"/>
-          </a:xfrm>
-          <a:prstGeom prst="rect">
-            <a:avLst/>
-          </a:prstGeom>
-          <a:noFill/>
-          <a:ln>
-            <a:noFill/>
-          </a:ln>
-          <a:extLst>
-            <a:ext uri="{909E8E84-426E-40DD-AFC4-6F175D3DCCD1}">
-              <a14:hiddenFill xmlns:a14="http://schemas.microsoft.com/office/drawing/2010/main">
-                <a:solidFill>
-                  <a:schemeClr val="accent1"/>
-                </a:solidFill>
-              </a14:hiddenFill>
-            </a:ext>
-            <a:ext uri="{91240B29-F687-4F45-9708-019B960494DF}">
-              <a14:hiddenLine xmlns:a14="http://schemas.microsoft.com/office/drawing/2010/main" w="9525">
-                <a:solidFill>
-                  <a:schemeClr val="tx1"/>
-                </a:solidFill>
-                <a:miter lim="800000"/>
-                <a:headEnd/>
-                <a:tailEnd/>
-              </a14:hiddenLine>
-            </a:ext>
-          </a:extLst>
-        </p:spPr>
-      </p:pic>
-    </p:spTree>
-    <p:extLst>
-      <p:ext uri="{BB962C8B-B14F-4D97-AF65-F5344CB8AC3E}">
-        <p14:creationId xmlns:p14="http://schemas.microsoft.com/office/powerpoint/2010/main" val="1022785211"/>
-      </p:ext>
-    </p:extLst>
-  </p:cSld>
-  <p:clrMapOvr>
-    <a:masterClrMapping/>
-  </p:clrMapOvr>
-  <p:timing>
-    <p:tnLst>
-      <p:par>
-        <p:cTn id="1" dur="indefinite" restart="never" nodeType="tmRoot"/>
-      </p:par>
-    </p:tnLst>
-  </p:timing>
-</p:sld>
-</file>
-
-<file path=ppt/slides/slide13.xml><?xml version="1.0" encoding="utf-8"?>
-<p:sld xmlns:a="http://schemas.openxmlformats.org/drawingml/2006/main" xmlns:r="http://schemas.openxmlformats.org/officeDocument/2006/relationships" xmlns:p="http://schemas.openxmlformats.org/presentationml/2006/main">
-  <p:cSld>
-    <p:spTree>
-      <p:nvGrpSpPr>
-        <p:cNvPr id="1" name=""/>
-        <p:cNvGrpSpPr/>
-        <p:nvPr/>
-      </p:nvGrpSpPr>
-      <p:grpSpPr>
-        <a:xfrm>
-          <a:off x="0" y="0"/>
-          <a:ext cx="0" cy="0"/>
-          <a:chOff x="0" y="0"/>
-          <a:chExt cx="0" cy="0"/>
-        </a:xfrm>
-      </p:grpSpPr>
-      <p:sp>
-        <p:nvSpPr>
-          <p:cNvPr id="4" name="Slide Number Placeholder 3"/>
-          <p:cNvSpPr>
-            <a:spLocks noGrp="1"/>
-          </p:cNvSpPr>
-          <p:nvPr>
-            <p:ph type="sldNum" sz="quarter" idx="10"/>
-          </p:nvPr>
-        </p:nvSpPr>
-        <p:spPr/>
-        <p:txBody>
-          <a:bodyPr/>
-          <a:lstStyle/>
-          <a:p>
-            <a:fld id="{9CAA6850-6AF0-4A45-8B3A-FEE9E8969215}" type="slidenum">
-              <a:rPr lang="en-US" altLang="en-US"/>
-              <a:pPr/>
-              <a:t>13</a:t>
-            </a:fld>
-            <a:endParaRPr lang="en-US" altLang="en-US"/>
-          </a:p>
-        </p:txBody>
-      </p:sp>
-      <p:sp>
-        <p:nvSpPr>
-          <p:cNvPr id="9220" name="Rectangle 4"/>
-          <p:cNvSpPr>
-            <a:spLocks noGrp="1" noChangeArrowheads="1"/>
-          </p:cNvSpPr>
-          <p:nvPr>
-            <p:ph type="title"/>
-          </p:nvPr>
-        </p:nvSpPr>
-        <p:spPr bwMode="auto">
-          <a:xfrm>
-            <a:off x="457200" y="274638"/>
-            <a:ext cx="8229600" cy="868362"/>
-          </a:xfrm>
-          <a:noFill/>
-          <a:ln/>
-          <a:extLst>
-            <a:ext uri="{909E8E84-426E-40DD-AFC4-6F175D3DCCD1}">
-              <a14:hiddenFill xmlns:a14="http://schemas.microsoft.com/office/drawing/2010/main">
-                <a:solidFill>
-                  <a:schemeClr val="accent1"/>
-                </a:solidFill>
-              </a14:hiddenFill>
-            </a:ext>
-            <a:ext uri="{91240B29-F687-4F45-9708-019B960494DF}">
-              <a14:hiddenLine xmlns:a14="http://schemas.microsoft.com/office/drawing/2010/main" w="9525">
-                <a:solidFill>
-                  <a:schemeClr val="tx1"/>
-                </a:solidFill>
-                <a:miter lim="800000"/>
-                <a:headEnd/>
-                <a:tailEnd/>
-              </a14:hiddenLine>
-            </a:ext>
-            <a:ext uri="{AF507438-7753-43E0-B8FC-AC1667EBCBE1}">
-              <a14:hiddenEffects xmlns:a14="http://schemas.microsoft.com/office/drawing/2010/main">
-                <a:effectLst>
-                  <a:outerShdw dist="35921" dir="2700000" algn="ctr" rotWithShape="0">
-                    <a:schemeClr val="bg2"/>
-                  </a:outerShdw>
-                </a:effectLst>
-              </a14:hiddenEffects>
-            </a:ext>
-          </a:extLst>
-        </p:spPr>
-        <p:txBody>
-          <a:bodyPr vert="horz" wrap="square" lIns="91440" tIns="45720" rIns="91440" bIns="45720" numCol="1" anchor="t" anchorCtr="0" compatLnSpc="1">
-            <a:prstTxWarp prst="textNoShape">
-              <a:avLst/>
-            </a:prstTxWarp>
-          </a:bodyPr>
-          <a:lstStyle/>
-          <a:p>
-            <a:r>
-              <a:rPr lang="en-US" altLang="en-US" dirty="0"/>
-              <a:t>Hibernate Setup </a:t>
-            </a:r>
-          </a:p>
-        </p:txBody>
-      </p:sp>
-      <p:sp>
-        <p:nvSpPr>
-          <p:cNvPr id="9221" name="Rectangle 5"/>
-          <p:cNvSpPr>
-            <a:spLocks noGrp="1" noChangeArrowheads="1"/>
-          </p:cNvSpPr>
-          <p:nvPr>
-            <p:ph type="body" idx="1"/>
-          </p:nvPr>
-        </p:nvSpPr>
-        <p:spPr bwMode="auto">
-          <a:xfrm>
-            <a:off x="457200" y="1295400"/>
-            <a:ext cx="8229600" cy="4830763"/>
-          </a:xfrm>
-          <a:noFill/>
-          <a:ln/>
-          <a:extLst>
-            <a:ext uri="{909E8E84-426E-40DD-AFC4-6F175D3DCCD1}">
-              <a14:hiddenFill xmlns:a14="http://schemas.microsoft.com/office/drawing/2010/main">
-                <a:solidFill>
-                  <a:schemeClr val="accent1"/>
-                </a:solidFill>
-              </a14:hiddenFill>
-            </a:ext>
-            <a:ext uri="{91240B29-F687-4F45-9708-019B960494DF}">
-              <a14:hiddenLine xmlns:a14="http://schemas.microsoft.com/office/drawing/2010/main" w="9525">
-                <a:solidFill>
-                  <a:schemeClr val="tx1"/>
-                </a:solidFill>
-                <a:miter lim="800000"/>
-                <a:headEnd/>
-                <a:tailEnd/>
-              </a14:hiddenLine>
-            </a:ext>
-            <a:ext uri="{AF507438-7753-43E0-B8FC-AC1667EBCBE1}">
-              <a14:hiddenEffects xmlns:a14="http://schemas.microsoft.com/office/drawing/2010/main">
-                <a:effectLst>
-                  <a:outerShdw dist="35921" dir="2700000" algn="ctr" rotWithShape="0">
-                    <a:schemeClr val="bg2"/>
-                  </a:outerShdw>
-                </a:effectLst>
-              </a14:hiddenEffects>
-            </a:ext>
-          </a:extLst>
-        </p:spPr>
-        <p:txBody>
-          <a:bodyPr vert="horz" wrap="square" lIns="91440" tIns="45720" rIns="91440" bIns="45720" numCol="1" anchor="t" anchorCtr="0" compatLnSpc="1">
-            <a:prstTxWarp prst="textNoShape">
-              <a:avLst/>
-            </a:prstTxWarp>
-          </a:bodyPr>
-          <a:lstStyle/>
-          <a:p>
-            <a:pPr>
-              <a:lnSpc>
-                <a:spcPct val="90000"/>
-              </a:lnSpc>
-            </a:pPr>
-            <a:endParaRPr lang="en-US" altLang="en-US" sz="2400" dirty="0"/>
-          </a:p>
-        </p:txBody>
-      </p:sp>
-      <p:pic>
-        <p:nvPicPr>
-          <p:cNvPr id="4098" name="Picture 2"/>
-          <p:cNvPicPr>
-            <a:picLocks noChangeAspect="1" noChangeArrowheads="1"/>
-          </p:cNvPicPr>
-          <p:nvPr/>
-        </p:nvPicPr>
-        <p:blipFill>
-          <a:blip r:embed="rId2">
-            <a:extLst>
-              <a:ext uri="{28A0092B-C50C-407E-A947-70E740481C1C}">
-                <a14:useLocalDpi xmlns:a14="http://schemas.microsoft.com/office/drawing/2010/main" val="0"/>
-              </a:ext>
-            </a:extLst>
-          </a:blip>
-          <a:srcRect/>
-          <a:stretch>
-            <a:fillRect/>
-          </a:stretch>
-        </p:blipFill>
-        <p:spPr bwMode="auto">
-          <a:xfrm>
-            <a:off x="2071688" y="1800225"/>
-            <a:ext cx="5000625" cy="4371975"/>
-          </a:xfrm>
-          <a:prstGeom prst="rect">
-            <a:avLst/>
-          </a:prstGeom>
-          <a:noFill/>
-          <a:ln>
-            <a:noFill/>
-          </a:ln>
-          <a:extLst>
-            <a:ext uri="{909E8E84-426E-40DD-AFC4-6F175D3DCCD1}">
-              <a14:hiddenFill xmlns:a14="http://schemas.microsoft.com/office/drawing/2010/main">
-                <a:solidFill>
-                  <a:schemeClr val="accent1"/>
-                </a:solidFill>
-              </a14:hiddenFill>
-            </a:ext>
-            <a:ext uri="{91240B29-F687-4F45-9708-019B960494DF}">
-              <a14:hiddenLine xmlns:a14="http://schemas.microsoft.com/office/drawing/2010/main" w="9525">
-                <a:solidFill>
-                  <a:schemeClr val="tx1"/>
-                </a:solidFill>
-                <a:miter lim="800000"/>
-                <a:headEnd/>
-                <a:tailEnd/>
-              </a14:hiddenLine>
-            </a:ext>
-          </a:extLst>
-        </p:spPr>
-      </p:pic>
-    </p:spTree>
-    <p:extLst>
-      <p:ext uri="{BB962C8B-B14F-4D97-AF65-F5344CB8AC3E}">
-        <p14:creationId xmlns:p14="http://schemas.microsoft.com/office/powerpoint/2010/main" val="169379448"/>
-      </p:ext>
-    </p:extLst>
-  </p:cSld>
-  <p:clrMapOvr>
-    <a:masterClrMapping/>
-  </p:clrMapOvr>
-  <p:timing>
-    <p:tnLst>
-      <p:par>
-        <p:cTn id="1" dur="indefinite" restart="never" nodeType="tmRoot"/>
-      </p:par>
-    </p:tnLst>
-  </p:timing>
-</p:sld>
-</file>
-
-<file path=ppt/slides/slide14.xml><?xml version="1.0" encoding="utf-8"?>
-<p:sld xmlns:a="http://schemas.openxmlformats.org/drawingml/2006/main" xmlns:r="http://schemas.openxmlformats.org/officeDocument/2006/relationships" xmlns:p="http://schemas.openxmlformats.org/presentationml/2006/main">
-  <p:cSld>
-    <p:spTree>
-      <p:nvGrpSpPr>
-        <p:cNvPr id="1" name=""/>
-        <p:cNvGrpSpPr/>
-        <p:nvPr/>
-      </p:nvGrpSpPr>
-      <p:grpSpPr>
-        <a:xfrm>
-          <a:off x="0" y="0"/>
-          <a:ext cx="0" cy="0"/>
-          <a:chOff x="0" y="0"/>
-          <a:chExt cx="0" cy="0"/>
-        </a:xfrm>
-      </p:grpSpPr>
-      <p:sp>
-        <p:nvSpPr>
-          <p:cNvPr id="4" name="Slide Number Placeholder 3"/>
-          <p:cNvSpPr>
-            <a:spLocks noGrp="1"/>
-          </p:cNvSpPr>
-          <p:nvPr>
-            <p:ph type="sldNum" sz="quarter" idx="10"/>
-          </p:nvPr>
-        </p:nvSpPr>
-        <p:spPr/>
-        <p:txBody>
-          <a:bodyPr/>
-          <a:lstStyle/>
-          <a:p>
-            <a:fld id="{9CAA6850-6AF0-4A45-8B3A-FEE9E8969215}" type="slidenum">
-              <a:rPr lang="en-US" altLang="en-US"/>
-              <a:pPr/>
-              <a:t>14</a:t>
-            </a:fld>
-            <a:endParaRPr lang="en-US" altLang="en-US"/>
-          </a:p>
-        </p:txBody>
-      </p:sp>
-      <p:sp>
-        <p:nvSpPr>
-          <p:cNvPr id="9220" name="Rectangle 4"/>
-          <p:cNvSpPr>
-            <a:spLocks noGrp="1" noChangeArrowheads="1"/>
-          </p:cNvSpPr>
-          <p:nvPr>
-            <p:ph type="title"/>
-          </p:nvPr>
-        </p:nvSpPr>
-        <p:spPr bwMode="auto">
-          <a:xfrm>
-            <a:off x="457200" y="274638"/>
-            <a:ext cx="8229600" cy="868362"/>
-          </a:xfrm>
-          <a:noFill/>
-          <a:ln/>
-          <a:extLst>
-            <a:ext uri="{909E8E84-426E-40DD-AFC4-6F175D3DCCD1}">
-              <a14:hiddenFill xmlns:a14="http://schemas.microsoft.com/office/drawing/2010/main">
-                <a:solidFill>
-                  <a:schemeClr val="accent1"/>
-                </a:solidFill>
-              </a14:hiddenFill>
-            </a:ext>
-            <a:ext uri="{91240B29-F687-4F45-9708-019B960494DF}">
-              <a14:hiddenLine xmlns:a14="http://schemas.microsoft.com/office/drawing/2010/main" w="9525">
-                <a:solidFill>
-                  <a:schemeClr val="tx1"/>
-                </a:solidFill>
-                <a:miter lim="800000"/>
-                <a:headEnd/>
-                <a:tailEnd/>
-              </a14:hiddenLine>
-            </a:ext>
-            <a:ext uri="{AF507438-7753-43E0-B8FC-AC1667EBCBE1}">
-              <a14:hiddenEffects xmlns:a14="http://schemas.microsoft.com/office/drawing/2010/main">
-                <a:effectLst>
-                  <a:outerShdw dist="35921" dir="2700000" algn="ctr" rotWithShape="0">
-                    <a:schemeClr val="bg2"/>
-                  </a:outerShdw>
-                </a:effectLst>
-              </a14:hiddenEffects>
-            </a:ext>
-          </a:extLst>
-        </p:spPr>
-        <p:txBody>
-          <a:bodyPr vert="horz" wrap="square" lIns="91440" tIns="45720" rIns="91440" bIns="45720" numCol="1" anchor="t" anchorCtr="0" compatLnSpc="1">
-            <a:prstTxWarp prst="textNoShape">
-              <a:avLst/>
-            </a:prstTxWarp>
-          </a:bodyPr>
-          <a:lstStyle/>
-          <a:p>
-            <a:r>
-              <a:rPr lang="en-US" altLang="en-US" dirty="0"/>
-              <a:t>Hibernate Setup </a:t>
-            </a:r>
-          </a:p>
-        </p:txBody>
-      </p:sp>
-      <p:sp>
-        <p:nvSpPr>
-          <p:cNvPr id="9221" name="Rectangle 5"/>
-          <p:cNvSpPr>
-            <a:spLocks noGrp="1" noChangeArrowheads="1"/>
-          </p:cNvSpPr>
-          <p:nvPr>
-            <p:ph type="body" idx="1"/>
-          </p:nvPr>
-        </p:nvSpPr>
-        <p:spPr bwMode="auto">
-          <a:xfrm>
-            <a:off x="457200" y="1295400"/>
-            <a:ext cx="8229600" cy="4830763"/>
-          </a:xfrm>
-          <a:noFill/>
-          <a:ln/>
-          <a:extLst>
-            <a:ext uri="{909E8E84-426E-40DD-AFC4-6F175D3DCCD1}">
-              <a14:hiddenFill xmlns:a14="http://schemas.microsoft.com/office/drawing/2010/main">
-                <a:solidFill>
-                  <a:schemeClr val="accent1"/>
-                </a:solidFill>
-              </a14:hiddenFill>
-            </a:ext>
-            <a:ext uri="{91240B29-F687-4F45-9708-019B960494DF}">
-              <a14:hiddenLine xmlns:a14="http://schemas.microsoft.com/office/drawing/2010/main" w="9525">
-                <a:solidFill>
-                  <a:schemeClr val="tx1"/>
-                </a:solidFill>
-                <a:miter lim="800000"/>
-                <a:headEnd/>
-                <a:tailEnd/>
-              </a14:hiddenLine>
-            </a:ext>
-            <a:ext uri="{AF507438-7753-43E0-B8FC-AC1667EBCBE1}">
-              <a14:hiddenEffects xmlns:a14="http://schemas.microsoft.com/office/drawing/2010/main">
-                <a:effectLst>
-                  <a:outerShdw dist="35921" dir="2700000" algn="ctr" rotWithShape="0">
-                    <a:schemeClr val="bg2"/>
-                  </a:outerShdw>
-                </a:effectLst>
-              </a14:hiddenEffects>
-            </a:ext>
-          </a:extLst>
-        </p:spPr>
-        <p:txBody>
-          <a:bodyPr vert="horz" wrap="square" lIns="91440" tIns="45720" rIns="91440" bIns="45720" numCol="1" anchor="t" anchorCtr="0" compatLnSpc="1">
-            <a:prstTxWarp prst="textNoShape">
-              <a:avLst/>
-            </a:prstTxWarp>
-          </a:bodyPr>
-          <a:lstStyle/>
-          <a:p>
-            <a:pPr>
-              <a:lnSpc>
-                <a:spcPct val="90000"/>
-              </a:lnSpc>
-            </a:pPr>
-            <a:endParaRPr lang="en-US" altLang="en-US" sz="2400" dirty="0"/>
-          </a:p>
-        </p:txBody>
-      </p:sp>
-      <p:pic>
-        <p:nvPicPr>
-          <p:cNvPr id="5122" name="Picture 2"/>
-          <p:cNvPicPr>
-            <a:picLocks noChangeAspect="1" noChangeArrowheads="1"/>
-          </p:cNvPicPr>
-          <p:nvPr/>
-        </p:nvPicPr>
-        <p:blipFill>
-          <a:blip r:embed="rId2">
-            <a:extLst>
-              <a:ext uri="{28A0092B-C50C-407E-A947-70E740481C1C}">
-                <a14:useLocalDpi xmlns:a14="http://schemas.microsoft.com/office/drawing/2010/main" val="0"/>
-              </a:ext>
-            </a:extLst>
-          </a:blip>
-          <a:srcRect/>
-          <a:stretch>
-            <a:fillRect/>
-          </a:stretch>
-        </p:blipFill>
-        <p:spPr bwMode="auto">
-          <a:xfrm>
-            <a:off x="1738313" y="1522958"/>
-            <a:ext cx="5653087" cy="4649242"/>
-          </a:xfrm>
-          <a:prstGeom prst="rect">
-            <a:avLst/>
-          </a:prstGeom>
-          <a:noFill/>
-          <a:ln>
-            <a:noFill/>
-          </a:ln>
-          <a:extLst>
-            <a:ext uri="{909E8E84-426E-40DD-AFC4-6F175D3DCCD1}">
-              <a14:hiddenFill xmlns:a14="http://schemas.microsoft.com/office/drawing/2010/main">
-                <a:solidFill>
-                  <a:schemeClr val="accent1"/>
-                </a:solidFill>
-              </a14:hiddenFill>
-            </a:ext>
-            <a:ext uri="{91240B29-F687-4F45-9708-019B960494DF}">
-              <a14:hiddenLine xmlns:a14="http://schemas.microsoft.com/office/drawing/2010/main" w="9525">
-                <a:solidFill>
-                  <a:schemeClr val="tx1"/>
-                </a:solidFill>
-                <a:miter lim="800000"/>
-                <a:headEnd/>
-                <a:tailEnd/>
-              </a14:hiddenLine>
-            </a:ext>
-          </a:extLst>
-        </p:spPr>
-      </p:pic>
-    </p:spTree>
-    <p:extLst>
-      <p:ext uri="{BB962C8B-B14F-4D97-AF65-F5344CB8AC3E}">
-        <p14:creationId xmlns:p14="http://schemas.microsoft.com/office/powerpoint/2010/main" val="4074139647"/>
-      </p:ext>
-    </p:extLst>
-  </p:cSld>
-  <p:clrMapOvr>
-    <a:masterClrMapping/>
-  </p:clrMapOvr>
-  <p:timing>
-    <p:tnLst>
-      <p:par>
-        <p:cTn id="1" dur="indefinite" restart="never" nodeType="tmRoot"/>
-      </p:par>
-    </p:tnLst>
-  </p:timing>
-</p:sld>
-</file>
-
-<file path=ppt/slides/slide15.xml><?xml version="1.0" encoding="utf-8"?>
-<p:sld xmlns:a="http://schemas.openxmlformats.org/drawingml/2006/main" xmlns:r="http://schemas.openxmlformats.org/officeDocument/2006/relationships" xmlns:p="http://schemas.openxmlformats.org/presentationml/2006/main">
-  <p:cSld>
-    <p:spTree>
-      <p:nvGrpSpPr>
-        <p:cNvPr id="1" name=""/>
-        <p:cNvGrpSpPr/>
-        <p:nvPr/>
-      </p:nvGrpSpPr>
-      <p:grpSpPr>
-        <a:xfrm>
-          <a:off x="0" y="0"/>
-          <a:ext cx="0" cy="0"/>
-          <a:chOff x="0" y="0"/>
-          <a:chExt cx="0" cy="0"/>
-        </a:xfrm>
-      </p:grpSpPr>
-      <p:sp>
-        <p:nvSpPr>
-          <p:cNvPr id="4" name="Slide Number Placeholder 3"/>
-          <p:cNvSpPr>
-            <a:spLocks noGrp="1"/>
-          </p:cNvSpPr>
-          <p:nvPr>
-            <p:ph type="sldNum" sz="quarter" idx="10"/>
-          </p:nvPr>
-        </p:nvSpPr>
-        <p:spPr/>
-        <p:txBody>
-          <a:bodyPr/>
-          <a:lstStyle/>
-          <a:p>
-            <a:fld id="{9CAA6850-6AF0-4A45-8B3A-FEE9E8969215}" type="slidenum">
-              <a:rPr lang="en-US" altLang="en-US"/>
-              <a:pPr/>
-              <a:t>15</a:t>
-            </a:fld>
-            <a:endParaRPr lang="en-US" altLang="en-US"/>
-          </a:p>
-        </p:txBody>
-      </p:sp>
-      <p:sp>
-        <p:nvSpPr>
-          <p:cNvPr id="9220" name="Rectangle 4"/>
-          <p:cNvSpPr>
-            <a:spLocks noGrp="1" noChangeArrowheads="1"/>
-          </p:cNvSpPr>
-          <p:nvPr>
-            <p:ph type="title"/>
-          </p:nvPr>
-        </p:nvSpPr>
-        <p:spPr bwMode="auto">
-          <a:xfrm>
-            <a:off x="457200" y="274638"/>
-            <a:ext cx="8229600" cy="868362"/>
-          </a:xfrm>
-          <a:noFill/>
-          <a:ln/>
-          <a:extLst>
-            <a:ext uri="{909E8E84-426E-40DD-AFC4-6F175D3DCCD1}">
-              <a14:hiddenFill xmlns:a14="http://schemas.microsoft.com/office/drawing/2010/main">
-                <a:solidFill>
-                  <a:schemeClr val="accent1"/>
-                </a:solidFill>
-              </a14:hiddenFill>
-            </a:ext>
-            <a:ext uri="{91240B29-F687-4F45-9708-019B960494DF}">
-              <a14:hiddenLine xmlns:a14="http://schemas.microsoft.com/office/drawing/2010/main" w="9525">
-                <a:solidFill>
-                  <a:schemeClr val="tx1"/>
-                </a:solidFill>
-                <a:miter lim="800000"/>
-                <a:headEnd/>
-                <a:tailEnd/>
-              </a14:hiddenLine>
-            </a:ext>
-            <a:ext uri="{AF507438-7753-43E0-B8FC-AC1667EBCBE1}">
-              <a14:hiddenEffects xmlns:a14="http://schemas.microsoft.com/office/drawing/2010/main">
-                <a:effectLst>
-                  <a:outerShdw dist="35921" dir="2700000" algn="ctr" rotWithShape="0">
-                    <a:schemeClr val="bg2"/>
-                  </a:outerShdw>
-                </a:effectLst>
-              </a14:hiddenEffects>
-            </a:ext>
-          </a:extLst>
-        </p:spPr>
-        <p:txBody>
-          <a:bodyPr vert="horz" wrap="square" lIns="91440" tIns="45720" rIns="91440" bIns="45720" numCol="1" anchor="t" anchorCtr="0" compatLnSpc="1">
-            <a:prstTxWarp prst="textNoShape">
-              <a:avLst/>
-            </a:prstTxWarp>
-          </a:bodyPr>
-          <a:lstStyle/>
-          <a:p>
-            <a:r>
-              <a:rPr lang="en-US" altLang="en-US" dirty="0"/>
-              <a:t>Hibernate Setup </a:t>
-            </a:r>
-          </a:p>
-        </p:txBody>
-      </p:sp>
-      <p:sp>
-        <p:nvSpPr>
-          <p:cNvPr id="9221" name="Rectangle 5"/>
-          <p:cNvSpPr>
-            <a:spLocks noGrp="1" noChangeArrowheads="1"/>
-          </p:cNvSpPr>
-          <p:nvPr>
-            <p:ph type="body" idx="1"/>
-          </p:nvPr>
-        </p:nvSpPr>
-        <p:spPr bwMode="auto">
-          <a:xfrm>
-            <a:off x="457200" y="1295400"/>
-            <a:ext cx="8229600" cy="4830763"/>
-          </a:xfrm>
-          <a:noFill/>
-          <a:ln/>
-          <a:extLst>
-            <a:ext uri="{909E8E84-426E-40DD-AFC4-6F175D3DCCD1}">
-              <a14:hiddenFill xmlns:a14="http://schemas.microsoft.com/office/drawing/2010/main">
-                <a:solidFill>
-                  <a:schemeClr val="accent1"/>
-                </a:solidFill>
-              </a14:hiddenFill>
-            </a:ext>
-            <a:ext uri="{91240B29-F687-4F45-9708-019B960494DF}">
-              <a14:hiddenLine xmlns:a14="http://schemas.microsoft.com/office/drawing/2010/main" w="9525">
-                <a:solidFill>
-                  <a:schemeClr val="tx1"/>
-                </a:solidFill>
-                <a:miter lim="800000"/>
-                <a:headEnd/>
-                <a:tailEnd/>
-              </a14:hiddenLine>
-            </a:ext>
-            <a:ext uri="{AF507438-7753-43E0-B8FC-AC1667EBCBE1}">
-              <a14:hiddenEffects xmlns:a14="http://schemas.microsoft.com/office/drawing/2010/main">
-                <a:effectLst>
-                  <a:outerShdw dist="35921" dir="2700000" algn="ctr" rotWithShape="0">
-                    <a:schemeClr val="bg2"/>
-                  </a:outerShdw>
-                </a:effectLst>
-              </a14:hiddenEffects>
-            </a:ext>
-          </a:extLst>
-        </p:spPr>
-        <p:txBody>
-          <a:bodyPr vert="horz" wrap="square" lIns="91440" tIns="45720" rIns="91440" bIns="45720" numCol="1" anchor="t" anchorCtr="0" compatLnSpc="1">
-            <a:prstTxWarp prst="textNoShape">
-              <a:avLst/>
-            </a:prstTxWarp>
-          </a:bodyPr>
-          <a:lstStyle/>
-          <a:p>
-            <a:pPr>
-              <a:lnSpc>
-                <a:spcPct val="90000"/>
-              </a:lnSpc>
-            </a:pPr>
-            <a:r>
-              <a:rPr lang="en-US" altLang="en-US" sz="2400" dirty="0" smtClean="0"/>
-              <a:t>Call the library Hibernate</a:t>
-            </a:r>
-            <a:endParaRPr lang="en-US" altLang="en-US" sz="2400" dirty="0"/>
-          </a:p>
-        </p:txBody>
-      </p:sp>
-      <p:pic>
-        <p:nvPicPr>
-          <p:cNvPr id="6146" name="Picture 2"/>
-          <p:cNvPicPr>
-            <a:picLocks noChangeAspect="1" noChangeArrowheads="1"/>
-          </p:cNvPicPr>
-          <p:nvPr/>
-        </p:nvPicPr>
-        <p:blipFill>
-          <a:blip r:embed="rId2">
-            <a:extLst>
-              <a:ext uri="{28A0092B-C50C-407E-A947-70E740481C1C}">
-                <a14:useLocalDpi xmlns:a14="http://schemas.microsoft.com/office/drawing/2010/main" val="0"/>
-              </a:ext>
-            </a:extLst>
-          </a:blip>
-          <a:srcRect/>
-          <a:stretch>
-            <a:fillRect/>
-          </a:stretch>
-        </p:blipFill>
-        <p:spPr bwMode="auto">
-          <a:xfrm>
-            <a:off x="3219450" y="2481263"/>
-            <a:ext cx="2705100" cy="1895475"/>
-          </a:xfrm>
-          <a:prstGeom prst="rect">
-            <a:avLst/>
-          </a:prstGeom>
-          <a:noFill/>
-          <a:ln>
-            <a:noFill/>
-          </a:ln>
-          <a:extLst>
-            <a:ext uri="{909E8E84-426E-40DD-AFC4-6F175D3DCCD1}">
-              <a14:hiddenFill xmlns:a14="http://schemas.microsoft.com/office/drawing/2010/main">
-                <a:solidFill>
-                  <a:schemeClr val="accent1"/>
-                </a:solidFill>
-              </a14:hiddenFill>
-            </a:ext>
-            <a:ext uri="{91240B29-F687-4F45-9708-019B960494DF}">
-              <a14:hiddenLine xmlns:a14="http://schemas.microsoft.com/office/drawing/2010/main" w="9525">
-                <a:solidFill>
-                  <a:schemeClr val="tx1"/>
-                </a:solidFill>
-                <a:miter lim="800000"/>
-                <a:headEnd/>
-                <a:tailEnd/>
-              </a14:hiddenLine>
-            </a:ext>
-          </a:extLst>
-        </p:spPr>
-      </p:pic>
-    </p:spTree>
-    <p:extLst>
-      <p:ext uri="{BB962C8B-B14F-4D97-AF65-F5344CB8AC3E}">
-        <p14:creationId xmlns:p14="http://schemas.microsoft.com/office/powerpoint/2010/main" val="1223556739"/>
-      </p:ext>
-    </p:extLst>
-  </p:cSld>
-  <p:clrMapOvr>
-    <a:masterClrMapping/>
-  </p:clrMapOvr>
-  <p:timing>
-    <p:tnLst>
-      <p:par>
-        <p:cTn id="1" dur="indefinite" restart="never" nodeType="tmRoot"/>
-      </p:par>
-    </p:tnLst>
-  </p:timing>
-</p:sld>
-</file>
-
-<file path=ppt/slides/slide16.xml><?xml version="1.0" encoding="utf-8"?>
-<p:sld xmlns:a="http://schemas.openxmlformats.org/drawingml/2006/main" xmlns:r="http://schemas.openxmlformats.org/officeDocument/2006/relationships" xmlns:p="http://schemas.openxmlformats.org/presentationml/2006/main">
-  <p:cSld>
-    <p:spTree>
-      <p:nvGrpSpPr>
-        <p:cNvPr id="1" name=""/>
-        <p:cNvGrpSpPr/>
-        <p:nvPr/>
-      </p:nvGrpSpPr>
-      <p:grpSpPr>
-        <a:xfrm>
-          <a:off x="0" y="0"/>
-          <a:ext cx="0" cy="0"/>
-          <a:chOff x="0" y="0"/>
-          <a:chExt cx="0" cy="0"/>
-        </a:xfrm>
-      </p:grpSpPr>
-      <p:sp>
-        <p:nvSpPr>
-          <p:cNvPr id="4" name="Slide Number Placeholder 3"/>
-          <p:cNvSpPr>
-            <a:spLocks noGrp="1"/>
-          </p:cNvSpPr>
-          <p:nvPr>
-            <p:ph type="sldNum" sz="quarter" idx="10"/>
-          </p:nvPr>
-        </p:nvSpPr>
-        <p:spPr/>
-        <p:txBody>
-          <a:bodyPr/>
-          <a:lstStyle/>
-          <a:p>
-            <a:fld id="{9CAA6850-6AF0-4A45-8B3A-FEE9E8969215}" type="slidenum">
-              <a:rPr lang="en-US" altLang="en-US"/>
-              <a:pPr/>
-              <a:t>16</a:t>
-            </a:fld>
-            <a:endParaRPr lang="en-US" altLang="en-US"/>
-          </a:p>
-        </p:txBody>
-      </p:sp>
-      <p:sp>
-        <p:nvSpPr>
-          <p:cNvPr id="9220" name="Rectangle 4"/>
-          <p:cNvSpPr>
-            <a:spLocks noGrp="1" noChangeArrowheads="1"/>
-          </p:cNvSpPr>
-          <p:nvPr>
-            <p:ph type="title"/>
-          </p:nvPr>
-        </p:nvSpPr>
-        <p:spPr bwMode="auto">
-          <a:xfrm>
-            <a:off x="457200" y="274638"/>
-            <a:ext cx="8229600" cy="868362"/>
-          </a:xfrm>
-          <a:noFill/>
-          <a:ln/>
-          <a:extLst>
-            <a:ext uri="{909E8E84-426E-40DD-AFC4-6F175D3DCCD1}">
-              <a14:hiddenFill xmlns:a14="http://schemas.microsoft.com/office/drawing/2010/main">
-                <a:solidFill>
-                  <a:schemeClr val="accent1"/>
-                </a:solidFill>
-              </a14:hiddenFill>
-            </a:ext>
-            <a:ext uri="{91240B29-F687-4F45-9708-019B960494DF}">
-              <a14:hiddenLine xmlns:a14="http://schemas.microsoft.com/office/drawing/2010/main" w="9525">
-                <a:solidFill>
-                  <a:schemeClr val="tx1"/>
-                </a:solidFill>
-                <a:miter lim="800000"/>
-                <a:headEnd/>
-                <a:tailEnd/>
-              </a14:hiddenLine>
-            </a:ext>
-            <a:ext uri="{AF507438-7753-43E0-B8FC-AC1667EBCBE1}">
-              <a14:hiddenEffects xmlns:a14="http://schemas.microsoft.com/office/drawing/2010/main">
-                <a:effectLst>
-                  <a:outerShdw dist="35921" dir="2700000" algn="ctr" rotWithShape="0">
-                    <a:schemeClr val="bg2"/>
-                  </a:outerShdw>
-                </a:effectLst>
-              </a14:hiddenEffects>
-            </a:ext>
-          </a:extLst>
-        </p:spPr>
-        <p:txBody>
-          <a:bodyPr vert="horz" wrap="square" lIns="91440" tIns="45720" rIns="91440" bIns="45720" numCol="1" anchor="t" anchorCtr="0" compatLnSpc="1">
-            <a:prstTxWarp prst="textNoShape">
-              <a:avLst/>
-            </a:prstTxWarp>
-          </a:bodyPr>
-          <a:lstStyle/>
-          <a:p>
-            <a:r>
-              <a:rPr lang="en-US" altLang="en-US" dirty="0"/>
-              <a:t>Hibernate Setup </a:t>
-            </a:r>
-          </a:p>
-        </p:txBody>
-      </p:sp>
-      <p:sp>
-        <p:nvSpPr>
-          <p:cNvPr id="9221" name="Rectangle 5"/>
-          <p:cNvSpPr>
-            <a:spLocks noGrp="1" noChangeArrowheads="1"/>
-          </p:cNvSpPr>
-          <p:nvPr>
-            <p:ph type="body" idx="1"/>
-          </p:nvPr>
-        </p:nvSpPr>
-        <p:spPr bwMode="auto">
-          <a:xfrm>
-            <a:off x="457200" y="1295400"/>
-            <a:ext cx="8229600" cy="4830763"/>
-          </a:xfrm>
-          <a:noFill/>
-          <a:ln/>
-          <a:extLst>
-            <a:ext uri="{909E8E84-426E-40DD-AFC4-6F175D3DCCD1}">
-              <a14:hiddenFill xmlns:a14="http://schemas.microsoft.com/office/drawing/2010/main">
-                <a:solidFill>
-                  <a:schemeClr val="accent1"/>
-                </a:solidFill>
-              </a14:hiddenFill>
-            </a:ext>
-            <a:ext uri="{91240B29-F687-4F45-9708-019B960494DF}">
-              <a14:hiddenLine xmlns:a14="http://schemas.microsoft.com/office/drawing/2010/main" w="9525">
-                <a:solidFill>
-                  <a:schemeClr val="tx1"/>
-                </a:solidFill>
-                <a:miter lim="800000"/>
-                <a:headEnd/>
-                <a:tailEnd/>
-              </a14:hiddenLine>
-            </a:ext>
-            <a:ext uri="{AF507438-7753-43E0-B8FC-AC1667EBCBE1}">
-              <a14:hiddenEffects xmlns:a14="http://schemas.microsoft.com/office/drawing/2010/main">
-                <a:effectLst>
-                  <a:outerShdw dist="35921" dir="2700000" algn="ctr" rotWithShape="0">
-                    <a:schemeClr val="bg2"/>
-                  </a:outerShdw>
-                </a:effectLst>
-              </a14:hiddenEffects>
-            </a:ext>
-          </a:extLst>
-        </p:spPr>
-        <p:txBody>
-          <a:bodyPr vert="horz" wrap="square" lIns="91440" tIns="45720" rIns="91440" bIns="45720" numCol="1" anchor="t" anchorCtr="0" compatLnSpc="1">
-            <a:prstTxWarp prst="textNoShape">
-              <a:avLst/>
-            </a:prstTxWarp>
-          </a:bodyPr>
-          <a:lstStyle/>
-          <a:p>
-            <a:pPr>
-              <a:lnSpc>
-                <a:spcPct val="90000"/>
-              </a:lnSpc>
-            </a:pPr>
-            <a:endParaRPr lang="en-US" altLang="en-US" sz="2400" dirty="0"/>
-          </a:p>
-        </p:txBody>
-      </p:sp>
-      <p:pic>
-        <p:nvPicPr>
-          <p:cNvPr id="7170" name="Picture 2"/>
-          <p:cNvPicPr>
-            <a:picLocks noChangeAspect="1" noChangeArrowheads="1"/>
-          </p:cNvPicPr>
-          <p:nvPr/>
-        </p:nvPicPr>
-        <p:blipFill>
-          <a:blip r:embed="rId2">
-            <a:extLst>
-              <a:ext uri="{28A0092B-C50C-407E-A947-70E740481C1C}">
-                <a14:useLocalDpi xmlns:a14="http://schemas.microsoft.com/office/drawing/2010/main" val="0"/>
-              </a:ext>
-            </a:extLst>
-          </a:blip>
-          <a:srcRect/>
-          <a:stretch>
-            <a:fillRect/>
-          </a:stretch>
-        </p:blipFill>
-        <p:spPr bwMode="auto">
-          <a:xfrm>
-            <a:off x="1630475" y="1676400"/>
-            <a:ext cx="5837125" cy="4800600"/>
-          </a:xfrm>
-          <a:prstGeom prst="rect">
-            <a:avLst/>
-          </a:prstGeom>
-          <a:noFill/>
-          <a:ln>
-            <a:noFill/>
-          </a:ln>
-          <a:extLst>
-            <a:ext uri="{909E8E84-426E-40DD-AFC4-6F175D3DCCD1}">
-              <a14:hiddenFill xmlns:a14="http://schemas.microsoft.com/office/drawing/2010/main">
-                <a:solidFill>
-                  <a:schemeClr val="accent1"/>
-                </a:solidFill>
-              </a14:hiddenFill>
-            </a:ext>
-            <a:ext uri="{91240B29-F687-4F45-9708-019B960494DF}">
-              <a14:hiddenLine xmlns:a14="http://schemas.microsoft.com/office/drawing/2010/main" w="9525">
-                <a:solidFill>
-                  <a:schemeClr val="tx1"/>
-                </a:solidFill>
-                <a:miter lim="800000"/>
-                <a:headEnd/>
-                <a:tailEnd/>
-              </a14:hiddenLine>
-            </a:ext>
-          </a:extLst>
-        </p:spPr>
-      </p:pic>
-    </p:spTree>
-    <p:extLst>
-      <p:ext uri="{BB962C8B-B14F-4D97-AF65-F5344CB8AC3E}">
-        <p14:creationId xmlns:p14="http://schemas.microsoft.com/office/powerpoint/2010/main" val="2468568069"/>
-      </p:ext>
-    </p:extLst>
-  </p:cSld>
-  <p:clrMapOvr>
-    <a:masterClrMapping/>
-  </p:clrMapOvr>
-  <p:timing>
-    <p:tnLst>
-      <p:par>
-        <p:cTn id="1" dur="indefinite" restart="never" nodeType="tmRoot"/>
-      </p:par>
-    </p:tnLst>
-  </p:timing>
-</p:sld>
-</file>
-
-<file path=ppt/slides/slide17.xml><?xml version="1.0" encoding="utf-8"?>
-<p:sld xmlns:a="http://schemas.openxmlformats.org/drawingml/2006/main" xmlns:r="http://schemas.openxmlformats.org/officeDocument/2006/relationships" xmlns:p="http://schemas.openxmlformats.org/presentationml/2006/main">
-  <p:cSld>
-    <p:spTree>
-      <p:nvGrpSpPr>
-        <p:cNvPr id="1" name=""/>
-        <p:cNvGrpSpPr/>
-        <p:nvPr/>
-      </p:nvGrpSpPr>
-      <p:grpSpPr>
-        <a:xfrm>
-          <a:off x="0" y="0"/>
-          <a:ext cx="0" cy="0"/>
-          <a:chOff x="0" y="0"/>
-          <a:chExt cx="0" cy="0"/>
-        </a:xfrm>
-      </p:grpSpPr>
-      <p:sp>
-        <p:nvSpPr>
-          <p:cNvPr id="4" name="Slide Number Placeholder 3"/>
-          <p:cNvSpPr>
-            <a:spLocks noGrp="1"/>
-          </p:cNvSpPr>
-          <p:nvPr>
-            <p:ph type="sldNum" sz="quarter" idx="10"/>
-          </p:nvPr>
-        </p:nvSpPr>
-        <p:spPr/>
-        <p:txBody>
-          <a:bodyPr/>
-          <a:lstStyle/>
-          <a:p>
-            <a:fld id="{9CAA6850-6AF0-4A45-8B3A-FEE9E8969215}" type="slidenum">
-              <a:rPr lang="en-US" altLang="en-US"/>
-              <a:pPr/>
-              <a:t>17</a:t>
-            </a:fld>
-            <a:endParaRPr lang="en-US" altLang="en-US"/>
-          </a:p>
-        </p:txBody>
-      </p:sp>
-      <p:sp>
-        <p:nvSpPr>
-          <p:cNvPr id="9220" name="Rectangle 4"/>
-          <p:cNvSpPr>
-            <a:spLocks noGrp="1" noChangeArrowheads="1"/>
-          </p:cNvSpPr>
-          <p:nvPr>
-            <p:ph type="title"/>
-          </p:nvPr>
-        </p:nvSpPr>
-        <p:spPr bwMode="auto">
-          <a:xfrm>
-            <a:off x="457200" y="274638"/>
-            <a:ext cx="8229600" cy="868362"/>
-          </a:xfrm>
-          <a:noFill/>
-          <a:ln/>
-          <a:extLst>
-            <a:ext uri="{909E8E84-426E-40DD-AFC4-6F175D3DCCD1}">
-              <a14:hiddenFill xmlns:a14="http://schemas.microsoft.com/office/drawing/2010/main">
-                <a:solidFill>
-                  <a:schemeClr val="accent1"/>
-                </a:solidFill>
-              </a14:hiddenFill>
-            </a:ext>
-            <a:ext uri="{91240B29-F687-4F45-9708-019B960494DF}">
-              <a14:hiddenLine xmlns:a14="http://schemas.microsoft.com/office/drawing/2010/main" w="9525">
-                <a:solidFill>
-                  <a:schemeClr val="tx1"/>
-                </a:solidFill>
-                <a:miter lim="800000"/>
-                <a:headEnd/>
-                <a:tailEnd/>
-              </a14:hiddenLine>
-            </a:ext>
-            <a:ext uri="{AF507438-7753-43E0-B8FC-AC1667EBCBE1}">
-              <a14:hiddenEffects xmlns:a14="http://schemas.microsoft.com/office/drawing/2010/main">
-                <a:effectLst>
-                  <a:outerShdw dist="35921" dir="2700000" algn="ctr" rotWithShape="0">
-                    <a:schemeClr val="bg2"/>
-                  </a:outerShdw>
-                </a:effectLst>
-              </a14:hiddenEffects>
-            </a:ext>
-          </a:extLst>
-        </p:spPr>
-        <p:txBody>
-          <a:bodyPr vert="horz" wrap="square" lIns="91440" tIns="45720" rIns="91440" bIns="45720" numCol="1" anchor="t" anchorCtr="0" compatLnSpc="1">
-            <a:prstTxWarp prst="textNoShape">
-              <a:avLst/>
-            </a:prstTxWarp>
-          </a:bodyPr>
-          <a:lstStyle/>
-          <a:p>
-            <a:r>
-              <a:rPr lang="en-US" altLang="en-US" dirty="0"/>
-              <a:t>Hibernate Setup </a:t>
-            </a:r>
-          </a:p>
-        </p:txBody>
-      </p:sp>
-      <p:sp>
-        <p:nvSpPr>
-          <p:cNvPr id="9221" name="Rectangle 5"/>
-          <p:cNvSpPr>
-            <a:spLocks noGrp="1" noChangeArrowheads="1"/>
-          </p:cNvSpPr>
-          <p:nvPr>
-            <p:ph type="body" idx="1"/>
-          </p:nvPr>
-        </p:nvSpPr>
-        <p:spPr bwMode="auto">
-          <a:xfrm>
-            <a:off x="457200" y="1295400"/>
-            <a:ext cx="8229600" cy="4830763"/>
-          </a:xfrm>
-          <a:noFill/>
-          <a:ln/>
-          <a:extLst>
-            <a:ext uri="{909E8E84-426E-40DD-AFC4-6F175D3DCCD1}">
-              <a14:hiddenFill xmlns:a14="http://schemas.microsoft.com/office/drawing/2010/main">
-                <a:solidFill>
-                  <a:schemeClr val="accent1"/>
-                </a:solidFill>
-              </a14:hiddenFill>
-            </a:ext>
-            <a:ext uri="{91240B29-F687-4F45-9708-019B960494DF}">
-              <a14:hiddenLine xmlns:a14="http://schemas.microsoft.com/office/drawing/2010/main" w="9525">
-                <a:solidFill>
-                  <a:schemeClr val="tx1"/>
-                </a:solidFill>
-                <a:miter lim="800000"/>
-                <a:headEnd/>
-                <a:tailEnd/>
-              </a14:hiddenLine>
-            </a:ext>
-            <a:ext uri="{AF507438-7753-43E0-B8FC-AC1667EBCBE1}">
-              <a14:hiddenEffects xmlns:a14="http://schemas.microsoft.com/office/drawing/2010/main">
-                <a:effectLst>
-                  <a:outerShdw dist="35921" dir="2700000" algn="ctr" rotWithShape="0">
-                    <a:schemeClr val="bg2"/>
-                  </a:outerShdw>
-                </a:effectLst>
-              </a14:hiddenEffects>
-            </a:ext>
-          </a:extLst>
-        </p:spPr>
-        <p:txBody>
-          <a:bodyPr vert="horz" wrap="square" lIns="91440" tIns="45720" rIns="91440" bIns="45720" numCol="1" anchor="t" anchorCtr="0" compatLnSpc="1">
-            <a:prstTxWarp prst="textNoShape">
-              <a:avLst/>
-            </a:prstTxWarp>
-          </a:bodyPr>
-          <a:lstStyle/>
-          <a:p>
-            <a:pPr>
-              <a:lnSpc>
-                <a:spcPct val="90000"/>
-              </a:lnSpc>
-            </a:pPr>
-            <a:r>
-              <a:rPr lang="en-US" altLang="en-US" sz="2400" dirty="0" smtClean="0"/>
-              <a:t>Select all of the JAR files in your lib directory and click OK</a:t>
-            </a:r>
-            <a:endParaRPr lang="en-US" altLang="en-US" sz="2400" dirty="0"/>
-          </a:p>
-        </p:txBody>
-      </p:sp>
-      <p:pic>
-        <p:nvPicPr>
-          <p:cNvPr id="8194" name="Picture 2"/>
-          <p:cNvPicPr>
-            <a:picLocks noChangeAspect="1" noChangeArrowheads="1"/>
-          </p:cNvPicPr>
-          <p:nvPr/>
-        </p:nvPicPr>
-        <p:blipFill>
-          <a:blip r:embed="rId2">
-            <a:extLst>
-              <a:ext uri="{28A0092B-C50C-407E-A947-70E740481C1C}">
-                <a14:useLocalDpi xmlns:a14="http://schemas.microsoft.com/office/drawing/2010/main" val="0"/>
-              </a:ext>
-            </a:extLst>
-          </a:blip>
-          <a:srcRect/>
-          <a:stretch>
-            <a:fillRect/>
-          </a:stretch>
-        </p:blipFill>
-        <p:spPr bwMode="auto">
-          <a:xfrm>
-            <a:off x="1966913" y="1798959"/>
-            <a:ext cx="5195887" cy="4273229"/>
-          </a:xfrm>
-          <a:prstGeom prst="rect">
-            <a:avLst/>
-          </a:prstGeom>
-          <a:noFill/>
-          <a:ln>
-            <a:noFill/>
-          </a:ln>
-          <a:extLst>
-            <a:ext uri="{909E8E84-426E-40DD-AFC4-6F175D3DCCD1}">
-              <a14:hiddenFill xmlns:a14="http://schemas.microsoft.com/office/drawing/2010/main">
-                <a:solidFill>
-                  <a:schemeClr val="accent1"/>
-                </a:solidFill>
-              </a14:hiddenFill>
-            </a:ext>
-            <a:ext uri="{91240B29-F687-4F45-9708-019B960494DF}">
-              <a14:hiddenLine xmlns:a14="http://schemas.microsoft.com/office/drawing/2010/main" w="9525">
-                <a:solidFill>
-                  <a:schemeClr val="tx1"/>
-                </a:solidFill>
-                <a:miter lim="800000"/>
-                <a:headEnd/>
-                <a:tailEnd/>
-              </a14:hiddenLine>
-            </a:ext>
-          </a:extLst>
-        </p:spPr>
-      </p:pic>
-    </p:spTree>
-    <p:extLst>
-      <p:ext uri="{BB962C8B-B14F-4D97-AF65-F5344CB8AC3E}">
-        <p14:creationId xmlns:p14="http://schemas.microsoft.com/office/powerpoint/2010/main" val="3804431919"/>
-      </p:ext>
-    </p:extLst>
-  </p:cSld>
-  <p:clrMapOvr>
-    <a:masterClrMapping/>
-  </p:clrMapOvr>
-  <p:timing>
-    <p:tnLst>
-      <p:par>
-        <p:cTn id="1" dur="indefinite" restart="never" nodeType="tmRoot"/>
-      </p:par>
-    </p:tnLst>
-  </p:timing>
-</p:sld>
-</file>
-
-<file path=ppt/slides/slide18.xml><?xml version="1.0" encoding="utf-8"?>
-<p:sld xmlns:a="http://schemas.openxmlformats.org/drawingml/2006/main" xmlns:r="http://schemas.openxmlformats.org/officeDocument/2006/relationships" xmlns:p="http://schemas.openxmlformats.org/presentationml/2006/main">
-  <p:cSld>
-    <p:spTree>
-      <p:nvGrpSpPr>
-        <p:cNvPr id="1" name=""/>
-        <p:cNvGrpSpPr/>
-        <p:nvPr/>
-      </p:nvGrpSpPr>
-      <p:grpSpPr>
-        <a:xfrm>
-          <a:off x="0" y="0"/>
-          <a:ext cx="0" cy="0"/>
-          <a:chOff x="0" y="0"/>
-          <a:chExt cx="0" cy="0"/>
-        </a:xfrm>
-      </p:grpSpPr>
-      <p:sp>
-        <p:nvSpPr>
-          <p:cNvPr id="4" name="Slide Number Placeholder 3"/>
-          <p:cNvSpPr>
-            <a:spLocks noGrp="1"/>
-          </p:cNvSpPr>
-          <p:nvPr>
-            <p:ph type="sldNum" sz="quarter" idx="10"/>
-          </p:nvPr>
-        </p:nvSpPr>
-        <p:spPr/>
-        <p:txBody>
-          <a:bodyPr/>
-          <a:lstStyle/>
-          <a:p>
-            <a:fld id="{9CAA6850-6AF0-4A45-8B3A-FEE9E8969215}" type="slidenum">
-              <a:rPr lang="en-US" altLang="en-US"/>
-              <a:pPr/>
-              <a:t>18</a:t>
-            </a:fld>
-            <a:endParaRPr lang="en-US" altLang="en-US"/>
-          </a:p>
-        </p:txBody>
-      </p:sp>
-      <p:sp>
-        <p:nvSpPr>
-          <p:cNvPr id="9220" name="Rectangle 4"/>
-          <p:cNvSpPr>
-            <a:spLocks noGrp="1" noChangeArrowheads="1"/>
-          </p:cNvSpPr>
-          <p:nvPr>
-            <p:ph type="title"/>
-          </p:nvPr>
-        </p:nvSpPr>
-        <p:spPr bwMode="auto">
-          <a:xfrm>
-            <a:off x="457200" y="274638"/>
-            <a:ext cx="8229600" cy="868362"/>
-          </a:xfrm>
-          <a:noFill/>
-          <a:ln/>
-          <a:extLst>
-            <a:ext uri="{909E8E84-426E-40DD-AFC4-6F175D3DCCD1}">
-              <a14:hiddenFill xmlns:a14="http://schemas.microsoft.com/office/drawing/2010/main">
-                <a:solidFill>
-                  <a:schemeClr val="accent1"/>
-                </a:solidFill>
-              </a14:hiddenFill>
-            </a:ext>
-            <a:ext uri="{91240B29-F687-4F45-9708-019B960494DF}">
-              <a14:hiddenLine xmlns:a14="http://schemas.microsoft.com/office/drawing/2010/main" w="9525">
-                <a:solidFill>
-                  <a:schemeClr val="tx1"/>
-                </a:solidFill>
-                <a:miter lim="800000"/>
-                <a:headEnd/>
-                <a:tailEnd/>
-              </a14:hiddenLine>
-            </a:ext>
-            <a:ext uri="{AF507438-7753-43E0-B8FC-AC1667EBCBE1}">
-              <a14:hiddenEffects xmlns:a14="http://schemas.microsoft.com/office/drawing/2010/main">
-                <a:effectLst>
-                  <a:outerShdw dist="35921" dir="2700000" algn="ctr" rotWithShape="0">
-                    <a:schemeClr val="bg2"/>
-                  </a:outerShdw>
-                </a:effectLst>
-              </a14:hiddenEffects>
-            </a:ext>
-          </a:extLst>
-        </p:spPr>
-        <p:txBody>
-          <a:bodyPr vert="horz" wrap="square" lIns="91440" tIns="45720" rIns="91440" bIns="45720" numCol="1" anchor="t" anchorCtr="0" compatLnSpc="1">
-            <a:prstTxWarp prst="textNoShape">
-              <a:avLst/>
-            </a:prstTxWarp>
-          </a:bodyPr>
-          <a:lstStyle/>
-          <a:p>
-            <a:r>
-              <a:rPr lang="en-US" altLang="en-US" dirty="0"/>
-              <a:t>Hibernate Setup </a:t>
-            </a:r>
-          </a:p>
-        </p:txBody>
-      </p:sp>
-      <p:sp>
-        <p:nvSpPr>
-          <p:cNvPr id="9221" name="Rectangle 5"/>
-          <p:cNvSpPr>
-            <a:spLocks noGrp="1" noChangeArrowheads="1"/>
-          </p:cNvSpPr>
-          <p:nvPr>
-            <p:ph type="body" idx="1"/>
-          </p:nvPr>
-        </p:nvSpPr>
-        <p:spPr bwMode="auto">
-          <a:xfrm>
-            <a:off x="457200" y="1295400"/>
-            <a:ext cx="8229600" cy="4830763"/>
-          </a:xfrm>
-          <a:noFill/>
-          <a:ln/>
-          <a:extLst>
-            <a:ext uri="{909E8E84-426E-40DD-AFC4-6F175D3DCCD1}">
-              <a14:hiddenFill xmlns:a14="http://schemas.microsoft.com/office/drawing/2010/main">
-                <a:solidFill>
-                  <a:schemeClr val="accent1"/>
-                </a:solidFill>
-              </a14:hiddenFill>
-            </a:ext>
-            <a:ext uri="{91240B29-F687-4F45-9708-019B960494DF}">
-              <a14:hiddenLine xmlns:a14="http://schemas.microsoft.com/office/drawing/2010/main" w="9525">
-                <a:solidFill>
-                  <a:schemeClr val="tx1"/>
-                </a:solidFill>
-                <a:miter lim="800000"/>
-                <a:headEnd/>
-                <a:tailEnd/>
-              </a14:hiddenLine>
-            </a:ext>
-            <a:ext uri="{AF507438-7753-43E0-B8FC-AC1667EBCBE1}">
-              <a14:hiddenEffects xmlns:a14="http://schemas.microsoft.com/office/drawing/2010/main">
-                <a:effectLst>
-                  <a:outerShdw dist="35921" dir="2700000" algn="ctr" rotWithShape="0">
-                    <a:schemeClr val="bg2"/>
-                  </a:outerShdw>
-                </a:effectLst>
-              </a14:hiddenEffects>
-            </a:ext>
-          </a:extLst>
-        </p:spPr>
-        <p:txBody>
-          <a:bodyPr vert="horz" wrap="square" lIns="91440" tIns="45720" rIns="91440" bIns="45720" numCol="1" anchor="t" anchorCtr="0" compatLnSpc="1">
-            <a:prstTxWarp prst="textNoShape">
-              <a:avLst/>
-            </a:prstTxWarp>
-          </a:bodyPr>
-          <a:lstStyle/>
-          <a:p>
-            <a:pPr>
-              <a:lnSpc>
-                <a:spcPct val="90000"/>
-              </a:lnSpc>
-            </a:pPr>
-            <a:r>
-              <a:rPr lang="en-US" altLang="en-US" sz="2400" dirty="0" smtClean="0"/>
-              <a:t>Make sure your newly created User Library is selected and click Finish.</a:t>
-            </a:r>
-            <a:endParaRPr lang="en-US" altLang="en-US" sz="2400" dirty="0"/>
-          </a:p>
-        </p:txBody>
-      </p:sp>
-      <p:pic>
-        <p:nvPicPr>
-          <p:cNvPr id="9218" name="Picture 2"/>
-          <p:cNvPicPr>
-            <a:picLocks noChangeAspect="1" noChangeArrowheads="1"/>
-          </p:cNvPicPr>
-          <p:nvPr/>
-        </p:nvPicPr>
-        <p:blipFill>
-          <a:blip r:embed="rId2">
-            <a:extLst>
-              <a:ext uri="{28A0092B-C50C-407E-A947-70E740481C1C}">
-                <a14:useLocalDpi xmlns:a14="http://schemas.microsoft.com/office/drawing/2010/main" val="0"/>
-              </a:ext>
-            </a:extLst>
-          </a:blip>
-          <a:srcRect/>
-          <a:stretch>
-            <a:fillRect/>
-          </a:stretch>
-        </p:blipFill>
-        <p:spPr bwMode="auto">
-          <a:xfrm>
-            <a:off x="2057400" y="2209800"/>
-            <a:ext cx="5000625" cy="4371975"/>
-          </a:xfrm>
-          <a:prstGeom prst="rect">
-            <a:avLst/>
-          </a:prstGeom>
-          <a:noFill/>
-          <a:ln>
-            <a:noFill/>
-          </a:ln>
-          <a:extLst>
-            <a:ext uri="{909E8E84-426E-40DD-AFC4-6F175D3DCCD1}">
-              <a14:hiddenFill xmlns:a14="http://schemas.microsoft.com/office/drawing/2010/main">
-                <a:solidFill>
-                  <a:schemeClr val="accent1"/>
-                </a:solidFill>
-              </a14:hiddenFill>
-            </a:ext>
-            <a:ext uri="{91240B29-F687-4F45-9708-019B960494DF}">
-              <a14:hiddenLine xmlns:a14="http://schemas.microsoft.com/office/drawing/2010/main" w="9525">
-                <a:solidFill>
-                  <a:schemeClr val="tx1"/>
-                </a:solidFill>
-                <a:miter lim="800000"/>
-                <a:headEnd/>
-                <a:tailEnd/>
-              </a14:hiddenLine>
-            </a:ext>
-          </a:extLst>
-        </p:spPr>
-      </p:pic>
-    </p:spTree>
-    <p:extLst>
-      <p:ext uri="{BB962C8B-B14F-4D97-AF65-F5344CB8AC3E}">
-        <p14:creationId xmlns:p14="http://schemas.microsoft.com/office/powerpoint/2010/main" val="2322730076"/>
-      </p:ext>
-    </p:extLst>
-  </p:cSld>
-  <p:clrMapOvr>
-    <a:masterClrMapping/>
-  </p:clrMapOvr>
-  <p:timing>
-    <p:tnLst>
-      <p:par>
-        <p:cTn id="1" dur="indefinite" restart="never" nodeType="tmRoot"/>
-      </p:par>
-    </p:tnLst>
-  </p:timing>
-</p:sld>
-</file>
-
-<file path=ppt/slides/slide19.xml><?xml version="1.0" encoding="utf-8"?>
-<p:sld xmlns:a="http://schemas.openxmlformats.org/drawingml/2006/main" xmlns:r="http://schemas.openxmlformats.org/officeDocument/2006/relationships" xmlns:p="http://schemas.openxmlformats.org/presentationml/2006/main">
-  <p:cSld>
-    <p:spTree>
-      <p:nvGrpSpPr>
-        <p:cNvPr id="1" name=""/>
-        <p:cNvGrpSpPr/>
-        <p:nvPr/>
-      </p:nvGrpSpPr>
-      <p:grpSpPr>
-        <a:xfrm>
-          <a:off x="0" y="0"/>
-          <a:ext cx="0" cy="0"/>
-          <a:chOff x="0" y="0"/>
-          <a:chExt cx="0" cy="0"/>
-        </a:xfrm>
-      </p:grpSpPr>
-      <p:sp>
-        <p:nvSpPr>
-          <p:cNvPr id="4" name="Slide Number Placeholder 3"/>
-          <p:cNvSpPr>
-            <a:spLocks noGrp="1"/>
-          </p:cNvSpPr>
-          <p:nvPr>
-            <p:ph type="sldNum" sz="quarter" idx="10"/>
-          </p:nvPr>
-        </p:nvSpPr>
-        <p:spPr/>
-        <p:txBody>
-          <a:bodyPr/>
-          <a:lstStyle/>
-          <a:p>
-            <a:fld id="{9CAA6850-6AF0-4A45-8B3A-FEE9E8969215}" type="slidenum">
-              <a:rPr lang="en-US" altLang="en-US"/>
-              <a:pPr/>
-              <a:t>19</a:t>
-            </a:fld>
-            <a:endParaRPr lang="en-US" altLang="en-US"/>
-          </a:p>
-        </p:txBody>
-      </p:sp>
-      <p:sp>
-        <p:nvSpPr>
-          <p:cNvPr id="9220" name="Rectangle 4"/>
-          <p:cNvSpPr>
-            <a:spLocks noGrp="1" noChangeArrowheads="1"/>
-          </p:cNvSpPr>
-          <p:nvPr>
-            <p:ph type="title"/>
-          </p:nvPr>
-        </p:nvSpPr>
-        <p:spPr bwMode="auto">
-          <a:xfrm>
-            <a:off x="457200" y="274638"/>
-            <a:ext cx="8229600" cy="868362"/>
-          </a:xfrm>
-          <a:noFill/>
-          <a:ln/>
-          <a:extLst>
-            <a:ext uri="{909E8E84-426E-40DD-AFC4-6F175D3DCCD1}">
-              <a14:hiddenFill xmlns:a14="http://schemas.microsoft.com/office/drawing/2010/main">
-                <a:solidFill>
-                  <a:schemeClr val="accent1"/>
-                </a:solidFill>
-              </a14:hiddenFill>
-            </a:ext>
-            <a:ext uri="{91240B29-F687-4F45-9708-019B960494DF}">
-              <a14:hiddenLine xmlns:a14="http://schemas.microsoft.com/office/drawing/2010/main" w="9525">
-                <a:solidFill>
-                  <a:schemeClr val="tx1"/>
-                </a:solidFill>
-                <a:miter lim="800000"/>
-                <a:headEnd/>
-                <a:tailEnd/>
-              </a14:hiddenLine>
-            </a:ext>
-            <a:ext uri="{AF507438-7753-43E0-B8FC-AC1667EBCBE1}">
-              <a14:hiddenEffects xmlns:a14="http://schemas.microsoft.com/office/drawing/2010/main">
-                <a:effectLst>
-                  <a:outerShdw dist="35921" dir="2700000" algn="ctr" rotWithShape="0">
-                    <a:schemeClr val="bg2"/>
-                  </a:outerShdw>
-                </a:effectLst>
-              </a14:hiddenEffects>
-            </a:ext>
-          </a:extLst>
-        </p:spPr>
-        <p:txBody>
-          <a:bodyPr vert="horz" wrap="square" lIns="91440" tIns="45720" rIns="91440" bIns="45720" numCol="1" anchor="t" anchorCtr="0" compatLnSpc="1">
-            <a:prstTxWarp prst="textNoShape">
-              <a:avLst/>
-            </a:prstTxWarp>
-          </a:bodyPr>
-          <a:lstStyle/>
-          <a:p>
-            <a:r>
-              <a:rPr lang="en-US" altLang="en-US" dirty="0"/>
-              <a:t>Hibernate Setup </a:t>
-            </a:r>
-          </a:p>
-        </p:txBody>
-      </p:sp>
-      <p:sp>
-        <p:nvSpPr>
-          <p:cNvPr id="9221" name="Rectangle 5"/>
-          <p:cNvSpPr>
-            <a:spLocks noGrp="1" noChangeArrowheads="1"/>
-          </p:cNvSpPr>
-          <p:nvPr>
-            <p:ph type="body" idx="1"/>
-          </p:nvPr>
-        </p:nvSpPr>
-        <p:spPr bwMode="auto">
-          <a:xfrm>
-            <a:off x="457200" y="1295400"/>
-            <a:ext cx="8229600" cy="4830763"/>
-          </a:xfrm>
-          <a:noFill/>
-          <a:ln/>
-          <a:extLst>
-            <a:ext uri="{909E8E84-426E-40DD-AFC4-6F175D3DCCD1}">
-              <a14:hiddenFill xmlns:a14="http://schemas.microsoft.com/office/drawing/2010/main">
-                <a:solidFill>
-                  <a:schemeClr val="accent1"/>
-                </a:solidFill>
-              </a14:hiddenFill>
-            </a:ext>
-            <a:ext uri="{91240B29-F687-4F45-9708-019B960494DF}">
-              <a14:hiddenLine xmlns:a14="http://schemas.microsoft.com/office/drawing/2010/main" w="9525">
-                <a:solidFill>
-                  <a:schemeClr val="tx1"/>
-                </a:solidFill>
-                <a:miter lim="800000"/>
-                <a:headEnd/>
-                <a:tailEnd/>
-              </a14:hiddenLine>
-            </a:ext>
-            <a:ext uri="{AF507438-7753-43E0-B8FC-AC1667EBCBE1}">
-              <a14:hiddenEffects xmlns:a14="http://schemas.microsoft.com/office/drawing/2010/main">
-                <a:effectLst>
-                  <a:outerShdw dist="35921" dir="2700000" algn="ctr" rotWithShape="0">
-                    <a:schemeClr val="bg2"/>
-                  </a:outerShdw>
-                </a:effectLst>
-              </a14:hiddenEffects>
-            </a:ext>
-          </a:extLst>
-        </p:spPr>
-        <p:txBody>
-          <a:bodyPr vert="horz" wrap="square" lIns="91440" tIns="45720" rIns="91440" bIns="45720" numCol="1" anchor="t" anchorCtr="0" compatLnSpc="1">
-            <a:prstTxWarp prst="textNoShape">
-              <a:avLst/>
-            </a:prstTxWarp>
-          </a:bodyPr>
-          <a:lstStyle/>
-          <a:p>
-            <a:pPr>
-              <a:lnSpc>
-                <a:spcPct val="90000"/>
-              </a:lnSpc>
-            </a:pPr>
-            <a:r>
-              <a:rPr lang="en-US" altLang="en-US" sz="2400" dirty="0" smtClean="0"/>
-              <a:t>Your project should look something like this.</a:t>
-            </a:r>
-            <a:endParaRPr lang="en-US" altLang="en-US" sz="2400" dirty="0"/>
-          </a:p>
-        </p:txBody>
-      </p:sp>
-      <p:pic>
-        <p:nvPicPr>
-          <p:cNvPr id="10243" name="Picture 3"/>
-          <p:cNvPicPr>
-            <a:picLocks noChangeAspect="1" noChangeArrowheads="1"/>
-          </p:cNvPicPr>
-          <p:nvPr/>
-        </p:nvPicPr>
-        <p:blipFill>
-          <a:blip r:embed="rId2">
-            <a:extLst>
-              <a:ext uri="{28A0092B-C50C-407E-A947-70E740481C1C}">
-                <a14:useLocalDpi xmlns:a14="http://schemas.microsoft.com/office/drawing/2010/main" val="0"/>
-              </a:ext>
-            </a:extLst>
-          </a:blip>
-          <a:srcRect/>
-          <a:stretch>
-            <a:fillRect/>
-          </a:stretch>
-        </p:blipFill>
-        <p:spPr bwMode="auto">
-          <a:xfrm>
-            <a:off x="1447800" y="1752600"/>
-            <a:ext cx="6324600" cy="4743193"/>
-          </a:xfrm>
-          <a:prstGeom prst="rect">
-            <a:avLst/>
-          </a:prstGeom>
-          <a:noFill/>
-          <a:ln>
-            <a:noFill/>
-          </a:ln>
-          <a:extLst>
-            <a:ext uri="{909E8E84-426E-40DD-AFC4-6F175D3DCCD1}">
-              <a14:hiddenFill xmlns:a14="http://schemas.microsoft.com/office/drawing/2010/main">
-                <a:solidFill>
-                  <a:schemeClr val="accent1"/>
-                </a:solidFill>
-              </a14:hiddenFill>
-            </a:ext>
-            <a:ext uri="{91240B29-F687-4F45-9708-019B960494DF}">
-              <a14:hiddenLine xmlns:a14="http://schemas.microsoft.com/office/drawing/2010/main" w="9525">
-                <a:solidFill>
-                  <a:schemeClr val="tx1"/>
-                </a:solidFill>
-                <a:miter lim="800000"/>
-                <a:headEnd/>
-                <a:tailEnd/>
-              </a14:hiddenLine>
-            </a:ext>
-          </a:extLst>
-        </p:spPr>
-      </p:pic>
-    </p:spTree>
-    <p:extLst>
-      <p:ext uri="{BB962C8B-B14F-4D97-AF65-F5344CB8AC3E}">
-        <p14:creationId xmlns:p14="http://schemas.microsoft.com/office/powerpoint/2010/main" val="1977339234"/>
-      </p:ext>
-    </p:extLst>
   </p:cSld>
   <p:clrMapOvr>
     <a:masterClrMapping/>
@@ -6253,7 +3812,7 @@
           <a:p>
             <a:r>
               <a:rPr lang="en-US" altLang="en-US" dirty="0" smtClean="0"/>
-              <a:t>Hibernate </a:t>
+              <a:t>What is Hibernate? </a:t>
             </a:r>
             <a:endParaRPr lang="en-US" altLang="en-US" dirty="0"/>
           </a:p>
@@ -6319,25 +3878,10 @@
               </a:lnSpc>
             </a:pPr>
             <a:r>
-              <a:rPr lang="en-US" altLang="en-US" sz="2400" dirty="0">
-                <a:latin typeface="David" panose="020E0502060401010101" pitchFamily="34" charset="-79"/>
-                <a:cs typeface="David" panose="020E0502060401010101" pitchFamily="34" charset="-79"/>
-                <a:hlinkClick r:id="rId2"/>
-              </a:rPr>
-              <a:t>http://hibernate.org/orm</a:t>
-            </a:r>
-            <a:r>
-              <a:rPr lang="en-US" altLang="en-US" sz="2400" dirty="0" smtClean="0">
-                <a:latin typeface="David" panose="020E0502060401010101" pitchFamily="34" charset="-79"/>
-                <a:cs typeface="David" panose="020E0502060401010101" pitchFamily="34" charset="-79"/>
-                <a:hlinkClick r:id="rId2"/>
-              </a:rPr>
-              <a:t>/</a:t>
-            </a:r>
-            <a:endParaRPr lang="en-US" altLang="en-US" sz="2400" dirty="0" smtClean="0">
-              <a:latin typeface="David" panose="020E0502060401010101" pitchFamily="34" charset="-79"/>
-              <a:cs typeface="David" panose="020E0502060401010101" pitchFamily="34" charset="-79"/>
-            </a:endParaRPr>
+              <a:rPr lang="en-US" altLang="en-US" sz="2800" dirty="0" smtClean="0"/>
+              <a:t>An object-relational mapping framework (ORM) for Java</a:t>
+            </a:r>
+            <a:endParaRPr lang="en-US" altLang="en-US" sz="2800" dirty="0" smtClean="0"/>
           </a:p>
           <a:p>
             <a:pPr>
@@ -6346,546 +3890,10 @@
               </a:lnSpc>
             </a:pPr>
             <a:r>
-              <a:rPr lang="en-US" altLang="en-US" sz="2400" dirty="0">
-                <a:latin typeface="David" panose="020E0502060401010101" pitchFamily="34" charset="-79"/>
-                <a:cs typeface="David" panose="020E0502060401010101" pitchFamily="34" charset="-79"/>
-                <a:hlinkClick r:id="rId3"/>
-              </a:rPr>
-              <a:t>http://hibernate.org/orm/downloads</a:t>
-            </a:r>
-            <a:r>
-              <a:rPr lang="en-US" altLang="en-US" sz="2400" dirty="0" smtClean="0">
-                <a:latin typeface="David" panose="020E0502060401010101" pitchFamily="34" charset="-79"/>
-                <a:cs typeface="David" panose="020E0502060401010101" pitchFamily="34" charset="-79"/>
-                <a:hlinkClick r:id="rId3"/>
-              </a:rPr>
-              <a:t>/</a:t>
-            </a:r>
-            <a:endParaRPr lang="en-US" altLang="en-US" sz="2400" dirty="0" smtClean="0">
-              <a:latin typeface="David" panose="020E0502060401010101" pitchFamily="34" charset="-79"/>
-              <a:cs typeface="David" panose="020E0502060401010101" pitchFamily="34" charset="-79"/>
-            </a:endParaRPr>
-          </a:p>
-          <a:p>
-            <a:pPr>
-              <a:lnSpc>
-                <a:spcPct val="90000"/>
-              </a:lnSpc>
-            </a:pPr>
-            <a:r>
-              <a:rPr lang="en-US" altLang="en-US" sz="2400" dirty="0">
-                <a:latin typeface="David" panose="020E0502060401010101" pitchFamily="34" charset="-79"/>
-                <a:cs typeface="David" panose="020E0502060401010101" pitchFamily="34" charset="-79"/>
-                <a:hlinkClick r:id="rId4"/>
-              </a:rPr>
-              <a:t>https://en.wikipedia.org/wiki/Hibernate_%</a:t>
-            </a:r>
-            <a:r>
-              <a:rPr lang="en-US" altLang="en-US" sz="2400" dirty="0" smtClean="0">
-                <a:latin typeface="David" panose="020E0502060401010101" pitchFamily="34" charset="-79"/>
-                <a:cs typeface="David" panose="020E0502060401010101" pitchFamily="34" charset="-79"/>
-                <a:hlinkClick r:id="rId4"/>
-              </a:rPr>
-              <a:t>28framework%29</a:t>
-            </a:r>
-            <a:endParaRPr lang="en-US" altLang="en-US" sz="2400" dirty="0" smtClean="0">
-              <a:latin typeface="David" panose="020E0502060401010101" pitchFamily="34" charset="-79"/>
-              <a:cs typeface="David" panose="020E0502060401010101" pitchFamily="34" charset="-79"/>
-            </a:endParaRPr>
-          </a:p>
-          <a:p>
-            <a:pPr>
-              <a:lnSpc>
-                <a:spcPct val="90000"/>
-              </a:lnSpc>
-            </a:pPr>
-            <a:r>
-              <a:rPr lang="en-US" altLang="en-US" sz="2400" dirty="0" smtClean="0">
-                <a:latin typeface="David" panose="020E0502060401010101" pitchFamily="34" charset="-79"/>
-                <a:cs typeface="David" panose="020E0502060401010101" pitchFamily="34" charset="-79"/>
-              </a:rPr>
-              <a:t>Download the hibernate software from the link above.</a:t>
-            </a:r>
-          </a:p>
-          <a:p>
-            <a:pPr>
-              <a:lnSpc>
-                <a:spcPct val="90000"/>
-              </a:lnSpc>
-            </a:pPr>
-            <a:r>
-              <a:rPr lang="en-US" altLang="en-US" sz="2400" dirty="0" smtClean="0">
-                <a:latin typeface="David" panose="020E0502060401010101" pitchFamily="34" charset="-79"/>
-                <a:cs typeface="David" panose="020E0502060401010101" pitchFamily="34" charset="-79"/>
-              </a:rPr>
-              <a:t>Unzip it to a local directory</a:t>
-            </a:r>
-          </a:p>
-          <a:p>
-            <a:pPr>
-              <a:lnSpc>
-                <a:spcPct val="90000"/>
-              </a:lnSpc>
-            </a:pPr>
-            <a:endParaRPr lang="en-US" altLang="en-US" sz="2400" dirty="0" smtClean="0">
-              <a:latin typeface="David" panose="020E0502060401010101" pitchFamily="34" charset="-79"/>
-              <a:cs typeface="David" panose="020E0502060401010101" pitchFamily="34" charset="-79"/>
-            </a:endParaRPr>
-          </a:p>
-          <a:p>
-            <a:pPr>
-              <a:lnSpc>
-                <a:spcPct val="90000"/>
-              </a:lnSpc>
-            </a:pPr>
-            <a:endParaRPr lang="en-US" altLang="en-US" sz="2400" dirty="0" smtClean="0"/>
-          </a:p>
-          <a:p>
-            <a:pPr>
-              <a:lnSpc>
-                <a:spcPct val="90000"/>
-              </a:lnSpc>
-            </a:pPr>
-            <a:endParaRPr lang="en-US" altLang="en-US" sz="2400" dirty="0"/>
-          </a:p>
-        </p:txBody>
-      </p:sp>
-      <p:pic>
-        <p:nvPicPr>
-          <p:cNvPr id="3074" name="Picture 2"/>
-          <p:cNvPicPr>
-            <a:picLocks noChangeAspect="1" noChangeArrowheads="1"/>
-          </p:cNvPicPr>
-          <p:nvPr/>
-        </p:nvPicPr>
-        <p:blipFill>
-          <a:blip r:embed="rId5">
-            <a:extLst>
-              <a:ext uri="{28A0092B-C50C-407E-A947-70E740481C1C}">
-                <a14:useLocalDpi xmlns:a14="http://schemas.microsoft.com/office/drawing/2010/main" val="0"/>
-              </a:ext>
-            </a:extLst>
-          </a:blip>
-          <a:srcRect/>
-          <a:stretch>
-            <a:fillRect/>
-          </a:stretch>
-        </p:blipFill>
-        <p:spPr bwMode="auto">
-          <a:xfrm>
-            <a:off x="3143250" y="3438525"/>
-            <a:ext cx="2857500" cy="2124075"/>
-          </a:xfrm>
-          <a:prstGeom prst="rect">
-            <a:avLst/>
-          </a:prstGeom>
-          <a:noFill/>
-          <a:ln>
-            <a:noFill/>
-          </a:ln>
-          <a:extLst>
-            <a:ext uri="{909E8E84-426E-40DD-AFC4-6F175D3DCCD1}">
-              <a14:hiddenFill xmlns:a14="http://schemas.microsoft.com/office/drawing/2010/main">
-                <a:solidFill>
-                  <a:schemeClr val="accent1"/>
-                </a:solidFill>
-              </a14:hiddenFill>
-            </a:ext>
-            <a:ext uri="{91240B29-F687-4F45-9708-019B960494DF}">
-              <a14:hiddenLine xmlns:a14="http://schemas.microsoft.com/office/drawing/2010/main" w="9525">
-                <a:solidFill>
-                  <a:schemeClr val="tx1"/>
-                </a:solidFill>
-                <a:miter lim="800000"/>
-                <a:headEnd/>
-                <a:tailEnd/>
-              </a14:hiddenLine>
-            </a:ext>
-          </a:extLst>
-        </p:spPr>
-      </p:pic>
-    </p:spTree>
-  </p:cSld>
-  <p:clrMapOvr>
-    <a:masterClrMapping/>
-  </p:clrMapOvr>
-  <p:timing>
-    <p:tnLst>
-      <p:par>
-        <p:cTn id="1" dur="indefinite" restart="never" nodeType="tmRoot"/>
-      </p:par>
-    </p:tnLst>
-  </p:timing>
-</p:sld>
-</file>
-
-<file path=ppt/slides/slide20.xml><?xml version="1.0" encoding="utf-8"?>
-<p:sld xmlns:a="http://schemas.openxmlformats.org/drawingml/2006/main" xmlns:r="http://schemas.openxmlformats.org/officeDocument/2006/relationships" xmlns:p="http://schemas.openxmlformats.org/presentationml/2006/main">
-  <p:cSld>
-    <p:spTree>
-      <p:nvGrpSpPr>
-        <p:cNvPr id="1" name=""/>
-        <p:cNvGrpSpPr/>
-        <p:nvPr/>
-      </p:nvGrpSpPr>
-      <p:grpSpPr>
-        <a:xfrm>
-          <a:off x="0" y="0"/>
-          <a:ext cx="0" cy="0"/>
-          <a:chOff x="0" y="0"/>
-          <a:chExt cx="0" cy="0"/>
-        </a:xfrm>
-      </p:grpSpPr>
-      <p:sp>
-        <p:nvSpPr>
-          <p:cNvPr id="4" name="Slide Number Placeholder 3"/>
-          <p:cNvSpPr>
-            <a:spLocks noGrp="1"/>
-          </p:cNvSpPr>
-          <p:nvPr>
-            <p:ph type="sldNum" sz="quarter" idx="10"/>
-          </p:nvPr>
-        </p:nvSpPr>
-        <p:spPr/>
-        <p:txBody>
-          <a:bodyPr/>
-          <a:lstStyle/>
-          <a:p>
-            <a:fld id="{9CAA6850-6AF0-4A45-8B3A-FEE9E8969215}" type="slidenum">
-              <a:rPr lang="en-US" altLang="en-US"/>
-              <a:pPr/>
-              <a:t>20</a:t>
-            </a:fld>
-            <a:endParaRPr lang="en-US" altLang="en-US"/>
-          </a:p>
-        </p:txBody>
-      </p:sp>
-      <p:sp>
-        <p:nvSpPr>
-          <p:cNvPr id="9220" name="Rectangle 4"/>
-          <p:cNvSpPr>
-            <a:spLocks noGrp="1" noChangeArrowheads="1"/>
-          </p:cNvSpPr>
-          <p:nvPr>
-            <p:ph type="title"/>
-          </p:nvPr>
-        </p:nvSpPr>
-        <p:spPr bwMode="auto">
-          <a:xfrm>
-            <a:off x="457200" y="274638"/>
-            <a:ext cx="8229600" cy="868362"/>
-          </a:xfrm>
-          <a:noFill/>
-          <a:ln/>
-          <a:extLst>
-            <a:ext uri="{909E8E84-426E-40DD-AFC4-6F175D3DCCD1}">
-              <a14:hiddenFill xmlns:a14="http://schemas.microsoft.com/office/drawing/2010/main">
-                <a:solidFill>
-                  <a:schemeClr val="accent1"/>
-                </a:solidFill>
-              </a14:hiddenFill>
-            </a:ext>
-            <a:ext uri="{91240B29-F687-4F45-9708-019B960494DF}">
-              <a14:hiddenLine xmlns:a14="http://schemas.microsoft.com/office/drawing/2010/main" w="9525">
-                <a:solidFill>
-                  <a:schemeClr val="tx1"/>
-                </a:solidFill>
-                <a:miter lim="800000"/>
-                <a:headEnd/>
-                <a:tailEnd/>
-              </a14:hiddenLine>
-            </a:ext>
-            <a:ext uri="{AF507438-7753-43E0-B8FC-AC1667EBCBE1}">
-              <a14:hiddenEffects xmlns:a14="http://schemas.microsoft.com/office/drawing/2010/main">
-                <a:effectLst>
-                  <a:outerShdw dist="35921" dir="2700000" algn="ctr" rotWithShape="0">
-                    <a:schemeClr val="bg2"/>
-                  </a:outerShdw>
-                </a:effectLst>
-              </a14:hiddenEffects>
-            </a:ext>
-          </a:extLst>
-        </p:spPr>
-        <p:txBody>
-          <a:bodyPr vert="horz" wrap="square" lIns="91440" tIns="45720" rIns="91440" bIns="45720" numCol="1" anchor="t" anchorCtr="0" compatLnSpc="1">
-            <a:prstTxWarp prst="textNoShape">
-              <a:avLst/>
-            </a:prstTxWarp>
-          </a:bodyPr>
-          <a:lstStyle/>
-          <a:p>
-            <a:r>
-              <a:rPr lang="en-US" altLang="en-US" dirty="0"/>
-              <a:t>Hibernate Setup </a:t>
-            </a:r>
-          </a:p>
-        </p:txBody>
-      </p:sp>
-      <p:sp>
-        <p:nvSpPr>
-          <p:cNvPr id="9221" name="Rectangle 5"/>
-          <p:cNvSpPr>
-            <a:spLocks noGrp="1" noChangeArrowheads="1"/>
-          </p:cNvSpPr>
-          <p:nvPr>
-            <p:ph type="body" idx="1"/>
-          </p:nvPr>
-        </p:nvSpPr>
-        <p:spPr bwMode="auto">
-          <a:xfrm>
-            <a:off x="457200" y="1295400"/>
-            <a:ext cx="8229600" cy="4830763"/>
-          </a:xfrm>
-          <a:noFill/>
-          <a:ln/>
-          <a:extLst>
-            <a:ext uri="{909E8E84-426E-40DD-AFC4-6F175D3DCCD1}">
-              <a14:hiddenFill xmlns:a14="http://schemas.microsoft.com/office/drawing/2010/main">
-                <a:solidFill>
-                  <a:schemeClr val="accent1"/>
-                </a:solidFill>
-              </a14:hiddenFill>
-            </a:ext>
-            <a:ext uri="{91240B29-F687-4F45-9708-019B960494DF}">
-              <a14:hiddenLine xmlns:a14="http://schemas.microsoft.com/office/drawing/2010/main" w="9525">
-                <a:solidFill>
-                  <a:schemeClr val="tx1"/>
-                </a:solidFill>
-                <a:miter lim="800000"/>
-                <a:headEnd/>
-                <a:tailEnd/>
-              </a14:hiddenLine>
-            </a:ext>
-            <a:ext uri="{AF507438-7753-43E0-B8FC-AC1667EBCBE1}">
-              <a14:hiddenEffects xmlns:a14="http://schemas.microsoft.com/office/drawing/2010/main">
-                <a:effectLst>
-                  <a:outerShdw dist="35921" dir="2700000" algn="ctr" rotWithShape="0">
-                    <a:schemeClr val="bg2"/>
-                  </a:outerShdw>
-                </a:effectLst>
-              </a14:hiddenEffects>
-            </a:ext>
-          </a:extLst>
-        </p:spPr>
-        <p:txBody>
-          <a:bodyPr vert="horz" wrap="square" lIns="91440" tIns="45720" rIns="91440" bIns="45720" numCol="1" anchor="t" anchorCtr="0" compatLnSpc="1">
-            <a:prstTxWarp prst="textNoShape">
-              <a:avLst/>
-            </a:prstTxWarp>
-          </a:bodyPr>
-          <a:lstStyle/>
-          <a:p>
-            <a:pPr>
-              <a:lnSpc>
-                <a:spcPct val="90000"/>
-              </a:lnSpc>
-            </a:pPr>
-            <a:r>
               <a:rPr lang="en-US" altLang="en-US" sz="2800" dirty="0" smtClean="0"/>
-              <a:t>After </a:t>
-            </a:r>
-            <a:r>
-              <a:rPr lang="en-US" altLang="en-US" sz="2800" smtClean="0"/>
-              <a:t>following these </a:t>
-            </a:r>
-            <a:r>
-              <a:rPr lang="en-US" altLang="en-US" sz="2800" dirty="0" smtClean="0"/>
-              <a:t>steps, you should be ready to begin on the project</a:t>
-            </a:r>
-          </a:p>
-          <a:p>
-            <a:pPr>
-              <a:lnSpc>
-                <a:spcPct val="90000"/>
-              </a:lnSpc>
-            </a:pPr>
-            <a:r>
-              <a:rPr lang="en-US" altLang="en-US" sz="2800" dirty="0"/>
-              <a:t>Hibernate - Part </a:t>
-            </a:r>
-            <a:r>
-              <a:rPr lang="en-US" altLang="en-US" sz="2800" dirty="0" smtClean="0"/>
-              <a:t>2 will provide step by step instructions</a:t>
-            </a:r>
-            <a:endParaRPr lang="en-US" altLang="en-US" sz="2400" dirty="0"/>
-          </a:p>
-        </p:txBody>
-      </p:sp>
-    </p:spTree>
-    <p:extLst>
-      <p:ext uri="{BB962C8B-B14F-4D97-AF65-F5344CB8AC3E}">
-        <p14:creationId xmlns:p14="http://schemas.microsoft.com/office/powerpoint/2010/main" val="1158055818"/>
-      </p:ext>
-    </p:extLst>
-  </p:cSld>
-  <p:clrMapOvr>
-    <a:masterClrMapping/>
-  </p:clrMapOvr>
-  <p:timing>
-    <p:tnLst>
-      <p:par>
-        <p:cTn id="1" dur="indefinite" restart="never" nodeType="tmRoot"/>
-      </p:par>
-    </p:tnLst>
-  </p:timing>
-</p:sld>
-</file>
-
-<file path=ppt/slides/slide21.xml><?xml version="1.0" encoding="utf-8"?>
-<p:sld xmlns:a="http://schemas.openxmlformats.org/drawingml/2006/main" xmlns:r="http://schemas.openxmlformats.org/officeDocument/2006/relationships" xmlns:p="http://schemas.openxmlformats.org/presentationml/2006/main">
-  <p:cSld>
-    <p:spTree>
-      <p:nvGrpSpPr>
-        <p:cNvPr id="1" name=""/>
-        <p:cNvGrpSpPr/>
-        <p:nvPr/>
-      </p:nvGrpSpPr>
-      <p:grpSpPr>
-        <a:xfrm>
-          <a:off x="0" y="0"/>
-          <a:ext cx="0" cy="0"/>
-          <a:chOff x="0" y="0"/>
-          <a:chExt cx="0" cy="0"/>
-        </a:xfrm>
-      </p:grpSpPr>
-      <p:sp>
-        <p:nvSpPr>
-          <p:cNvPr id="4" name="Slide Number Placeholder 3"/>
-          <p:cNvSpPr>
-            <a:spLocks noGrp="1"/>
-          </p:cNvSpPr>
-          <p:nvPr>
-            <p:ph type="sldNum" sz="quarter" idx="10"/>
-          </p:nvPr>
-        </p:nvSpPr>
-        <p:spPr/>
-        <p:txBody>
-          <a:bodyPr/>
-          <a:lstStyle/>
-          <a:p>
-            <a:fld id="{9CAA6850-6AF0-4A45-8B3A-FEE9E8969215}" type="slidenum">
-              <a:rPr lang="en-US" altLang="en-US"/>
-              <a:pPr/>
-              <a:t>21</a:t>
-            </a:fld>
-            <a:endParaRPr lang="en-US" altLang="en-US"/>
-          </a:p>
-        </p:txBody>
-      </p:sp>
-      <p:sp>
-        <p:nvSpPr>
-          <p:cNvPr id="9220" name="Rectangle 4"/>
-          <p:cNvSpPr>
-            <a:spLocks noGrp="1" noChangeArrowheads="1"/>
-          </p:cNvSpPr>
-          <p:nvPr>
-            <p:ph type="title"/>
-          </p:nvPr>
-        </p:nvSpPr>
-        <p:spPr bwMode="auto">
-          <a:xfrm>
-            <a:off x="457200" y="274638"/>
-            <a:ext cx="8229600" cy="868362"/>
-          </a:xfrm>
-          <a:noFill/>
-          <a:ln/>
-          <a:extLst>
-            <a:ext uri="{909E8E84-426E-40DD-AFC4-6F175D3DCCD1}">
-              <a14:hiddenFill xmlns:a14="http://schemas.microsoft.com/office/drawing/2010/main">
-                <a:solidFill>
-                  <a:schemeClr val="accent1"/>
-                </a:solidFill>
-              </a14:hiddenFill>
-            </a:ext>
-            <a:ext uri="{91240B29-F687-4F45-9708-019B960494DF}">
-              <a14:hiddenLine xmlns:a14="http://schemas.microsoft.com/office/drawing/2010/main" w="9525">
-                <a:solidFill>
-                  <a:schemeClr val="tx1"/>
-                </a:solidFill>
-                <a:miter lim="800000"/>
-                <a:headEnd/>
-                <a:tailEnd/>
-              </a14:hiddenLine>
-            </a:ext>
-            <a:ext uri="{AF507438-7753-43E0-B8FC-AC1667EBCBE1}">
-              <a14:hiddenEffects xmlns:a14="http://schemas.microsoft.com/office/drawing/2010/main">
-                <a:effectLst>
-                  <a:outerShdw dist="35921" dir="2700000" algn="ctr" rotWithShape="0">
-                    <a:schemeClr val="bg2"/>
-                  </a:outerShdw>
-                </a:effectLst>
-              </a14:hiddenEffects>
-            </a:ext>
-          </a:extLst>
-        </p:spPr>
-        <p:txBody>
-          <a:bodyPr vert="horz" wrap="square" lIns="91440" tIns="45720" rIns="91440" bIns="45720" numCol="1" anchor="t" anchorCtr="0" compatLnSpc="1">
-            <a:prstTxWarp prst="textNoShape">
-              <a:avLst/>
-            </a:prstTxWarp>
-          </a:bodyPr>
-          <a:lstStyle/>
-          <a:p>
-            <a:r>
-              <a:rPr lang="en-US" altLang="en-US" dirty="0"/>
-              <a:t>Hibernate Setup </a:t>
-            </a:r>
-          </a:p>
-        </p:txBody>
-      </p:sp>
-      <p:sp>
-        <p:nvSpPr>
-          <p:cNvPr id="9221" name="Rectangle 5"/>
-          <p:cNvSpPr>
-            <a:spLocks noGrp="1" noChangeArrowheads="1"/>
-          </p:cNvSpPr>
-          <p:nvPr>
-            <p:ph type="body" idx="1"/>
-          </p:nvPr>
-        </p:nvSpPr>
-        <p:spPr bwMode="auto">
-          <a:xfrm>
-            <a:off x="457200" y="1295400"/>
-            <a:ext cx="8229600" cy="4830763"/>
-          </a:xfrm>
-          <a:noFill/>
-          <a:ln/>
-          <a:extLst>
-            <a:ext uri="{909E8E84-426E-40DD-AFC4-6F175D3DCCD1}">
-              <a14:hiddenFill xmlns:a14="http://schemas.microsoft.com/office/drawing/2010/main">
-                <a:solidFill>
-                  <a:schemeClr val="accent1"/>
-                </a:solidFill>
-              </a14:hiddenFill>
-            </a:ext>
-            <a:ext uri="{91240B29-F687-4F45-9708-019B960494DF}">
-              <a14:hiddenLine xmlns:a14="http://schemas.microsoft.com/office/drawing/2010/main" w="9525">
-                <a:solidFill>
-                  <a:schemeClr val="tx1"/>
-                </a:solidFill>
-                <a:miter lim="800000"/>
-                <a:headEnd/>
-                <a:tailEnd/>
-              </a14:hiddenLine>
-            </a:ext>
-            <a:ext uri="{AF507438-7753-43E0-B8FC-AC1667EBCBE1}">
-              <a14:hiddenEffects xmlns:a14="http://schemas.microsoft.com/office/drawing/2010/main">
-                <a:effectLst>
-                  <a:outerShdw dist="35921" dir="2700000" algn="ctr" rotWithShape="0">
-                    <a:schemeClr val="bg2"/>
-                  </a:outerShdw>
-                </a:effectLst>
-              </a14:hiddenEffects>
-            </a:ext>
-          </a:extLst>
-        </p:spPr>
-        <p:txBody>
-          <a:bodyPr vert="horz" wrap="square" lIns="91440" tIns="45720" rIns="91440" bIns="45720" numCol="1" anchor="t" anchorCtr="0" compatLnSpc="1">
-            <a:prstTxWarp prst="textNoShape">
-              <a:avLst/>
-            </a:prstTxWarp>
-          </a:bodyPr>
-          <a:lstStyle/>
+              <a:t>Created by Gavin King in 2001</a:t>
+            </a:r>
+          </a:p>
           <a:p>
             <a:pPr>
               <a:lnSpc>
@@ -6919,8 +3927,8 @@
         </p:blipFill>
         <p:spPr bwMode="auto">
           <a:xfrm>
-            <a:off x="3100388" y="1404938"/>
-            <a:ext cx="2943225" cy="4048125"/>
+            <a:off x="3505200" y="3657600"/>
+            <a:ext cx="2133600" cy="2133600"/>
           </a:xfrm>
           <a:prstGeom prst="rect">
             <a:avLst/>
@@ -6953,7 +3961,7 @@
     </p:spTree>
     <p:extLst>
       <p:ext uri="{BB962C8B-B14F-4D97-AF65-F5344CB8AC3E}">
-        <p14:creationId xmlns:p14="http://schemas.microsoft.com/office/powerpoint/2010/main" val="3172892447"/>
+        <p14:creationId xmlns:p14="http://schemas.microsoft.com/office/powerpoint/2010/main" val="3848885818"/>
       </p:ext>
     </p:extLst>
   </p:cSld>
@@ -7067,7 +4075,7 @@
           <a:p>
             <a:r>
               <a:rPr lang="en-US" altLang="en-US" dirty="0" smtClean="0"/>
-              <a:t>Hibernate Setup </a:t>
+              <a:t>What is Hibernate? </a:t>
             </a:r>
             <a:endParaRPr lang="en-US" altLang="en-US" dirty="0"/>
           </a:p>
@@ -7133,16 +4141,8 @@
               </a:lnSpc>
             </a:pPr>
             <a:r>
-              <a:rPr lang="en-US" altLang="en-US" sz="2400" dirty="0" smtClean="0"/>
-              <a:t>Expanded directory looks </a:t>
-            </a:r>
-            <a:r>
-              <a:rPr lang="en-US" altLang="en-US" sz="2400" dirty="0"/>
-              <a:t>l</a:t>
-            </a:r>
-            <a:r>
-              <a:rPr lang="en-US" altLang="en-US" sz="2400" dirty="0" smtClean="0"/>
-              <a:t>ike this</a:t>
+              <a:rPr lang="en-US" altLang="en-US" sz="2800" dirty="0"/>
+              <a:t>Allows mapping from Java classes to database tables</a:t>
             </a:r>
           </a:p>
           <a:p>
@@ -7152,21 +4152,10 @@
               </a:lnSpc>
             </a:pPr>
             <a:r>
-              <a:rPr lang="en-US" altLang="en-US" sz="2400" dirty="0" smtClean="0"/>
-              <a:t>You will need all files in the </a:t>
-            </a:r>
-            <a:r>
-              <a:rPr lang="en-US" altLang="en-US" sz="2400" dirty="0" smtClean="0">
-                <a:solidFill>
-                  <a:srgbClr val="FF0000"/>
-                </a:solidFill>
-              </a:rPr>
-              <a:t>required</a:t>
-            </a:r>
-            <a:r>
-              <a:rPr lang="en-US" altLang="en-US" sz="2400" dirty="0" smtClean="0"/>
-              <a:t> subdirectory</a:t>
-            </a:r>
+              <a:rPr lang="en-US" altLang="en-US" sz="2800" dirty="0"/>
+              <a:t>Allows mapping from Java data types to SQL data types</a:t>
+            </a:r>
+            <a:endParaRPr lang="en-US" altLang="en-US" sz="2800" dirty="0" smtClean="0"/>
           </a:p>
           <a:p>
             <a:pPr>
@@ -7174,13 +4163,28 @@
                 <a:spcPct val="90000"/>
               </a:lnSpc>
             </a:pPr>
-            <a:endParaRPr lang="en-US" altLang="en-US" sz="2400" dirty="0"/>
+            <a:r>
+              <a:rPr lang="en-US" altLang="en-US" sz="2800" dirty="0" smtClean="0"/>
+              <a:t>Sits between Plain Old Java Objects (POJO) &amp; database</a:t>
+            </a:r>
+          </a:p>
+          <a:p>
+            <a:pPr>
+              <a:lnSpc>
+                <a:spcPct val="90000"/>
+              </a:lnSpc>
+            </a:pPr>
+            <a:r>
+              <a:rPr lang="en-US" altLang="en-US" sz="2800" dirty="0" smtClean="0"/>
+              <a:t>Persists objects i.e. in a database table</a:t>
+            </a:r>
+            <a:endParaRPr lang="en-US" altLang="en-US" sz="2800" dirty="0"/>
           </a:p>
         </p:txBody>
       </p:sp>
       <p:pic>
         <p:nvPicPr>
-          <p:cNvPr id="4098" name="Picture 2"/>
+          <p:cNvPr id="2050" name="Picture 2"/>
           <p:cNvPicPr>
             <a:picLocks noChangeAspect="1" noChangeArrowheads="1"/>
           </p:cNvPicPr>
@@ -7201,8 +4205,8 @@
         </p:blipFill>
         <p:spPr bwMode="auto">
           <a:xfrm>
-            <a:off x="457200" y="2562225"/>
-            <a:ext cx="3429000" cy="3459480"/>
+            <a:off x="2017229" y="4629150"/>
+            <a:ext cx="5221771" cy="1543050"/>
           </a:xfrm>
           <a:prstGeom prst="rect">
             <a:avLst/>
@@ -7232,64 +4236,10 @@
           </a:extLst>
         </p:spPr>
       </p:pic>
-      <p:pic>
-        <p:nvPicPr>
-          <p:cNvPr id="4099" name="Picture 3"/>
-          <p:cNvPicPr>
-            <a:picLocks noChangeAspect="1" noChangeArrowheads="1"/>
-          </p:cNvPicPr>
-          <p:nvPr/>
-        </p:nvPicPr>
-        <p:blipFill>
-          <a:blip r:embed="rId3">
-            <a:extLst>
-              <a:ext uri="{28A0092B-C50C-407E-A947-70E740481C1C}">
-                <a14:useLocalDpi xmlns:a14="http://schemas.microsoft.com/office/drawing/2010/main" val="0"/>
-              </a:ext>
-            </a:extLst>
-          </a:blip>
-          <a:srcRect/>
-          <a:stretch>
-            <a:fillRect/>
-          </a:stretch>
-        </p:blipFill>
-        <p:spPr bwMode="auto">
-          <a:xfrm>
-            <a:off x="4029075" y="2743200"/>
-            <a:ext cx="4810125" cy="2371725"/>
-          </a:xfrm>
-          <a:prstGeom prst="rect">
-            <a:avLst/>
-          </a:prstGeom>
-          <a:noFill/>
-          <a:ln>
-            <a:noFill/>
-          </a:ln>
-          <a:extLst>
-            <a:ext uri="{909E8E84-426E-40DD-AFC4-6F175D3DCCD1}">
-              <a14:hiddenFill xmlns:a14="http://schemas.microsoft.com/office/drawing/2010/main">
-                <a:solidFill>
-                  <a:schemeClr val="accent1"/>
-                </a:solidFill>
-              </a14:hiddenFill>
-            </a:ext>
-            <a:ext uri="{91240B29-F687-4F45-9708-019B960494DF}">
-              <a14:hiddenLine xmlns:a14="http://schemas.microsoft.com/office/drawing/2010/main" w="9525">
-                <a:solidFill>
-                  <a:schemeClr val="tx1"/>
-                </a:solidFill>
-                <a:miter lim="800000"/>
-                <a:headEnd/>
-                <a:tailEnd/>
-              </a14:hiddenLine>
-            </a:ext>
-          </a:extLst>
-        </p:spPr>
-      </p:pic>
     </p:spTree>
     <p:extLst>
       <p:ext uri="{BB962C8B-B14F-4D97-AF65-F5344CB8AC3E}">
-        <p14:creationId xmlns:p14="http://schemas.microsoft.com/office/powerpoint/2010/main" val="1422749341"/>
+        <p14:creationId xmlns:p14="http://schemas.microsoft.com/office/powerpoint/2010/main" val="2637102212"/>
       </p:ext>
     </p:extLst>
   </p:cSld>
@@ -7403,7 +4353,7 @@
           <a:p>
             <a:r>
               <a:rPr lang="en-US" altLang="en-US" dirty="0" smtClean="0"/>
-              <a:t>Hibernate Setup </a:t>
+              <a:t>What is Hibernate? </a:t>
             </a:r>
             <a:endParaRPr lang="en-US" altLang="en-US" dirty="0"/>
           </a:p>
@@ -7469,16 +4419,50 @@
               </a:lnSpc>
             </a:pPr>
             <a:r>
-              <a:rPr lang="en-US" altLang="en-US" sz="2400" dirty="0" smtClean="0"/>
-              <a:t>Start Eclipse and create a new Java Project</a:t>
-            </a:r>
-            <a:endParaRPr lang="en-US" altLang="en-US" sz="2400" dirty="0"/>
+              <a:rPr lang="en-US" altLang="en-US" sz="2800" dirty="0"/>
+              <a:t>Allows mapping from Java classes to database tables</a:t>
+            </a:r>
+          </a:p>
+          <a:p>
+            <a:pPr>
+              <a:lnSpc>
+                <a:spcPct val="90000"/>
+              </a:lnSpc>
+            </a:pPr>
+            <a:r>
+              <a:rPr lang="en-US" altLang="en-US" sz="2800" dirty="0"/>
+              <a:t>Allows mapping from Java data types to SQL data types</a:t>
+            </a:r>
+            <a:endParaRPr lang="en-US" altLang="en-US" sz="2800" dirty="0" smtClean="0"/>
+          </a:p>
+          <a:p>
+            <a:pPr>
+              <a:lnSpc>
+                <a:spcPct val="90000"/>
+              </a:lnSpc>
+            </a:pPr>
+            <a:r>
+              <a:rPr lang="en-US" altLang="en-US" sz="2800" dirty="0" smtClean="0"/>
+              <a:t>Sits between Plain Old Java Objects (POJO) &amp; database</a:t>
+            </a:r>
+          </a:p>
+          <a:p>
+            <a:pPr>
+              <a:lnSpc>
+                <a:spcPct val="90000"/>
+              </a:lnSpc>
+            </a:pPr>
+            <a:r>
+              <a:rPr lang="en-US" altLang="en-US" sz="2800" dirty="0" smtClean="0"/>
+              <a:t>Persists objects i.e. in a database table</a:t>
+            </a:r>
+            <a:endParaRPr lang="en-US" altLang="en-US" sz="2800" dirty="0"/>
           </a:p>
         </p:txBody>
       </p:sp>
       <p:pic>
         <p:nvPicPr>
-          <p:cNvPr id="1026" name="Picture 2"/>
+          <p:cNvPr id="2050" name="Picture 2"/>
           <p:cNvPicPr>
             <a:picLocks noChangeAspect="1" noChangeArrowheads="1"/>
           </p:cNvPicPr>
@@ -7499,8 +4483,8 @@
         </p:blipFill>
         <p:spPr bwMode="auto">
           <a:xfrm>
-            <a:off x="1524000" y="1905000"/>
-            <a:ext cx="6096330" cy="4572000"/>
+            <a:off x="2017229" y="4629150"/>
+            <a:ext cx="5221771" cy="1543050"/>
           </a:xfrm>
           <a:prstGeom prst="rect">
             <a:avLst/>
@@ -7533,7 +4517,7 @@
     </p:spTree>
     <p:extLst>
       <p:ext uri="{BB962C8B-B14F-4D97-AF65-F5344CB8AC3E}">
-        <p14:creationId xmlns:p14="http://schemas.microsoft.com/office/powerpoint/2010/main" val="1951311655"/>
+        <p14:creationId xmlns:p14="http://schemas.microsoft.com/office/powerpoint/2010/main" val="3387741627"/>
       </p:ext>
     </p:extLst>
   </p:cSld>
@@ -7646,9 +4630,10 @@
           <a:lstStyle/>
           <a:p>
             <a:r>
-              <a:rPr lang="en-US" altLang="en-US" dirty="0"/>
-              <a:t>Hibernate Setup </a:t>
-            </a:r>
+              <a:rPr lang="en-US" altLang="en-US" dirty="0" smtClean="0"/>
+              <a:t>Hibernate </a:t>
+            </a:r>
+            <a:endParaRPr lang="en-US" altLang="en-US" dirty="0"/>
           </a:p>
         </p:txBody>
       </p:sp>
@@ -7711,20 +4696,119 @@
                 <a:spcPct val="90000"/>
               </a:lnSpc>
             </a:pPr>
+            <a:r>
+              <a:rPr lang="en-US" altLang="en-US" sz="2400" dirty="0">
+                <a:cs typeface="David" panose="020E0502060401010101" pitchFamily="34" charset="-79"/>
+                <a:hlinkClick r:id="rId2"/>
+              </a:rPr>
+              <a:t>http://hibernate.org/orm</a:t>
+            </a:r>
+            <a:r>
+              <a:rPr lang="en-US" altLang="en-US" sz="2400" dirty="0" smtClean="0">
+                <a:cs typeface="David" panose="020E0502060401010101" pitchFamily="34" charset="-79"/>
+                <a:hlinkClick r:id="rId2"/>
+              </a:rPr>
+              <a:t>/</a:t>
+            </a:r>
+            <a:endParaRPr lang="en-US" altLang="en-US" sz="2400" dirty="0" smtClean="0">
+              <a:cs typeface="David" panose="020E0502060401010101" pitchFamily="34" charset="-79"/>
+            </a:endParaRPr>
+          </a:p>
+          <a:p>
+            <a:pPr>
+              <a:lnSpc>
+                <a:spcPct val="90000"/>
+              </a:lnSpc>
+            </a:pPr>
+            <a:r>
+              <a:rPr lang="en-US" altLang="en-US" sz="2400" dirty="0">
+                <a:cs typeface="David" panose="020E0502060401010101" pitchFamily="34" charset="-79"/>
+                <a:hlinkClick r:id="rId3"/>
+              </a:rPr>
+              <a:t>http://hibernate.org/orm/downloads</a:t>
+            </a:r>
+            <a:r>
+              <a:rPr lang="en-US" altLang="en-US" sz="2400" dirty="0" smtClean="0">
+                <a:cs typeface="David" panose="020E0502060401010101" pitchFamily="34" charset="-79"/>
+                <a:hlinkClick r:id="rId3"/>
+              </a:rPr>
+              <a:t>/</a:t>
+            </a:r>
+            <a:endParaRPr lang="en-US" altLang="en-US" sz="2400" dirty="0" smtClean="0">
+              <a:cs typeface="David" panose="020E0502060401010101" pitchFamily="34" charset="-79"/>
+            </a:endParaRPr>
+          </a:p>
+          <a:p>
+            <a:pPr>
+              <a:lnSpc>
+                <a:spcPct val="90000"/>
+              </a:lnSpc>
+            </a:pPr>
+            <a:r>
+              <a:rPr lang="en-US" altLang="en-US" sz="2400" dirty="0" smtClean="0">
+                <a:cs typeface="David" panose="020E0502060401010101" pitchFamily="34" charset="-79"/>
+              </a:rPr>
+              <a:t>Download </a:t>
+            </a:r>
+            <a:r>
+              <a:rPr lang="en-US" altLang="en-US" sz="2400" dirty="0" smtClean="0">
+                <a:cs typeface="David" panose="020E0502060401010101" pitchFamily="34" charset="-79"/>
+              </a:rPr>
+              <a:t>the hibernate software from the link above.</a:t>
+            </a:r>
+          </a:p>
+          <a:p>
+            <a:pPr>
+              <a:lnSpc>
+                <a:spcPct val="90000"/>
+              </a:lnSpc>
+            </a:pPr>
+            <a:r>
+              <a:rPr lang="en-US" altLang="en-US" sz="2400" dirty="0" smtClean="0">
+                <a:cs typeface="David" panose="020E0502060401010101" pitchFamily="34" charset="-79"/>
+              </a:rPr>
+              <a:t>Unzip it to a local directory</a:t>
+            </a:r>
+          </a:p>
+          <a:p>
+            <a:pPr>
+              <a:lnSpc>
+                <a:spcPct val="90000"/>
+              </a:lnSpc>
+            </a:pPr>
+            <a:endParaRPr lang="en-US" altLang="en-US" sz="2400" dirty="0" smtClean="0">
+              <a:latin typeface="David" panose="020E0502060401010101" pitchFamily="34" charset="-79"/>
+              <a:cs typeface="David" panose="020E0502060401010101" pitchFamily="34" charset="-79"/>
+            </a:endParaRPr>
+          </a:p>
+          <a:p>
+            <a:pPr>
+              <a:lnSpc>
+                <a:spcPct val="90000"/>
+              </a:lnSpc>
+            </a:pPr>
+            <a:endParaRPr lang="en-US" altLang="en-US" sz="2400" dirty="0" smtClean="0"/>
+          </a:p>
+          <a:p>
+            <a:pPr>
+              <a:lnSpc>
+                <a:spcPct val="90000"/>
+              </a:lnSpc>
+            </a:pPr>
             <a:endParaRPr lang="en-US" altLang="en-US" sz="2400" dirty="0"/>
           </a:p>
         </p:txBody>
       </p:sp>
       <p:pic>
         <p:nvPicPr>
-          <p:cNvPr id="1026" name="Picture 2"/>
+          <p:cNvPr id="3074" name="Picture 2"/>
           <p:cNvPicPr>
             <a:picLocks noChangeAspect="1" noChangeArrowheads="1"/>
           </p:cNvPicPr>
           <p:nvPr/>
         </p:nvPicPr>
         <p:blipFill>
-          <a:blip r:embed="rId2">
+          <a:blip r:embed="rId4">
             <a:extLst>
               <a:ext uri="{28A0092B-C50C-407E-A947-70E740481C1C}">
                 <a14:useLocalDpi xmlns:a14="http://schemas.microsoft.com/office/drawing/2010/main" val="0"/>
@@ -7738,8 +4822,8 @@
         </p:blipFill>
         <p:spPr bwMode="auto">
           <a:xfrm>
-            <a:off x="1219200" y="1354059"/>
-            <a:ext cx="7135774" cy="5351541"/>
+            <a:off x="2743200" y="3352801"/>
+            <a:ext cx="3690404" cy="2743200"/>
           </a:xfrm>
           <a:prstGeom prst="rect">
             <a:avLst/>
@@ -7770,11 +4854,6 @@
         </p:spPr>
       </p:pic>
     </p:spTree>
-    <p:extLst>
-      <p:ext uri="{BB962C8B-B14F-4D97-AF65-F5344CB8AC3E}">
-        <p14:creationId xmlns:p14="http://schemas.microsoft.com/office/powerpoint/2010/main" val="1192234436"/>
-      </p:ext>
-    </p:extLst>
   </p:cSld>
   <p:clrMapOvr>
     <a:masterClrMapping/>
@@ -7885,9 +4964,10 @@
           <a:lstStyle/>
           <a:p>
             <a:r>
-              <a:rPr lang="en-US" altLang="en-US" dirty="0"/>
-              <a:t>Hibernate Setup </a:t>
-            </a:r>
+              <a:rPr lang="en-US" altLang="en-US" dirty="0" smtClean="0"/>
+              <a:t>Hibernate – Part 1 </a:t>
+            </a:r>
+            <a:endParaRPr lang="en-US" altLang="en-US" dirty="0"/>
           </a:p>
         </p:txBody>
       </p:sp>
@@ -7956,7 +5036,7 @@
       </p:sp>
       <p:pic>
         <p:nvPicPr>
-          <p:cNvPr id="2050" name="Picture 2"/>
+          <p:cNvPr id="1026" name="Picture 2"/>
           <p:cNvPicPr>
             <a:picLocks noChangeAspect="1" noChangeArrowheads="1"/>
           </p:cNvPicPr>
@@ -7977,8 +5057,8 @@
         </p:blipFill>
         <p:spPr bwMode="auto">
           <a:xfrm>
-            <a:off x="2634216" y="1447800"/>
-            <a:ext cx="3842784" cy="5160963"/>
+            <a:off x="3100388" y="1404938"/>
+            <a:ext cx="2943225" cy="4048125"/>
           </a:xfrm>
           <a:prstGeom prst="rect">
             <a:avLst/>
@@ -8011,760 +5091,7 @@
     </p:spTree>
     <p:extLst>
       <p:ext uri="{BB962C8B-B14F-4D97-AF65-F5344CB8AC3E}">
-        <p14:creationId xmlns:p14="http://schemas.microsoft.com/office/powerpoint/2010/main" val="3795431046"/>
-      </p:ext>
-    </p:extLst>
-  </p:cSld>
-  <p:clrMapOvr>
-    <a:masterClrMapping/>
-  </p:clrMapOvr>
-  <p:timing>
-    <p:tnLst>
-      <p:par>
-        <p:cTn id="1" dur="indefinite" restart="never" nodeType="tmRoot"/>
-      </p:par>
-    </p:tnLst>
-  </p:timing>
-</p:sld>
-</file>
-
-<file path=ppt/slides/slide7.xml><?xml version="1.0" encoding="utf-8"?>
-<p:sld xmlns:a="http://schemas.openxmlformats.org/drawingml/2006/main" xmlns:r="http://schemas.openxmlformats.org/officeDocument/2006/relationships" xmlns:p="http://schemas.openxmlformats.org/presentationml/2006/main">
-  <p:cSld>
-    <p:spTree>
-      <p:nvGrpSpPr>
-        <p:cNvPr id="1" name=""/>
-        <p:cNvGrpSpPr/>
-        <p:nvPr/>
-      </p:nvGrpSpPr>
-      <p:grpSpPr>
-        <a:xfrm>
-          <a:off x="0" y="0"/>
-          <a:ext cx="0" cy="0"/>
-          <a:chOff x="0" y="0"/>
-          <a:chExt cx="0" cy="0"/>
-        </a:xfrm>
-      </p:grpSpPr>
-      <p:sp>
-        <p:nvSpPr>
-          <p:cNvPr id="4" name="Slide Number Placeholder 3"/>
-          <p:cNvSpPr>
-            <a:spLocks noGrp="1"/>
-          </p:cNvSpPr>
-          <p:nvPr>
-            <p:ph type="sldNum" sz="quarter" idx="10"/>
-          </p:nvPr>
-        </p:nvSpPr>
-        <p:spPr/>
-        <p:txBody>
-          <a:bodyPr/>
-          <a:lstStyle/>
-          <a:p>
-            <a:fld id="{9CAA6850-6AF0-4A45-8B3A-FEE9E8969215}" type="slidenum">
-              <a:rPr lang="en-US" altLang="en-US"/>
-              <a:pPr/>
-              <a:t>7</a:t>
-            </a:fld>
-            <a:endParaRPr lang="en-US" altLang="en-US"/>
-          </a:p>
-        </p:txBody>
-      </p:sp>
-      <p:sp>
-        <p:nvSpPr>
-          <p:cNvPr id="9220" name="Rectangle 4"/>
-          <p:cNvSpPr>
-            <a:spLocks noGrp="1" noChangeArrowheads="1"/>
-          </p:cNvSpPr>
-          <p:nvPr>
-            <p:ph type="title"/>
-          </p:nvPr>
-        </p:nvSpPr>
-        <p:spPr bwMode="auto">
-          <a:xfrm>
-            <a:off x="457200" y="274638"/>
-            <a:ext cx="8229600" cy="868362"/>
-          </a:xfrm>
-          <a:noFill/>
-          <a:ln/>
-          <a:extLst>
-            <a:ext uri="{909E8E84-426E-40DD-AFC4-6F175D3DCCD1}">
-              <a14:hiddenFill xmlns:a14="http://schemas.microsoft.com/office/drawing/2010/main">
-                <a:solidFill>
-                  <a:schemeClr val="accent1"/>
-                </a:solidFill>
-              </a14:hiddenFill>
-            </a:ext>
-            <a:ext uri="{91240B29-F687-4F45-9708-019B960494DF}">
-              <a14:hiddenLine xmlns:a14="http://schemas.microsoft.com/office/drawing/2010/main" w="9525">
-                <a:solidFill>
-                  <a:schemeClr val="tx1"/>
-                </a:solidFill>
-                <a:miter lim="800000"/>
-                <a:headEnd/>
-                <a:tailEnd/>
-              </a14:hiddenLine>
-            </a:ext>
-            <a:ext uri="{AF507438-7753-43E0-B8FC-AC1667EBCBE1}">
-              <a14:hiddenEffects xmlns:a14="http://schemas.microsoft.com/office/drawing/2010/main">
-                <a:effectLst>
-                  <a:outerShdw dist="35921" dir="2700000" algn="ctr" rotWithShape="0">
-                    <a:schemeClr val="bg2"/>
-                  </a:outerShdw>
-                </a:effectLst>
-              </a14:hiddenEffects>
-            </a:ext>
-          </a:extLst>
-        </p:spPr>
-        <p:txBody>
-          <a:bodyPr vert="horz" wrap="square" lIns="91440" tIns="45720" rIns="91440" bIns="45720" numCol="1" anchor="t" anchorCtr="0" compatLnSpc="1">
-            <a:prstTxWarp prst="textNoShape">
-              <a:avLst/>
-            </a:prstTxWarp>
-          </a:bodyPr>
-          <a:lstStyle/>
-          <a:p>
-            <a:r>
-              <a:rPr lang="en-US" altLang="en-US" dirty="0"/>
-              <a:t>Hibernate Setup </a:t>
-            </a:r>
-          </a:p>
-        </p:txBody>
-      </p:sp>
-      <p:sp>
-        <p:nvSpPr>
-          <p:cNvPr id="9221" name="Rectangle 5"/>
-          <p:cNvSpPr>
-            <a:spLocks noGrp="1" noChangeArrowheads="1"/>
-          </p:cNvSpPr>
-          <p:nvPr>
-            <p:ph type="body" idx="1"/>
-          </p:nvPr>
-        </p:nvSpPr>
-        <p:spPr bwMode="auto">
-          <a:xfrm>
-            <a:off x="457200" y="1295400"/>
-            <a:ext cx="8229600" cy="4830763"/>
-          </a:xfrm>
-          <a:noFill/>
-          <a:ln/>
-          <a:extLst>
-            <a:ext uri="{909E8E84-426E-40DD-AFC4-6F175D3DCCD1}">
-              <a14:hiddenFill xmlns:a14="http://schemas.microsoft.com/office/drawing/2010/main">
-                <a:solidFill>
-                  <a:schemeClr val="accent1"/>
-                </a:solidFill>
-              </a14:hiddenFill>
-            </a:ext>
-            <a:ext uri="{91240B29-F687-4F45-9708-019B960494DF}">
-              <a14:hiddenLine xmlns:a14="http://schemas.microsoft.com/office/drawing/2010/main" w="9525">
-                <a:solidFill>
-                  <a:schemeClr val="tx1"/>
-                </a:solidFill>
-                <a:miter lim="800000"/>
-                <a:headEnd/>
-                <a:tailEnd/>
-              </a14:hiddenLine>
-            </a:ext>
-            <a:ext uri="{AF507438-7753-43E0-B8FC-AC1667EBCBE1}">
-              <a14:hiddenEffects xmlns:a14="http://schemas.microsoft.com/office/drawing/2010/main">
-                <a:effectLst>
-                  <a:outerShdw dist="35921" dir="2700000" algn="ctr" rotWithShape="0">
-                    <a:schemeClr val="bg2"/>
-                  </a:outerShdw>
-                </a:effectLst>
-              </a14:hiddenEffects>
-            </a:ext>
-          </a:extLst>
-        </p:spPr>
-        <p:txBody>
-          <a:bodyPr vert="horz" wrap="square" lIns="91440" tIns="45720" rIns="91440" bIns="45720" numCol="1" anchor="t" anchorCtr="0" compatLnSpc="1">
-            <a:prstTxWarp prst="textNoShape">
-              <a:avLst/>
-            </a:prstTxWarp>
-          </a:bodyPr>
-          <a:lstStyle/>
-          <a:p>
-            <a:pPr>
-              <a:lnSpc>
-                <a:spcPct val="90000"/>
-              </a:lnSpc>
-            </a:pPr>
-            <a:r>
-              <a:rPr lang="en-US" altLang="en-US" sz="2400" dirty="0" smtClean="0"/>
-              <a:t>Create a </a:t>
-            </a:r>
-            <a:r>
-              <a:rPr lang="en-US" altLang="en-US" sz="2400" dirty="0" smtClean="0">
-                <a:solidFill>
-                  <a:srgbClr val="FF0000"/>
-                </a:solidFill>
-              </a:rPr>
-              <a:t>lib</a:t>
-            </a:r>
-            <a:r>
-              <a:rPr lang="en-US" altLang="en-US" sz="2400" dirty="0" smtClean="0"/>
-              <a:t> subdirectory in your project</a:t>
-            </a:r>
-            <a:endParaRPr lang="en-US" altLang="en-US" sz="2400" dirty="0"/>
-          </a:p>
-        </p:txBody>
-      </p:sp>
-      <p:pic>
-        <p:nvPicPr>
-          <p:cNvPr id="5122" name="Picture 2"/>
-          <p:cNvPicPr>
-            <a:picLocks noChangeAspect="1" noChangeArrowheads="1"/>
-          </p:cNvPicPr>
-          <p:nvPr/>
-        </p:nvPicPr>
-        <p:blipFill>
-          <a:blip r:embed="rId2">
-            <a:extLst>
-              <a:ext uri="{28A0092B-C50C-407E-A947-70E740481C1C}">
-                <a14:useLocalDpi xmlns:a14="http://schemas.microsoft.com/office/drawing/2010/main" val="0"/>
-              </a:ext>
-            </a:extLst>
-          </a:blip>
-          <a:srcRect/>
-          <a:stretch>
-            <a:fillRect/>
-          </a:stretch>
-        </p:blipFill>
-        <p:spPr bwMode="auto">
-          <a:xfrm>
-            <a:off x="2743200" y="1752600"/>
-            <a:ext cx="3615834" cy="4856163"/>
-          </a:xfrm>
-          <a:prstGeom prst="rect">
-            <a:avLst/>
-          </a:prstGeom>
-          <a:noFill/>
-          <a:ln>
-            <a:noFill/>
-          </a:ln>
-          <a:extLst>
-            <a:ext uri="{909E8E84-426E-40DD-AFC4-6F175D3DCCD1}">
-              <a14:hiddenFill xmlns:a14="http://schemas.microsoft.com/office/drawing/2010/main">
-                <a:solidFill>
-                  <a:schemeClr val="accent1"/>
-                </a:solidFill>
-              </a14:hiddenFill>
-            </a:ext>
-            <a:ext uri="{91240B29-F687-4F45-9708-019B960494DF}">
-              <a14:hiddenLine xmlns:a14="http://schemas.microsoft.com/office/drawing/2010/main" w="9525">
-                <a:solidFill>
-                  <a:schemeClr val="tx1"/>
-                </a:solidFill>
-                <a:miter lim="800000"/>
-                <a:headEnd/>
-                <a:tailEnd/>
-              </a14:hiddenLine>
-            </a:ext>
-          </a:extLst>
-        </p:spPr>
-      </p:pic>
-    </p:spTree>
-    <p:extLst>
-      <p:ext uri="{BB962C8B-B14F-4D97-AF65-F5344CB8AC3E}">
-        <p14:creationId xmlns:p14="http://schemas.microsoft.com/office/powerpoint/2010/main" val="1654962760"/>
-      </p:ext>
-    </p:extLst>
-  </p:cSld>
-  <p:clrMapOvr>
-    <a:masterClrMapping/>
-  </p:clrMapOvr>
-  <p:timing>
-    <p:tnLst>
-      <p:par>
-        <p:cTn id="1" dur="indefinite" restart="never" nodeType="tmRoot"/>
-      </p:par>
-    </p:tnLst>
-  </p:timing>
-</p:sld>
-</file>
-
-<file path=ppt/slides/slide8.xml><?xml version="1.0" encoding="utf-8"?>
-<p:sld xmlns:a="http://schemas.openxmlformats.org/drawingml/2006/main" xmlns:r="http://schemas.openxmlformats.org/officeDocument/2006/relationships" xmlns:p="http://schemas.openxmlformats.org/presentationml/2006/main">
-  <p:cSld>
-    <p:spTree>
-      <p:nvGrpSpPr>
-        <p:cNvPr id="1" name=""/>
-        <p:cNvGrpSpPr/>
-        <p:nvPr/>
-      </p:nvGrpSpPr>
-      <p:grpSpPr>
-        <a:xfrm>
-          <a:off x="0" y="0"/>
-          <a:ext cx="0" cy="0"/>
-          <a:chOff x="0" y="0"/>
-          <a:chExt cx="0" cy="0"/>
-        </a:xfrm>
-      </p:grpSpPr>
-      <p:sp>
-        <p:nvSpPr>
-          <p:cNvPr id="4" name="Slide Number Placeholder 3"/>
-          <p:cNvSpPr>
-            <a:spLocks noGrp="1"/>
-          </p:cNvSpPr>
-          <p:nvPr>
-            <p:ph type="sldNum" sz="quarter" idx="10"/>
-          </p:nvPr>
-        </p:nvSpPr>
-        <p:spPr/>
-        <p:txBody>
-          <a:bodyPr/>
-          <a:lstStyle/>
-          <a:p>
-            <a:fld id="{9CAA6850-6AF0-4A45-8B3A-FEE9E8969215}" type="slidenum">
-              <a:rPr lang="en-US" altLang="en-US"/>
-              <a:pPr/>
-              <a:t>8</a:t>
-            </a:fld>
-            <a:endParaRPr lang="en-US" altLang="en-US"/>
-          </a:p>
-        </p:txBody>
-      </p:sp>
-      <p:sp>
-        <p:nvSpPr>
-          <p:cNvPr id="9220" name="Rectangle 4"/>
-          <p:cNvSpPr>
-            <a:spLocks noGrp="1" noChangeArrowheads="1"/>
-          </p:cNvSpPr>
-          <p:nvPr>
-            <p:ph type="title"/>
-          </p:nvPr>
-        </p:nvSpPr>
-        <p:spPr bwMode="auto">
-          <a:xfrm>
-            <a:off x="457200" y="274638"/>
-            <a:ext cx="8229600" cy="868362"/>
-          </a:xfrm>
-          <a:noFill/>
-          <a:ln/>
-          <a:extLst>
-            <a:ext uri="{909E8E84-426E-40DD-AFC4-6F175D3DCCD1}">
-              <a14:hiddenFill xmlns:a14="http://schemas.microsoft.com/office/drawing/2010/main">
-                <a:solidFill>
-                  <a:schemeClr val="accent1"/>
-                </a:solidFill>
-              </a14:hiddenFill>
-            </a:ext>
-            <a:ext uri="{91240B29-F687-4F45-9708-019B960494DF}">
-              <a14:hiddenLine xmlns:a14="http://schemas.microsoft.com/office/drawing/2010/main" w="9525">
-                <a:solidFill>
-                  <a:schemeClr val="tx1"/>
-                </a:solidFill>
-                <a:miter lim="800000"/>
-                <a:headEnd/>
-                <a:tailEnd/>
-              </a14:hiddenLine>
-            </a:ext>
-            <a:ext uri="{AF507438-7753-43E0-B8FC-AC1667EBCBE1}">
-              <a14:hiddenEffects xmlns:a14="http://schemas.microsoft.com/office/drawing/2010/main">
-                <a:effectLst>
-                  <a:outerShdw dist="35921" dir="2700000" algn="ctr" rotWithShape="0">
-                    <a:schemeClr val="bg2"/>
-                  </a:outerShdw>
-                </a:effectLst>
-              </a14:hiddenEffects>
-            </a:ext>
-          </a:extLst>
-        </p:spPr>
-        <p:txBody>
-          <a:bodyPr vert="horz" wrap="square" lIns="91440" tIns="45720" rIns="91440" bIns="45720" numCol="1" anchor="t" anchorCtr="0" compatLnSpc="1">
-            <a:prstTxWarp prst="textNoShape">
-              <a:avLst/>
-            </a:prstTxWarp>
-          </a:bodyPr>
-          <a:lstStyle/>
-          <a:p>
-            <a:r>
-              <a:rPr lang="en-US" altLang="en-US" dirty="0"/>
-              <a:t>Hibernate Setup </a:t>
-            </a:r>
-          </a:p>
-        </p:txBody>
-      </p:sp>
-      <p:sp>
-        <p:nvSpPr>
-          <p:cNvPr id="9221" name="Rectangle 5"/>
-          <p:cNvSpPr>
-            <a:spLocks noGrp="1" noChangeArrowheads="1"/>
-          </p:cNvSpPr>
-          <p:nvPr>
-            <p:ph type="body" idx="1"/>
-          </p:nvPr>
-        </p:nvSpPr>
-        <p:spPr bwMode="auto">
-          <a:xfrm>
-            <a:off x="457200" y="1295400"/>
-            <a:ext cx="8229600" cy="4830763"/>
-          </a:xfrm>
-          <a:noFill/>
-          <a:ln/>
-          <a:extLst>
-            <a:ext uri="{909E8E84-426E-40DD-AFC4-6F175D3DCCD1}">
-              <a14:hiddenFill xmlns:a14="http://schemas.microsoft.com/office/drawing/2010/main">
-                <a:solidFill>
-                  <a:schemeClr val="accent1"/>
-                </a:solidFill>
-              </a14:hiddenFill>
-            </a:ext>
-            <a:ext uri="{91240B29-F687-4F45-9708-019B960494DF}">
-              <a14:hiddenLine xmlns:a14="http://schemas.microsoft.com/office/drawing/2010/main" w="9525">
-                <a:solidFill>
-                  <a:schemeClr val="tx1"/>
-                </a:solidFill>
-                <a:miter lim="800000"/>
-                <a:headEnd/>
-                <a:tailEnd/>
-              </a14:hiddenLine>
-            </a:ext>
-            <a:ext uri="{AF507438-7753-43E0-B8FC-AC1667EBCBE1}">
-              <a14:hiddenEffects xmlns:a14="http://schemas.microsoft.com/office/drawing/2010/main">
-                <a:effectLst>
-                  <a:outerShdw dist="35921" dir="2700000" algn="ctr" rotWithShape="0">
-                    <a:schemeClr val="bg2"/>
-                  </a:outerShdw>
-                </a:effectLst>
-              </a14:hiddenEffects>
-            </a:ext>
-          </a:extLst>
-        </p:spPr>
-        <p:txBody>
-          <a:bodyPr vert="horz" wrap="square" lIns="91440" tIns="45720" rIns="91440" bIns="45720" numCol="1" anchor="t" anchorCtr="0" compatLnSpc="1">
-            <a:prstTxWarp prst="textNoShape">
-              <a:avLst/>
-            </a:prstTxWarp>
-          </a:bodyPr>
-          <a:lstStyle/>
-          <a:p>
-            <a:pPr>
-              <a:lnSpc>
-                <a:spcPct val="90000"/>
-              </a:lnSpc>
-            </a:pPr>
-            <a:r>
-              <a:rPr lang="en-US" altLang="en-US" sz="2400" dirty="0" smtClean="0"/>
-              <a:t>Create a </a:t>
-            </a:r>
-            <a:r>
-              <a:rPr lang="en-US" altLang="en-US" sz="2400" dirty="0" smtClean="0">
-                <a:solidFill>
-                  <a:srgbClr val="FF0000"/>
-                </a:solidFill>
-              </a:rPr>
-              <a:t>lib</a:t>
-            </a:r>
-            <a:r>
-              <a:rPr lang="en-US" altLang="en-US" sz="2400" dirty="0" smtClean="0"/>
-              <a:t> subdirectory in your project</a:t>
-            </a:r>
-            <a:endParaRPr lang="en-US" altLang="en-US" sz="2400" dirty="0"/>
-          </a:p>
-        </p:txBody>
-      </p:sp>
-      <p:pic>
-        <p:nvPicPr>
-          <p:cNvPr id="6146" name="Picture 2"/>
-          <p:cNvPicPr>
-            <a:picLocks noChangeAspect="1" noChangeArrowheads="1"/>
-          </p:cNvPicPr>
-          <p:nvPr/>
-        </p:nvPicPr>
-        <p:blipFill>
-          <a:blip r:embed="rId2">
-            <a:extLst>
-              <a:ext uri="{28A0092B-C50C-407E-A947-70E740481C1C}">
-                <a14:useLocalDpi xmlns:a14="http://schemas.microsoft.com/office/drawing/2010/main" val="0"/>
-              </a:ext>
-            </a:extLst>
-          </a:blip>
-          <a:srcRect/>
-          <a:stretch>
-            <a:fillRect/>
-          </a:stretch>
-        </p:blipFill>
-        <p:spPr bwMode="auto">
-          <a:xfrm>
-            <a:off x="2445544" y="1828800"/>
-            <a:ext cx="4252912" cy="4350121"/>
-          </a:xfrm>
-          <a:prstGeom prst="rect">
-            <a:avLst/>
-          </a:prstGeom>
-          <a:noFill/>
-          <a:ln>
-            <a:noFill/>
-          </a:ln>
-          <a:extLst>
-            <a:ext uri="{909E8E84-426E-40DD-AFC4-6F175D3DCCD1}">
-              <a14:hiddenFill xmlns:a14="http://schemas.microsoft.com/office/drawing/2010/main">
-                <a:solidFill>
-                  <a:schemeClr val="accent1"/>
-                </a:solidFill>
-              </a14:hiddenFill>
-            </a:ext>
-            <a:ext uri="{91240B29-F687-4F45-9708-019B960494DF}">
-              <a14:hiddenLine xmlns:a14="http://schemas.microsoft.com/office/drawing/2010/main" w="9525">
-                <a:solidFill>
-                  <a:schemeClr val="tx1"/>
-                </a:solidFill>
-                <a:miter lim="800000"/>
-                <a:headEnd/>
-                <a:tailEnd/>
-              </a14:hiddenLine>
-            </a:ext>
-          </a:extLst>
-        </p:spPr>
-      </p:pic>
-    </p:spTree>
-    <p:extLst>
-      <p:ext uri="{BB962C8B-B14F-4D97-AF65-F5344CB8AC3E}">
-        <p14:creationId xmlns:p14="http://schemas.microsoft.com/office/powerpoint/2010/main" val="1951989040"/>
-      </p:ext>
-    </p:extLst>
-  </p:cSld>
-  <p:clrMapOvr>
-    <a:masterClrMapping/>
-  </p:clrMapOvr>
-  <p:timing>
-    <p:tnLst>
-      <p:par>
-        <p:cTn id="1" dur="indefinite" restart="never" nodeType="tmRoot"/>
-      </p:par>
-    </p:tnLst>
-  </p:timing>
-</p:sld>
-</file>
-
-<file path=ppt/slides/slide9.xml><?xml version="1.0" encoding="utf-8"?>
-<p:sld xmlns:a="http://schemas.openxmlformats.org/drawingml/2006/main" xmlns:r="http://schemas.openxmlformats.org/officeDocument/2006/relationships" xmlns:p="http://schemas.openxmlformats.org/presentationml/2006/main">
-  <p:cSld>
-    <p:spTree>
-      <p:nvGrpSpPr>
-        <p:cNvPr id="1" name=""/>
-        <p:cNvGrpSpPr/>
-        <p:nvPr/>
-      </p:nvGrpSpPr>
-      <p:grpSpPr>
-        <a:xfrm>
-          <a:off x="0" y="0"/>
-          <a:ext cx="0" cy="0"/>
-          <a:chOff x="0" y="0"/>
-          <a:chExt cx="0" cy="0"/>
-        </a:xfrm>
-      </p:grpSpPr>
-      <p:sp>
-        <p:nvSpPr>
-          <p:cNvPr id="4" name="Slide Number Placeholder 3"/>
-          <p:cNvSpPr>
-            <a:spLocks noGrp="1"/>
-          </p:cNvSpPr>
-          <p:nvPr>
-            <p:ph type="sldNum" sz="quarter" idx="10"/>
-          </p:nvPr>
-        </p:nvSpPr>
-        <p:spPr/>
-        <p:txBody>
-          <a:bodyPr/>
-          <a:lstStyle/>
-          <a:p>
-            <a:fld id="{9CAA6850-6AF0-4A45-8B3A-FEE9E8969215}" type="slidenum">
-              <a:rPr lang="en-US" altLang="en-US"/>
-              <a:pPr/>
-              <a:t>9</a:t>
-            </a:fld>
-            <a:endParaRPr lang="en-US" altLang="en-US"/>
-          </a:p>
-        </p:txBody>
-      </p:sp>
-      <p:sp>
-        <p:nvSpPr>
-          <p:cNvPr id="9220" name="Rectangle 4"/>
-          <p:cNvSpPr>
-            <a:spLocks noGrp="1" noChangeArrowheads="1"/>
-          </p:cNvSpPr>
-          <p:nvPr>
-            <p:ph type="title"/>
-          </p:nvPr>
-        </p:nvSpPr>
-        <p:spPr bwMode="auto">
-          <a:xfrm>
-            <a:off x="457200" y="274638"/>
-            <a:ext cx="8229600" cy="868362"/>
-          </a:xfrm>
-          <a:noFill/>
-          <a:ln/>
-          <a:extLst>
-            <a:ext uri="{909E8E84-426E-40DD-AFC4-6F175D3DCCD1}">
-              <a14:hiddenFill xmlns:a14="http://schemas.microsoft.com/office/drawing/2010/main">
-                <a:solidFill>
-                  <a:schemeClr val="accent1"/>
-                </a:solidFill>
-              </a14:hiddenFill>
-            </a:ext>
-            <a:ext uri="{91240B29-F687-4F45-9708-019B960494DF}">
-              <a14:hiddenLine xmlns:a14="http://schemas.microsoft.com/office/drawing/2010/main" w="9525">
-                <a:solidFill>
-                  <a:schemeClr val="tx1"/>
-                </a:solidFill>
-                <a:miter lim="800000"/>
-                <a:headEnd/>
-                <a:tailEnd/>
-              </a14:hiddenLine>
-            </a:ext>
-            <a:ext uri="{AF507438-7753-43E0-B8FC-AC1667EBCBE1}">
-              <a14:hiddenEffects xmlns:a14="http://schemas.microsoft.com/office/drawing/2010/main">
-                <a:effectLst>
-                  <a:outerShdw dist="35921" dir="2700000" algn="ctr" rotWithShape="0">
-                    <a:schemeClr val="bg2"/>
-                  </a:outerShdw>
-                </a:effectLst>
-              </a14:hiddenEffects>
-            </a:ext>
-          </a:extLst>
-        </p:spPr>
-        <p:txBody>
-          <a:bodyPr vert="horz" wrap="square" lIns="91440" tIns="45720" rIns="91440" bIns="45720" numCol="1" anchor="t" anchorCtr="0" compatLnSpc="1">
-            <a:prstTxWarp prst="textNoShape">
-              <a:avLst/>
-            </a:prstTxWarp>
-          </a:bodyPr>
-          <a:lstStyle/>
-          <a:p>
-            <a:r>
-              <a:rPr lang="en-US" altLang="en-US" dirty="0"/>
-              <a:t>Hibernate Setup </a:t>
-            </a:r>
-          </a:p>
-        </p:txBody>
-      </p:sp>
-      <p:sp>
-        <p:nvSpPr>
-          <p:cNvPr id="9221" name="Rectangle 5"/>
-          <p:cNvSpPr>
-            <a:spLocks noGrp="1" noChangeArrowheads="1"/>
-          </p:cNvSpPr>
-          <p:nvPr>
-            <p:ph type="body" idx="1"/>
-          </p:nvPr>
-        </p:nvSpPr>
-        <p:spPr bwMode="auto">
-          <a:xfrm>
-            <a:off x="457200" y="1295400"/>
-            <a:ext cx="8229600" cy="4830763"/>
-          </a:xfrm>
-          <a:noFill/>
-          <a:ln/>
-          <a:extLst>
-            <a:ext uri="{909E8E84-426E-40DD-AFC4-6F175D3DCCD1}">
-              <a14:hiddenFill xmlns:a14="http://schemas.microsoft.com/office/drawing/2010/main">
-                <a:solidFill>
-                  <a:schemeClr val="accent1"/>
-                </a:solidFill>
-              </a14:hiddenFill>
-            </a:ext>
-            <a:ext uri="{91240B29-F687-4F45-9708-019B960494DF}">
-              <a14:hiddenLine xmlns:a14="http://schemas.microsoft.com/office/drawing/2010/main" w="9525">
-                <a:solidFill>
-                  <a:schemeClr val="tx1"/>
-                </a:solidFill>
-                <a:miter lim="800000"/>
-                <a:headEnd/>
-                <a:tailEnd/>
-              </a14:hiddenLine>
-            </a:ext>
-            <a:ext uri="{AF507438-7753-43E0-B8FC-AC1667EBCBE1}">
-              <a14:hiddenEffects xmlns:a14="http://schemas.microsoft.com/office/drawing/2010/main">
-                <a:effectLst>
-                  <a:outerShdw dist="35921" dir="2700000" algn="ctr" rotWithShape="0">
-                    <a:schemeClr val="bg2"/>
-                  </a:outerShdw>
-                </a:effectLst>
-              </a14:hiddenEffects>
-            </a:ext>
-          </a:extLst>
-        </p:spPr>
-        <p:txBody>
-          <a:bodyPr vert="horz" wrap="square" lIns="91440" tIns="45720" rIns="91440" bIns="45720" numCol="1" anchor="t" anchorCtr="0" compatLnSpc="1">
-            <a:prstTxWarp prst="textNoShape">
-              <a:avLst/>
-            </a:prstTxWarp>
-          </a:bodyPr>
-          <a:lstStyle/>
-          <a:p>
-            <a:pPr>
-              <a:lnSpc>
-                <a:spcPct val="90000"/>
-              </a:lnSpc>
-            </a:pPr>
-            <a:r>
-              <a:rPr lang="en-US" altLang="en-US" sz="2400" dirty="0" smtClean="0"/>
-              <a:t>Like this</a:t>
-            </a:r>
-            <a:endParaRPr lang="en-US" altLang="en-US" sz="2400" dirty="0"/>
-          </a:p>
-        </p:txBody>
-      </p:sp>
-      <p:pic>
-        <p:nvPicPr>
-          <p:cNvPr id="7170" name="Picture 2"/>
-          <p:cNvPicPr>
-            <a:picLocks noChangeAspect="1" noChangeArrowheads="1"/>
-          </p:cNvPicPr>
-          <p:nvPr/>
-        </p:nvPicPr>
-        <p:blipFill>
-          <a:blip r:embed="rId2">
-            <a:extLst>
-              <a:ext uri="{28A0092B-C50C-407E-A947-70E740481C1C}">
-                <a14:useLocalDpi xmlns:a14="http://schemas.microsoft.com/office/drawing/2010/main" val="0"/>
-              </a:ext>
-            </a:extLst>
-          </a:blip>
-          <a:srcRect/>
-          <a:stretch>
-            <a:fillRect/>
-          </a:stretch>
-        </p:blipFill>
-        <p:spPr bwMode="auto">
-          <a:xfrm>
-            <a:off x="2743200" y="1819484"/>
-            <a:ext cx="3581400" cy="4809916"/>
-          </a:xfrm>
-          <a:prstGeom prst="rect">
-            <a:avLst/>
-          </a:prstGeom>
-          <a:noFill/>
-          <a:ln>
-            <a:noFill/>
-          </a:ln>
-          <a:extLst>
-            <a:ext uri="{909E8E84-426E-40DD-AFC4-6F175D3DCCD1}">
-              <a14:hiddenFill xmlns:a14="http://schemas.microsoft.com/office/drawing/2010/main">
-                <a:solidFill>
-                  <a:schemeClr val="accent1"/>
-                </a:solidFill>
-              </a14:hiddenFill>
-            </a:ext>
-            <a:ext uri="{91240B29-F687-4F45-9708-019B960494DF}">
-              <a14:hiddenLine xmlns:a14="http://schemas.microsoft.com/office/drawing/2010/main" w="9525">
-                <a:solidFill>
-                  <a:schemeClr val="tx1"/>
-                </a:solidFill>
-                <a:miter lim="800000"/>
-                <a:headEnd/>
-                <a:tailEnd/>
-              </a14:hiddenLine>
-            </a:ext>
-          </a:extLst>
-        </p:spPr>
-      </p:pic>
-    </p:spTree>
-    <p:extLst>
-      <p:ext uri="{BB962C8B-B14F-4D97-AF65-F5344CB8AC3E}">
-        <p14:creationId xmlns:p14="http://schemas.microsoft.com/office/powerpoint/2010/main" val="3368892821"/>
+        <p14:creationId xmlns:p14="http://schemas.microsoft.com/office/powerpoint/2010/main" val="3172892447"/>
       </p:ext>
     </p:extLst>
   </p:cSld>

--- a/Presentations/Hibernate/Hibernate-Part-1.pptx
+++ b/Presentations/Hibernate/Hibernate-Part-1.pptx
@@ -5,18 +5,23 @@
     <p:sldMasterId id="2147483648" r:id="rId1"/>
   </p:sldMasterIdLst>
   <p:notesMasterIdLst>
-    <p:notesMasterId r:id="rId8"/>
+    <p:notesMasterId r:id="rId13"/>
   </p:notesMasterIdLst>
   <p:handoutMasterIdLst>
-    <p:handoutMasterId r:id="rId9"/>
+    <p:handoutMasterId r:id="rId14"/>
   </p:handoutMasterIdLst>
   <p:sldIdLst>
     <p:sldId id="256" r:id="rId2"/>
-    <p:sldId id="350" r:id="rId3"/>
-    <p:sldId id="351" r:id="rId4"/>
-    <p:sldId id="352" r:id="rId5"/>
-    <p:sldId id="257" r:id="rId6"/>
-    <p:sldId id="349" r:id="rId7"/>
+    <p:sldId id="353" r:id="rId3"/>
+    <p:sldId id="354" r:id="rId4"/>
+    <p:sldId id="350" r:id="rId5"/>
+    <p:sldId id="351" r:id="rId6"/>
+    <p:sldId id="355" r:id="rId7"/>
+    <p:sldId id="356" r:id="rId8"/>
+    <p:sldId id="352" r:id="rId9"/>
+    <p:sldId id="357" r:id="rId10"/>
+    <p:sldId id="257" r:id="rId11"/>
+    <p:sldId id="349" r:id="rId12"/>
   </p:sldIdLst>
   <p:sldSz cx="9144000" cy="6858000" type="screen4x3"/>
   <p:notesSz cx="6858000" cy="9144000"/>
@@ -3715,6 +3720,548 @@
 </p:sld>
 </file>
 
+<file path=ppt/slides/slide10.xml><?xml version="1.0" encoding="utf-8"?>
+<p:sld xmlns:a="http://schemas.openxmlformats.org/drawingml/2006/main" xmlns:r="http://schemas.openxmlformats.org/officeDocument/2006/relationships" xmlns:p="http://schemas.openxmlformats.org/presentationml/2006/main">
+  <p:cSld>
+    <p:spTree>
+      <p:nvGrpSpPr>
+        <p:cNvPr id="1" name=""/>
+        <p:cNvGrpSpPr/>
+        <p:nvPr/>
+      </p:nvGrpSpPr>
+      <p:grpSpPr>
+        <a:xfrm>
+          <a:off x="0" y="0"/>
+          <a:ext cx="0" cy="0"/>
+          <a:chOff x="0" y="0"/>
+          <a:chExt cx="0" cy="0"/>
+        </a:xfrm>
+      </p:grpSpPr>
+      <p:sp>
+        <p:nvSpPr>
+          <p:cNvPr id="4" name="Slide Number Placeholder 3"/>
+          <p:cNvSpPr>
+            <a:spLocks noGrp="1"/>
+          </p:cNvSpPr>
+          <p:nvPr>
+            <p:ph type="sldNum" sz="quarter" idx="10"/>
+          </p:nvPr>
+        </p:nvSpPr>
+        <p:spPr/>
+        <p:txBody>
+          <a:bodyPr/>
+          <a:lstStyle/>
+          <a:p>
+            <a:fld id="{9CAA6850-6AF0-4A45-8B3A-FEE9E8969215}" type="slidenum">
+              <a:rPr lang="en-US" altLang="en-US"/>
+              <a:pPr/>
+              <a:t>10</a:t>
+            </a:fld>
+            <a:endParaRPr lang="en-US" altLang="en-US"/>
+          </a:p>
+        </p:txBody>
+      </p:sp>
+      <p:sp>
+        <p:nvSpPr>
+          <p:cNvPr id="9220" name="Rectangle 4"/>
+          <p:cNvSpPr>
+            <a:spLocks noGrp="1" noChangeArrowheads="1"/>
+          </p:cNvSpPr>
+          <p:nvPr>
+            <p:ph type="title"/>
+          </p:nvPr>
+        </p:nvSpPr>
+        <p:spPr bwMode="auto">
+          <a:xfrm>
+            <a:off x="457200" y="274638"/>
+            <a:ext cx="8229600" cy="868362"/>
+          </a:xfrm>
+          <a:noFill/>
+          <a:ln/>
+          <a:extLst>
+            <a:ext uri="{909E8E84-426E-40DD-AFC4-6F175D3DCCD1}">
+              <a14:hiddenFill xmlns:a14="http://schemas.microsoft.com/office/drawing/2010/main">
+                <a:solidFill>
+                  <a:schemeClr val="accent1"/>
+                </a:solidFill>
+              </a14:hiddenFill>
+            </a:ext>
+            <a:ext uri="{91240B29-F687-4F45-9708-019B960494DF}">
+              <a14:hiddenLine xmlns:a14="http://schemas.microsoft.com/office/drawing/2010/main" w="9525">
+                <a:solidFill>
+                  <a:schemeClr val="tx1"/>
+                </a:solidFill>
+                <a:miter lim="800000"/>
+                <a:headEnd/>
+                <a:tailEnd/>
+              </a14:hiddenLine>
+            </a:ext>
+            <a:ext uri="{AF507438-7753-43E0-B8FC-AC1667EBCBE1}">
+              <a14:hiddenEffects xmlns:a14="http://schemas.microsoft.com/office/drawing/2010/main">
+                <a:effectLst>
+                  <a:outerShdw dist="35921" dir="2700000" algn="ctr" rotWithShape="0">
+                    <a:schemeClr val="bg2"/>
+                  </a:outerShdw>
+                </a:effectLst>
+              </a14:hiddenEffects>
+            </a:ext>
+          </a:extLst>
+        </p:spPr>
+        <p:txBody>
+          <a:bodyPr vert="horz" wrap="square" lIns="91440" tIns="45720" rIns="91440" bIns="45720" numCol="1" anchor="t" anchorCtr="0" compatLnSpc="1">
+            <a:prstTxWarp prst="textNoShape">
+              <a:avLst/>
+            </a:prstTxWarp>
+          </a:bodyPr>
+          <a:lstStyle/>
+          <a:p>
+            <a:r>
+              <a:rPr lang="en-US" altLang="en-US" dirty="0" smtClean="0"/>
+              <a:t>Hibernate </a:t>
+            </a:r>
+            <a:endParaRPr lang="en-US" altLang="en-US" dirty="0"/>
+          </a:p>
+        </p:txBody>
+      </p:sp>
+      <p:sp>
+        <p:nvSpPr>
+          <p:cNvPr id="9221" name="Rectangle 5"/>
+          <p:cNvSpPr>
+            <a:spLocks noGrp="1" noChangeArrowheads="1"/>
+          </p:cNvSpPr>
+          <p:nvPr>
+            <p:ph type="body" idx="1"/>
+          </p:nvPr>
+        </p:nvSpPr>
+        <p:spPr bwMode="auto">
+          <a:xfrm>
+            <a:off x="457200" y="1295400"/>
+            <a:ext cx="8229600" cy="4830763"/>
+          </a:xfrm>
+          <a:noFill/>
+          <a:ln/>
+          <a:extLst>
+            <a:ext uri="{909E8E84-426E-40DD-AFC4-6F175D3DCCD1}">
+              <a14:hiddenFill xmlns:a14="http://schemas.microsoft.com/office/drawing/2010/main">
+                <a:solidFill>
+                  <a:schemeClr val="accent1"/>
+                </a:solidFill>
+              </a14:hiddenFill>
+            </a:ext>
+            <a:ext uri="{91240B29-F687-4F45-9708-019B960494DF}">
+              <a14:hiddenLine xmlns:a14="http://schemas.microsoft.com/office/drawing/2010/main" w="9525">
+                <a:solidFill>
+                  <a:schemeClr val="tx1"/>
+                </a:solidFill>
+                <a:miter lim="800000"/>
+                <a:headEnd/>
+                <a:tailEnd/>
+              </a14:hiddenLine>
+            </a:ext>
+            <a:ext uri="{AF507438-7753-43E0-B8FC-AC1667EBCBE1}">
+              <a14:hiddenEffects xmlns:a14="http://schemas.microsoft.com/office/drawing/2010/main">
+                <a:effectLst>
+                  <a:outerShdw dist="35921" dir="2700000" algn="ctr" rotWithShape="0">
+                    <a:schemeClr val="bg2"/>
+                  </a:outerShdw>
+                </a:effectLst>
+              </a14:hiddenEffects>
+            </a:ext>
+          </a:extLst>
+        </p:spPr>
+        <p:txBody>
+          <a:bodyPr vert="horz" wrap="square" lIns="91440" tIns="45720" rIns="91440" bIns="45720" numCol="1" anchor="t" anchorCtr="0" compatLnSpc="1">
+            <a:prstTxWarp prst="textNoShape">
+              <a:avLst/>
+            </a:prstTxWarp>
+          </a:bodyPr>
+          <a:lstStyle/>
+          <a:p>
+            <a:pPr>
+              <a:lnSpc>
+                <a:spcPct val="90000"/>
+              </a:lnSpc>
+            </a:pPr>
+            <a:r>
+              <a:rPr lang="en-US" altLang="en-US" sz="2400" dirty="0">
+                <a:cs typeface="David" panose="020E0502060401010101" pitchFamily="34" charset="-79"/>
+                <a:hlinkClick r:id="rId2"/>
+              </a:rPr>
+              <a:t>http://hibernate.org/orm</a:t>
+            </a:r>
+            <a:r>
+              <a:rPr lang="en-US" altLang="en-US" sz="2400" dirty="0" smtClean="0">
+                <a:cs typeface="David" panose="020E0502060401010101" pitchFamily="34" charset="-79"/>
+                <a:hlinkClick r:id="rId2"/>
+              </a:rPr>
+              <a:t>/</a:t>
+            </a:r>
+            <a:endParaRPr lang="en-US" altLang="en-US" sz="2400" dirty="0" smtClean="0">
+              <a:cs typeface="David" panose="020E0502060401010101" pitchFamily="34" charset="-79"/>
+            </a:endParaRPr>
+          </a:p>
+          <a:p>
+            <a:pPr>
+              <a:lnSpc>
+                <a:spcPct val="90000"/>
+              </a:lnSpc>
+            </a:pPr>
+            <a:r>
+              <a:rPr lang="en-US" altLang="en-US" sz="2400" dirty="0">
+                <a:cs typeface="David" panose="020E0502060401010101" pitchFamily="34" charset="-79"/>
+                <a:hlinkClick r:id="rId3"/>
+              </a:rPr>
+              <a:t>http://hibernate.org/orm/downloads</a:t>
+            </a:r>
+            <a:r>
+              <a:rPr lang="en-US" altLang="en-US" sz="2400" dirty="0" smtClean="0">
+                <a:cs typeface="David" panose="020E0502060401010101" pitchFamily="34" charset="-79"/>
+                <a:hlinkClick r:id="rId3"/>
+              </a:rPr>
+              <a:t>/</a:t>
+            </a:r>
+            <a:endParaRPr lang="en-US" altLang="en-US" sz="2400" dirty="0" smtClean="0">
+              <a:cs typeface="David" panose="020E0502060401010101" pitchFamily="34" charset="-79"/>
+            </a:endParaRPr>
+          </a:p>
+          <a:p>
+            <a:pPr>
+              <a:lnSpc>
+                <a:spcPct val="90000"/>
+              </a:lnSpc>
+            </a:pPr>
+            <a:endParaRPr lang="en-US" altLang="en-US" sz="2400" dirty="0" smtClean="0">
+              <a:latin typeface="David" panose="020E0502060401010101" pitchFamily="34" charset="-79"/>
+              <a:cs typeface="David" panose="020E0502060401010101" pitchFamily="34" charset="-79"/>
+            </a:endParaRPr>
+          </a:p>
+          <a:p>
+            <a:pPr>
+              <a:lnSpc>
+                <a:spcPct val="90000"/>
+              </a:lnSpc>
+            </a:pPr>
+            <a:endParaRPr lang="en-US" altLang="en-US" sz="2400" dirty="0" smtClean="0"/>
+          </a:p>
+          <a:p>
+            <a:pPr>
+              <a:lnSpc>
+                <a:spcPct val="90000"/>
+              </a:lnSpc>
+            </a:pPr>
+            <a:endParaRPr lang="en-US" altLang="en-US" sz="2400" dirty="0"/>
+          </a:p>
+        </p:txBody>
+      </p:sp>
+      <p:pic>
+        <p:nvPicPr>
+          <p:cNvPr id="3074" name="Picture 2"/>
+          <p:cNvPicPr>
+            <a:picLocks noChangeAspect="1" noChangeArrowheads="1"/>
+          </p:cNvPicPr>
+          <p:nvPr/>
+        </p:nvPicPr>
+        <p:blipFill>
+          <a:blip r:embed="rId4">
+            <a:extLst>
+              <a:ext uri="{28A0092B-C50C-407E-A947-70E740481C1C}">
+                <a14:useLocalDpi xmlns:a14="http://schemas.microsoft.com/office/drawing/2010/main" val="0"/>
+              </a:ext>
+            </a:extLst>
+          </a:blip>
+          <a:srcRect/>
+          <a:stretch>
+            <a:fillRect/>
+          </a:stretch>
+        </p:blipFill>
+        <p:spPr bwMode="auto">
+          <a:xfrm>
+            <a:off x="2743200" y="3352801"/>
+            <a:ext cx="3690404" cy="2743200"/>
+          </a:xfrm>
+          <a:prstGeom prst="rect">
+            <a:avLst/>
+          </a:prstGeom>
+          <a:noFill/>
+          <a:ln>
+            <a:noFill/>
+          </a:ln>
+          <a:extLst>
+            <a:ext uri="{909E8E84-426E-40DD-AFC4-6F175D3DCCD1}">
+              <a14:hiddenFill xmlns:a14="http://schemas.microsoft.com/office/drawing/2010/main">
+                <a:solidFill>
+                  <a:schemeClr val="accent1"/>
+                </a:solidFill>
+              </a14:hiddenFill>
+            </a:ext>
+            <a:ext uri="{91240B29-F687-4F45-9708-019B960494DF}">
+              <a14:hiddenLine xmlns:a14="http://schemas.microsoft.com/office/drawing/2010/main" w="9525">
+                <a:solidFill>
+                  <a:schemeClr val="tx1"/>
+                </a:solidFill>
+                <a:miter lim="800000"/>
+                <a:headEnd/>
+                <a:tailEnd/>
+              </a14:hiddenLine>
+            </a:ext>
+          </a:extLst>
+        </p:spPr>
+      </p:pic>
+    </p:spTree>
+  </p:cSld>
+  <p:clrMapOvr>
+    <a:masterClrMapping/>
+  </p:clrMapOvr>
+  <p:timing>
+    <p:tnLst>
+      <p:par>
+        <p:cTn id="1" dur="indefinite" restart="never" nodeType="tmRoot"/>
+      </p:par>
+    </p:tnLst>
+  </p:timing>
+</p:sld>
+</file>
+
+<file path=ppt/slides/slide11.xml><?xml version="1.0" encoding="utf-8"?>
+<p:sld xmlns:a="http://schemas.openxmlformats.org/drawingml/2006/main" xmlns:r="http://schemas.openxmlformats.org/officeDocument/2006/relationships" xmlns:p="http://schemas.openxmlformats.org/presentationml/2006/main">
+  <p:cSld>
+    <p:spTree>
+      <p:nvGrpSpPr>
+        <p:cNvPr id="1" name=""/>
+        <p:cNvGrpSpPr/>
+        <p:nvPr/>
+      </p:nvGrpSpPr>
+      <p:grpSpPr>
+        <a:xfrm>
+          <a:off x="0" y="0"/>
+          <a:ext cx="0" cy="0"/>
+          <a:chOff x="0" y="0"/>
+          <a:chExt cx="0" cy="0"/>
+        </a:xfrm>
+      </p:grpSpPr>
+      <p:sp>
+        <p:nvSpPr>
+          <p:cNvPr id="4" name="Slide Number Placeholder 3"/>
+          <p:cNvSpPr>
+            <a:spLocks noGrp="1"/>
+          </p:cNvSpPr>
+          <p:nvPr>
+            <p:ph type="sldNum" sz="quarter" idx="10"/>
+          </p:nvPr>
+        </p:nvSpPr>
+        <p:spPr/>
+        <p:txBody>
+          <a:bodyPr/>
+          <a:lstStyle/>
+          <a:p>
+            <a:fld id="{9CAA6850-6AF0-4A45-8B3A-FEE9E8969215}" type="slidenum">
+              <a:rPr lang="en-US" altLang="en-US"/>
+              <a:pPr/>
+              <a:t>11</a:t>
+            </a:fld>
+            <a:endParaRPr lang="en-US" altLang="en-US"/>
+          </a:p>
+        </p:txBody>
+      </p:sp>
+      <p:sp>
+        <p:nvSpPr>
+          <p:cNvPr id="9220" name="Rectangle 4"/>
+          <p:cNvSpPr>
+            <a:spLocks noGrp="1" noChangeArrowheads="1"/>
+          </p:cNvSpPr>
+          <p:nvPr>
+            <p:ph type="title"/>
+          </p:nvPr>
+        </p:nvSpPr>
+        <p:spPr bwMode="auto">
+          <a:xfrm>
+            <a:off x="457200" y="274638"/>
+            <a:ext cx="8229600" cy="868362"/>
+          </a:xfrm>
+          <a:noFill/>
+          <a:ln/>
+          <a:extLst>
+            <a:ext uri="{909E8E84-426E-40DD-AFC4-6F175D3DCCD1}">
+              <a14:hiddenFill xmlns:a14="http://schemas.microsoft.com/office/drawing/2010/main">
+                <a:solidFill>
+                  <a:schemeClr val="accent1"/>
+                </a:solidFill>
+              </a14:hiddenFill>
+            </a:ext>
+            <a:ext uri="{91240B29-F687-4F45-9708-019B960494DF}">
+              <a14:hiddenLine xmlns:a14="http://schemas.microsoft.com/office/drawing/2010/main" w="9525">
+                <a:solidFill>
+                  <a:schemeClr val="tx1"/>
+                </a:solidFill>
+                <a:miter lim="800000"/>
+                <a:headEnd/>
+                <a:tailEnd/>
+              </a14:hiddenLine>
+            </a:ext>
+            <a:ext uri="{AF507438-7753-43E0-B8FC-AC1667EBCBE1}">
+              <a14:hiddenEffects xmlns:a14="http://schemas.microsoft.com/office/drawing/2010/main">
+                <a:effectLst>
+                  <a:outerShdw dist="35921" dir="2700000" algn="ctr" rotWithShape="0">
+                    <a:schemeClr val="bg2"/>
+                  </a:outerShdw>
+                </a:effectLst>
+              </a14:hiddenEffects>
+            </a:ext>
+          </a:extLst>
+        </p:spPr>
+        <p:txBody>
+          <a:bodyPr vert="horz" wrap="square" lIns="91440" tIns="45720" rIns="91440" bIns="45720" numCol="1" anchor="t" anchorCtr="0" compatLnSpc="1">
+            <a:prstTxWarp prst="textNoShape">
+              <a:avLst/>
+            </a:prstTxWarp>
+          </a:bodyPr>
+          <a:lstStyle/>
+          <a:p>
+            <a:r>
+              <a:rPr lang="en-US" altLang="en-US" dirty="0" smtClean="0"/>
+              <a:t>Hibernate – Part 1 </a:t>
+            </a:r>
+            <a:endParaRPr lang="en-US" altLang="en-US" dirty="0"/>
+          </a:p>
+        </p:txBody>
+      </p:sp>
+      <p:sp>
+        <p:nvSpPr>
+          <p:cNvPr id="9221" name="Rectangle 5"/>
+          <p:cNvSpPr>
+            <a:spLocks noGrp="1" noChangeArrowheads="1"/>
+          </p:cNvSpPr>
+          <p:nvPr>
+            <p:ph type="body" idx="1"/>
+          </p:nvPr>
+        </p:nvSpPr>
+        <p:spPr bwMode="auto">
+          <a:xfrm>
+            <a:off x="457200" y="1295400"/>
+            <a:ext cx="8229600" cy="4830763"/>
+          </a:xfrm>
+          <a:noFill/>
+          <a:ln/>
+          <a:extLst>
+            <a:ext uri="{909E8E84-426E-40DD-AFC4-6F175D3DCCD1}">
+              <a14:hiddenFill xmlns:a14="http://schemas.microsoft.com/office/drawing/2010/main">
+                <a:solidFill>
+                  <a:schemeClr val="accent1"/>
+                </a:solidFill>
+              </a14:hiddenFill>
+            </a:ext>
+            <a:ext uri="{91240B29-F687-4F45-9708-019B960494DF}">
+              <a14:hiddenLine xmlns:a14="http://schemas.microsoft.com/office/drawing/2010/main" w="9525">
+                <a:solidFill>
+                  <a:schemeClr val="tx1"/>
+                </a:solidFill>
+                <a:miter lim="800000"/>
+                <a:headEnd/>
+                <a:tailEnd/>
+              </a14:hiddenLine>
+            </a:ext>
+            <a:ext uri="{AF507438-7753-43E0-B8FC-AC1667EBCBE1}">
+              <a14:hiddenEffects xmlns:a14="http://schemas.microsoft.com/office/drawing/2010/main">
+                <a:effectLst>
+                  <a:outerShdw dist="35921" dir="2700000" algn="ctr" rotWithShape="0">
+                    <a:schemeClr val="bg2"/>
+                  </a:outerShdw>
+                </a:effectLst>
+              </a14:hiddenEffects>
+            </a:ext>
+          </a:extLst>
+        </p:spPr>
+        <p:txBody>
+          <a:bodyPr vert="horz" wrap="square" lIns="91440" tIns="45720" rIns="91440" bIns="45720" numCol="1" anchor="t" anchorCtr="0" compatLnSpc="1">
+            <a:prstTxWarp prst="textNoShape">
+              <a:avLst/>
+            </a:prstTxWarp>
+          </a:bodyPr>
+          <a:lstStyle/>
+          <a:p>
+            <a:pPr>
+              <a:lnSpc>
+                <a:spcPct val="90000"/>
+              </a:lnSpc>
+            </a:pPr>
+            <a:endParaRPr lang="en-US" altLang="en-US" sz="2400" dirty="0"/>
+          </a:p>
+        </p:txBody>
+      </p:sp>
+      <p:pic>
+        <p:nvPicPr>
+          <p:cNvPr id="1026" name="Picture 2"/>
+          <p:cNvPicPr>
+            <a:picLocks noChangeAspect="1" noChangeArrowheads="1"/>
+          </p:cNvPicPr>
+          <p:nvPr/>
+        </p:nvPicPr>
+        <p:blipFill>
+          <a:blip r:embed="rId2">
+            <a:extLst>
+              <a:ext uri="{28A0092B-C50C-407E-A947-70E740481C1C}">
+                <a14:useLocalDpi xmlns:a14="http://schemas.microsoft.com/office/drawing/2010/main" val="0"/>
+              </a:ext>
+            </a:extLst>
+          </a:blip>
+          <a:srcRect/>
+          <a:stretch>
+            <a:fillRect/>
+          </a:stretch>
+        </p:blipFill>
+        <p:spPr bwMode="auto">
+          <a:xfrm>
+            <a:off x="3100388" y="1404938"/>
+            <a:ext cx="2943225" cy="4048125"/>
+          </a:xfrm>
+          <a:prstGeom prst="rect">
+            <a:avLst/>
+          </a:prstGeom>
+          <a:noFill/>
+          <a:ln>
+            <a:noFill/>
+          </a:ln>
+          <a:extLst>
+            <a:ext uri="{909E8E84-426E-40DD-AFC4-6F175D3DCCD1}">
+              <a14:hiddenFill xmlns:a14="http://schemas.microsoft.com/office/drawing/2010/main">
+                <a:solidFill>
+                  <a:schemeClr val="accent1"/>
+                </a:solidFill>
+              </a14:hiddenFill>
+            </a:ext>
+            <a:ext uri="{91240B29-F687-4F45-9708-019B960494DF}">
+              <a14:hiddenLine xmlns:a14="http://schemas.microsoft.com/office/drawing/2010/main" w="9525">
+                <a:solidFill>
+                  <a:schemeClr val="tx1"/>
+                </a:solidFill>
+                <a:miter lim="800000"/>
+                <a:headEnd/>
+                <a:tailEnd/>
+              </a14:hiddenLine>
+            </a:ext>
+          </a:extLst>
+        </p:spPr>
+      </p:pic>
+    </p:spTree>
+    <p:extLst>
+      <p:ext uri="{BB962C8B-B14F-4D97-AF65-F5344CB8AC3E}">
+        <p14:creationId xmlns:p14="http://schemas.microsoft.com/office/powerpoint/2010/main" val="3172892447"/>
+      </p:ext>
+    </p:extLst>
+  </p:cSld>
+  <p:clrMapOvr>
+    <a:masterClrMapping/>
+  </p:clrMapOvr>
+  <p:timing>
+    <p:tnLst>
+      <p:par>
+        <p:cTn id="1" dur="indefinite" restart="never" nodeType="tmRoot"/>
+      </p:par>
+    </p:tnLst>
+  </p:timing>
+</p:sld>
+</file>
+
 <file path=ppt/slides/slide2.xml><?xml version="1.0" encoding="utf-8"?>
 <p:sld xmlns:a="http://schemas.openxmlformats.org/drawingml/2006/main" xmlns:r="http://schemas.openxmlformats.org/officeDocument/2006/relationships" xmlns:p="http://schemas.openxmlformats.org/presentationml/2006/main">
   <p:cSld>
@@ -3878,35 +4425,16 @@
               </a:lnSpc>
             </a:pPr>
             <a:r>
-              <a:rPr lang="en-US" altLang="en-US" sz="2800" dirty="0" smtClean="0"/>
-              <a:t>An object-relational mapping framework (ORM) for Java</a:t>
-            </a:r>
-            <a:endParaRPr lang="en-US" altLang="en-US" sz="2800" dirty="0" smtClean="0"/>
-          </a:p>
-          <a:p>
-            <a:pPr>
-              <a:lnSpc>
-                <a:spcPct val="90000"/>
-              </a:lnSpc>
-            </a:pPr>
-            <a:r>
-              <a:rPr lang="en-US" altLang="en-US" sz="2800" dirty="0" smtClean="0"/>
-              <a:t>Created by Gavin King in 2001</a:t>
-            </a:r>
-          </a:p>
-          <a:p>
-            <a:pPr>
-              <a:lnSpc>
-                <a:spcPct val="90000"/>
-              </a:lnSpc>
-            </a:pPr>
+              <a:rPr lang="en-US" altLang="en-US" sz="2400" dirty="0" smtClean="0"/>
+              <a:t>Not this</a:t>
+            </a:r>
             <a:endParaRPr lang="en-US" altLang="en-US" sz="2400" dirty="0"/>
           </a:p>
         </p:txBody>
       </p:sp>
       <p:pic>
         <p:nvPicPr>
-          <p:cNvPr id="1026" name="Picture 2"/>
+          <p:cNvPr id="1029" name="Picture 5"/>
           <p:cNvPicPr>
             <a:picLocks noChangeAspect="1" noChangeArrowheads="1"/>
           </p:cNvPicPr>
@@ -3927,8 +4455,8 @@
         </p:blipFill>
         <p:spPr bwMode="auto">
           <a:xfrm>
-            <a:off x="3505200" y="3657600"/>
-            <a:ext cx="2133600" cy="2133600"/>
+            <a:off x="2709138" y="2133600"/>
+            <a:ext cx="3691662" cy="3662363"/>
           </a:xfrm>
           <a:prstGeom prst="rect">
             <a:avLst/>
@@ -3958,10 +4486,74 @@
           </a:extLst>
         </p:spPr>
       </p:pic>
+      <p:pic>
+        <p:nvPicPr>
+          <p:cNvPr id="1030" name="Picture 6"/>
+          <p:cNvPicPr>
+            <a:picLocks noChangeAspect="1" noChangeArrowheads="1"/>
+          </p:cNvPicPr>
+          <p:nvPr/>
+        </p:nvPicPr>
+        <p:blipFill>
+          <a:blip r:embed="rId3">
+            <a:extLst>
+              <a:ext uri="{28A0092B-C50C-407E-A947-70E740481C1C}">
+                <a14:useLocalDpi xmlns:a14="http://schemas.microsoft.com/office/drawing/2010/main" val="0"/>
+              </a:ext>
+            </a:extLst>
+          </a:blip>
+          <a:srcRect/>
+          <a:stretch>
+            <a:fillRect/>
+          </a:stretch>
+        </p:blipFill>
+        <p:spPr bwMode="auto">
+          <a:xfrm>
+            <a:off x="304800" y="2778126"/>
+            <a:ext cx="1511300" cy="3017837"/>
+          </a:xfrm>
+          <a:prstGeom prst="rect">
+            <a:avLst/>
+          </a:prstGeom>
+          <a:noFill/>
+          <a:ln>
+            <a:noFill/>
+          </a:ln>
+          <a:effectLst/>
+          <a:extLst>
+            <a:ext uri="{909E8E84-426E-40DD-AFC4-6F175D3DCCD1}">
+              <a14:hiddenFill xmlns:a14="http://schemas.microsoft.com/office/drawing/2010/main">
+                <a:solidFill>
+                  <a:schemeClr val="accent1"/>
+                </a:solidFill>
+              </a14:hiddenFill>
+            </a:ext>
+            <a:ext uri="{91240B29-F687-4F45-9708-019B960494DF}">
+              <a14:hiddenLine xmlns:a14="http://schemas.microsoft.com/office/drawing/2010/main" w="9525">
+                <a:solidFill>
+                  <a:schemeClr val="tx1"/>
+                </a:solidFill>
+                <a:miter lim="800000"/>
+                <a:headEnd/>
+                <a:tailEnd/>
+              </a14:hiddenLine>
+            </a:ext>
+            <a:ext uri="{AF507438-7753-43E0-B8FC-AC1667EBCBE1}">
+              <a14:hiddenEffects xmlns:a14="http://schemas.microsoft.com/office/drawing/2010/main">
+                <a:effectLst>
+                  <a:outerShdw dist="35921" dir="2700000" algn="ctr" rotWithShape="0">
+                    <a:schemeClr val="bg2"/>
+                  </a:outerShdw>
+                </a:effectLst>
+              </a14:hiddenEffects>
+            </a:ext>
+          </a:extLst>
+        </p:spPr>
+      </p:pic>
     </p:spTree>
     <p:extLst>
       <p:ext uri="{BB962C8B-B14F-4D97-AF65-F5344CB8AC3E}">
-        <p14:creationId xmlns:p14="http://schemas.microsoft.com/office/powerpoint/2010/main" val="3848885818"/>
+        <p14:creationId xmlns:p14="http://schemas.microsoft.com/office/powerpoint/2010/main" val="3863250276"/>
       </p:ext>
     </p:extLst>
   </p:cSld>
@@ -4141,8 +4733,16 @@
               </a:lnSpc>
             </a:pPr>
             <a:r>
-              <a:rPr lang="en-US" altLang="en-US" sz="2800" dirty="0"/>
-              <a:t>Allows mapping from Java classes to database tables</a:t>
+              <a:rPr lang="en-US" altLang="en-US" sz="2800" dirty="0" smtClean="0">
+                <a:solidFill>
+                  <a:srgbClr val="FF0000"/>
+                </a:solidFill>
+              </a:rPr>
+              <a:t>O</a:t>
+            </a:r>
+            <a:r>
+              <a:rPr lang="en-US" altLang="en-US" sz="2800" dirty="0" smtClean="0"/>
+              <a:t>bject</a:t>
             </a:r>
           </a:p>
           <a:p>
@@ -4152,10 +4752,17 @@
               </a:lnSpc>
             </a:pPr>
             <a:r>
-              <a:rPr lang="en-US" altLang="en-US" sz="2800" dirty="0"/>
-              <a:t>Allows mapping from Java data types to SQL data types</a:t>
-            </a:r>
-            <a:endParaRPr lang="en-US" altLang="en-US" sz="2800" dirty="0" smtClean="0"/>
+              <a:rPr lang="en-US" altLang="en-US" sz="2800" dirty="0" smtClean="0">
+                <a:solidFill>
+                  <a:srgbClr val="FF0000"/>
+                </a:solidFill>
+              </a:rPr>
+              <a:t>R</a:t>
+            </a:r>
+            <a:r>
+              <a:rPr lang="en-US" altLang="en-US" sz="2800" dirty="0" smtClean="0"/>
+              <a:t>elational </a:t>
+            </a:r>
           </a:p>
           <a:p>
             <a:pPr>
@@ -4164,8 +4771,16 @@
               </a:lnSpc>
             </a:pPr>
             <a:r>
+              <a:rPr lang="en-US" altLang="en-US" sz="2800" dirty="0" smtClean="0">
+                <a:solidFill>
+                  <a:srgbClr val="FF0000"/>
+                </a:solidFill>
+              </a:rPr>
+              <a:t>M</a:t>
+            </a:r>
+            <a:r>
               <a:rPr lang="en-US" altLang="en-US" sz="2800" dirty="0" smtClean="0"/>
-              <a:t>Sits between Plain Old Java Objects (POJO) &amp; database</a:t>
+              <a:t>apping</a:t>
             </a:r>
           </a:p>
           <a:p>
@@ -4176,9 +4791,28 @@
             </a:pPr>
             <a:r>
               <a:rPr lang="en-US" altLang="en-US" sz="2800" dirty="0" smtClean="0"/>
-              <a:t>Persists objects i.e. in a database table</a:t>
-            </a:r>
-            <a:endParaRPr lang="en-US" altLang="en-US" sz="2800" dirty="0"/>
+              <a:t>ORM</a:t>
+            </a:r>
+            <a:endParaRPr lang="en-US" altLang="en-US" sz="2800" dirty="0" smtClean="0"/>
+          </a:p>
+          <a:p>
+            <a:pPr>
+              <a:lnSpc>
+                <a:spcPct val="90000"/>
+              </a:lnSpc>
+            </a:pPr>
+            <a:r>
+              <a:rPr lang="en-US" altLang="en-US" sz="2800" dirty="0" smtClean="0"/>
+              <a:t>Created by Gavin King in 2001</a:t>
+            </a:r>
+          </a:p>
+          <a:p>
+            <a:pPr>
+              <a:lnSpc>
+                <a:spcPct val="90000"/>
+              </a:lnSpc>
+            </a:pPr>
+            <a:endParaRPr lang="en-US" altLang="en-US" sz="2400" dirty="0"/>
           </a:p>
         </p:txBody>
       </p:sp>
@@ -4205,8 +4839,8 @@
         </p:blipFill>
         <p:spPr bwMode="auto">
           <a:xfrm>
-            <a:off x="2017229" y="4629150"/>
-            <a:ext cx="5221771" cy="1543050"/>
+            <a:off x="5410200" y="3810000"/>
+            <a:ext cx="2133600" cy="2133600"/>
           </a:xfrm>
           <a:prstGeom prst="rect">
             <a:avLst/>
@@ -4215,6 +4849,7 @@
           <a:ln>
             <a:noFill/>
           </a:ln>
+          <a:effectLst/>
           <a:extLst>
             <a:ext uri="{909E8E84-426E-40DD-AFC4-6F175D3DCCD1}">
               <a14:hiddenFill xmlns:a14="http://schemas.microsoft.com/office/drawing/2010/main">
@@ -4232,6 +4867,15 @@
                 <a:headEnd/>
                 <a:tailEnd/>
               </a14:hiddenLine>
+            </a:ext>
+            <a:ext uri="{AF507438-7753-43E0-B8FC-AC1667EBCBE1}">
+              <a14:hiddenEffects xmlns:a14="http://schemas.microsoft.com/office/drawing/2010/main">
+                <a:effectLst>
+                  <a:outerShdw dist="35921" dir="2700000" algn="ctr" rotWithShape="0">
+                    <a:schemeClr val="bg2"/>
+                  </a:outerShdw>
+                </a:effectLst>
+              </a14:hiddenEffects>
             </a:ext>
           </a:extLst>
         </p:spPr>
@@ -4239,7 +4883,7 @@
     </p:spTree>
     <p:extLst>
       <p:ext uri="{BB962C8B-B14F-4D97-AF65-F5344CB8AC3E}">
-        <p14:creationId xmlns:p14="http://schemas.microsoft.com/office/powerpoint/2010/main" val="2637102212"/>
+        <p14:creationId xmlns:p14="http://schemas.microsoft.com/office/powerpoint/2010/main" val="3368717429"/>
       </p:ext>
     </p:extLst>
   </p:cSld>
@@ -4419,8 +5063,8 @@
               </a:lnSpc>
             </a:pPr>
             <a:r>
-              <a:rPr lang="en-US" altLang="en-US" sz="2800" dirty="0"/>
-              <a:t>Allows mapping from Java classes to database tables</a:t>
+              <a:rPr lang="en-US" altLang="en-US" sz="2800" dirty="0" smtClean="0"/>
+              <a:t>Think of an Ice Cream Sandwich</a:t>
             </a:r>
           </a:p>
           <a:p>
@@ -4430,8 +5074,8 @@
               </a:lnSpc>
             </a:pPr>
             <a:r>
-              <a:rPr lang="en-US" altLang="en-US" sz="2800" dirty="0"/>
-              <a:t>Allows mapping from Java data types to SQL data types</a:t>
+              <a:rPr lang="en-US" altLang="en-US" sz="2800" dirty="0" smtClean="0"/>
+              <a:t>Hibernate is the delicious center</a:t>
             </a:r>
             <a:endParaRPr lang="en-US" altLang="en-US" sz="2800" dirty="0" smtClean="0"/>
           </a:p>
@@ -4441,28 +5085,13 @@
                 <a:spcPct val="90000"/>
               </a:lnSpc>
             </a:pPr>
-            <a:r>
-              <a:rPr lang="en-US" altLang="en-US" sz="2800" dirty="0" smtClean="0"/>
-              <a:t>Sits between Plain Old Java Objects (POJO) &amp; database</a:t>
-            </a:r>
-          </a:p>
-          <a:p>
-            <a:pPr>
-              <a:lnSpc>
-                <a:spcPct val="90000"/>
-              </a:lnSpc>
-            </a:pPr>
-            <a:r>
-              <a:rPr lang="en-US" altLang="en-US" sz="2800" dirty="0" smtClean="0"/>
-              <a:t>Persists objects i.e. in a database table</a:t>
-            </a:r>
-            <a:endParaRPr lang="en-US" altLang="en-US" sz="2800" dirty="0"/>
+            <a:endParaRPr lang="en-US" altLang="en-US" sz="2400" dirty="0"/>
           </a:p>
         </p:txBody>
       </p:sp>
       <p:pic>
         <p:nvPicPr>
-          <p:cNvPr id="2050" name="Picture 2"/>
+          <p:cNvPr id="3074" name="Picture 2"/>
           <p:cNvPicPr>
             <a:picLocks noChangeAspect="1" noChangeArrowheads="1"/>
           </p:cNvPicPr>
@@ -4483,8 +5112,8 @@
         </p:blipFill>
         <p:spPr bwMode="auto">
           <a:xfrm>
-            <a:off x="2017229" y="4629150"/>
-            <a:ext cx="5221771" cy="1543050"/>
+            <a:off x="1771651" y="2471738"/>
+            <a:ext cx="5543549" cy="4157662"/>
           </a:xfrm>
           <a:prstGeom prst="rect">
             <a:avLst/>
@@ -4517,7 +5146,7 @@
     </p:spTree>
     <p:extLst>
       <p:ext uri="{BB962C8B-B14F-4D97-AF65-F5344CB8AC3E}">
-        <p14:creationId xmlns:p14="http://schemas.microsoft.com/office/powerpoint/2010/main" val="3387741627"/>
+        <p14:creationId xmlns:p14="http://schemas.microsoft.com/office/powerpoint/2010/main" val="3848885818"/>
       </p:ext>
     </p:extLst>
   </p:cSld>
@@ -4631,7 +5260,7 @@
           <a:p>
             <a:r>
               <a:rPr lang="en-US" altLang="en-US" dirty="0" smtClean="0"/>
-              <a:t>Hibernate </a:t>
+              <a:t>What is Hibernate? </a:t>
             </a:r>
             <a:endParaRPr lang="en-US" altLang="en-US" dirty="0"/>
           </a:p>
@@ -4697,22 +5326,9 @@
               </a:lnSpc>
             </a:pPr>
             <a:r>
-              <a:rPr lang="en-US" altLang="en-US" sz="2400" dirty="0">
-                <a:cs typeface="David" panose="020E0502060401010101" pitchFamily="34" charset="-79"/>
-                <a:hlinkClick r:id="rId2"/>
-              </a:rPr>
-              <a:t>http://hibernate.org/orm</a:t>
-            </a:r>
-            <a:r>
-              <a:rPr lang="en-US" altLang="en-US" sz="2400" dirty="0" smtClean="0">
-                <a:cs typeface="David" panose="020E0502060401010101" pitchFamily="34" charset="-79"/>
-                <a:hlinkClick r:id="rId2"/>
-              </a:rPr>
-              <a:t>/</a:t>
-            </a:r>
-            <a:endParaRPr lang="en-US" altLang="en-US" sz="2400" dirty="0" smtClean="0">
-              <a:cs typeface="David" panose="020E0502060401010101" pitchFamily="34" charset="-79"/>
-            </a:endParaRPr>
+              <a:rPr lang="en-US" altLang="en-US" sz="2800" dirty="0"/>
+              <a:t>Allows mapping from Java classes to database tables</a:t>
+            </a:r>
           </a:p>
           <a:p>
             <a:pPr>
@@ -4721,22 +5337,10 @@
               </a:lnSpc>
             </a:pPr>
             <a:r>
-              <a:rPr lang="en-US" altLang="en-US" sz="2400" dirty="0">
-                <a:cs typeface="David" panose="020E0502060401010101" pitchFamily="34" charset="-79"/>
-                <a:hlinkClick r:id="rId3"/>
-              </a:rPr>
-              <a:t>http://hibernate.org/orm/downloads</a:t>
-            </a:r>
-            <a:r>
-              <a:rPr lang="en-US" altLang="en-US" sz="2400" dirty="0" smtClean="0">
-                <a:cs typeface="David" panose="020E0502060401010101" pitchFamily="34" charset="-79"/>
-                <a:hlinkClick r:id="rId3"/>
-              </a:rPr>
-              <a:t>/</a:t>
-            </a:r>
-            <a:endParaRPr lang="en-US" altLang="en-US" sz="2400" dirty="0" smtClean="0">
-              <a:cs typeface="David" panose="020E0502060401010101" pitchFamily="34" charset="-79"/>
-            </a:endParaRPr>
+              <a:rPr lang="en-US" altLang="en-US" sz="2800" dirty="0"/>
+              <a:t>Allows mapping from Java data types to SQL data types</a:t>
+            </a:r>
+            <a:endParaRPr lang="en-US" altLang="en-US" sz="2800" dirty="0" smtClean="0"/>
           </a:p>
           <a:p>
             <a:pPr>
@@ -4745,16 +5349,16 @@
               </a:lnSpc>
             </a:pPr>
             <a:r>
-              <a:rPr lang="en-US" altLang="en-US" sz="2400" dirty="0" smtClean="0">
-                <a:cs typeface="David" panose="020E0502060401010101" pitchFamily="34" charset="-79"/>
-              </a:rPr>
-              <a:t>Download </a:t>
-            </a:r>
-            <a:r>
-              <a:rPr lang="en-US" altLang="en-US" sz="2400" dirty="0" smtClean="0">
-                <a:cs typeface="David" panose="020E0502060401010101" pitchFamily="34" charset="-79"/>
-              </a:rPr>
-              <a:t>the hibernate software from the link above.</a:t>
+              <a:rPr lang="en-US" altLang="en-US" sz="2800" dirty="0" smtClean="0"/>
+              <a:t>Sits between Plain Old Java Objects (</a:t>
+            </a:r>
+            <a:r>
+              <a:rPr lang="en-US" altLang="en-US" sz="2800" dirty="0" smtClean="0"/>
+              <a:t>POJOs) </a:t>
+            </a:r>
+            <a:r>
+              <a:rPr lang="en-US" altLang="en-US" sz="2800" dirty="0" smtClean="0"/>
+              <a:t>&amp; database</a:t>
             </a:r>
           </a:p>
           <a:p>
@@ -4764,51 +5368,23 @@
               </a:lnSpc>
             </a:pPr>
             <a:r>
-              <a:rPr lang="en-US" altLang="en-US" sz="2400" dirty="0" smtClean="0">
-                <a:cs typeface="David" panose="020E0502060401010101" pitchFamily="34" charset="-79"/>
-              </a:rPr>
-              <a:t>Unzip it to a local directory</a:t>
-            </a:r>
-          </a:p>
-          <a:p>
-            <a:pPr>
-              <a:lnSpc>
-                <a:spcPct val="90000"/>
-              </a:lnSpc>
-            </a:pPr>
-            <a:endParaRPr lang="en-US" altLang="en-US" sz="2400" dirty="0" smtClean="0">
-              <a:latin typeface="David" panose="020E0502060401010101" pitchFamily="34" charset="-79"/>
-              <a:cs typeface="David" panose="020E0502060401010101" pitchFamily="34" charset="-79"/>
-            </a:endParaRPr>
-          </a:p>
-          <a:p>
-            <a:pPr>
-              <a:lnSpc>
-                <a:spcPct val="90000"/>
-              </a:lnSpc>
-            </a:pPr>
-            <a:endParaRPr lang="en-US" altLang="en-US" sz="2400" dirty="0" smtClean="0"/>
-          </a:p>
-          <a:p>
-            <a:pPr>
-              <a:lnSpc>
-                <a:spcPct val="90000"/>
-              </a:lnSpc>
-            </a:pPr>
-            <a:endParaRPr lang="en-US" altLang="en-US" sz="2400" dirty="0"/>
+              <a:rPr lang="en-US" altLang="en-US" sz="2800" dirty="0" smtClean="0"/>
+              <a:t>Persists objects i.e. in a database table</a:t>
+            </a:r>
+            <a:endParaRPr lang="en-US" altLang="en-US" sz="2800" dirty="0"/>
           </a:p>
         </p:txBody>
       </p:sp>
       <p:pic>
         <p:nvPicPr>
-          <p:cNvPr id="3074" name="Picture 2"/>
+          <p:cNvPr id="2050" name="Picture 2"/>
           <p:cNvPicPr>
             <a:picLocks noChangeAspect="1" noChangeArrowheads="1"/>
           </p:cNvPicPr>
           <p:nvPr/>
         </p:nvPicPr>
         <p:blipFill>
-          <a:blip r:embed="rId4">
+          <a:blip r:embed="rId2">
             <a:extLst>
               <a:ext uri="{28A0092B-C50C-407E-A947-70E740481C1C}">
                 <a14:useLocalDpi xmlns:a14="http://schemas.microsoft.com/office/drawing/2010/main" val="0"/>
@@ -4822,8 +5398,8 @@
         </p:blipFill>
         <p:spPr bwMode="auto">
           <a:xfrm>
-            <a:off x="2743200" y="3352801"/>
-            <a:ext cx="3690404" cy="2743200"/>
+            <a:off x="2017229" y="4629150"/>
+            <a:ext cx="5221771" cy="1543050"/>
           </a:xfrm>
           <a:prstGeom prst="rect">
             <a:avLst/>
@@ -4854,6 +5430,11 @@
         </p:spPr>
       </p:pic>
     </p:spTree>
+    <p:extLst>
+      <p:ext uri="{BB962C8B-B14F-4D97-AF65-F5344CB8AC3E}">
+        <p14:creationId xmlns:p14="http://schemas.microsoft.com/office/powerpoint/2010/main" val="2637102212"/>
+      </p:ext>
+    </p:extLst>
   </p:cSld>
   <p:clrMapOvr>
     <a:masterClrMapping/>
@@ -4965,7 +5546,7 @@
           <a:p>
             <a:r>
               <a:rPr lang="en-US" altLang="en-US" dirty="0" smtClean="0"/>
-              <a:t>Hibernate – Part 1 </a:t>
+              <a:t>What is Hibernate? </a:t>
             </a:r>
             <a:endParaRPr lang="en-US" altLang="en-US" dirty="0"/>
           </a:p>
@@ -5030,13 +5611,25 @@
                 <a:spcPct val="90000"/>
               </a:lnSpc>
             </a:pPr>
+            <a:r>
+              <a:rPr lang="en-US" altLang="en-US" sz="2800" dirty="0" smtClean="0"/>
+              <a:t>Another view</a:t>
+            </a:r>
+            <a:endParaRPr lang="en-US" altLang="en-US" sz="2800" dirty="0" smtClean="0"/>
+          </a:p>
+          <a:p>
+            <a:pPr>
+              <a:lnSpc>
+                <a:spcPct val="90000"/>
+              </a:lnSpc>
+            </a:pPr>
             <a:endParaRPr lang="en-US" altLang="en-US" sz="2400" dirty="0"/>
           </a:p>
         </p:txBody>
       </p:sp>
       <p:pic>
         <p:nvPicPr>
-          <p:cNvPr id="1026" name="Picture 2"/>
+          <p:cNvPr id="4098" name="Picture 2"/>
           <p:cNvPicPr>
             <a:picLocks noChangeAspect="1" noChangeArrowheads="1"/>
           </p:cNvPicPr>
@@ -5057,8 +5650,8 @@
         </p:blipFill>
         <p:spPr bwMode="auto">
           <a:xfrm>
-            <a:off x="3100388" y="1404938"/>
-            <a:ext cx="2943225" cy="4048125"/>
+            <a:off x="2447925" y="1885950"/>
+            <a:ext cx="4181475" cy="4486086"/>
           </a:xfrm>
           <a:prstGeom prst="rect">
             <a:avLst/>
@@ -5091,7 +5684,1109 @@
     </p:spTree>
     <p:extLst>
       <p:ext uri="{BB962C8B-B14F-4D97-AF65-F5344CB8AC3E}">
-        <p14:creationId xmlns:p14="http://schemas.microsoft.com/office/powerpoint/2010/main" val="3172892447"/>
+        <p14:creationId xmlns:p14="http://schemas.microsoft.com/office/powerpoint/2010/main" val="1121586506"/>
+      </p:ext>
+    </p:extLst>
+  </p:cSld>
+  <p:clrMapOvr>
+    <a:masterClrMapping/>
+  </p:clrMapOvr>
+  <p:timing>
+    <p:tnLst>
+      <p:par>
+        <p:cTn id="1" dur="indefinite" restart="never" nodeType="tmRoot"/>
+      </p:par>
+    </p:tnLst>
+  </p:timing>
+</p:sld>
+</file>
+
+<file path=ppt/slides/slide7.xml><?xml version="1.0" encoding="utf-8"?>
+<p:sld xmlns:a="http://schemas.openxmlformats.org/drawingml/2006/main" xmlns:r="http://schemas.openxmlformats.org/officeDocument/2006/relationships" xmlns:p="http://schemas.openxmlformats.org/presentationml/2006/main">
+  <p:cSld>
+    <p:spTree>
+      <p:nvGrpSpPr>
+        <p:cNvPr id="1" name=""/>
+        <p:cNvGrpSpPr/>
+        <p:nvPr/>
+      </p:nvGrpSpPr>
+      <p:grpSpPr>
+        <a:xfrm>
+          <a:off x="0" y="0"/>
+          <a:ext cx="0" cy="0"/>
+          <a:chOff x="0" y="0"/>
+          <a:chExt cx="0" cy="0"/>
+        </a:xfrm>
+      </p:grpSpPr>
+      <p:sp>
+        <p:nvSpPr>
+          <p:cNvPr id="5" name="Slide Number Placeholder 3"/>
+          <p:cNvSpPr>
+            <a:spLocks noGrp="1"/>
+          </p:cNvSpPr>
+          <p:nvPr>
+            <p:ph type="sldNum" sz="quarter" idx="10"/>
+          </p:nvPr>
+        </p:nvSpPr>
+        <p:spPr/>
+        <p:txBody>
+          <a:bodyPr/>
+          <a:lstStyle/>
+          <a:p>
+            <a:fld id="{71CF2387-FE23-4CEB-BE18-9FF488A9C3C6}" type="slidenum">
+              <a:rPr lang="en-US" altLang="en-US"/>
+              <a:pPr/>
+              <a:t>7</a:t>
+            </a:fld>
+            <a:endParaRPr lang="en-US" altLang="en-US"/>
+          </a:p>
+        </p:txBody>
+      </p:sp>
+      <p:sp>
+        <p:nvSpPr>
+          <p:cNvPr id="26626" name="Rectangle 2"/>
+          <p:cNvSpPr>
+            <a:spLocks noGrp="1" noChangeArrowheads="1"/>
+          </p:cNvSpPr>
+          <p:nvPr>
+            <p:ph type="title"/>
+          </p:nvPr>
+        </p:nvSpPr>
+        <p:spPr bwMode="auto">
+          <a:noFill/>
+          <a:ln/>
+          <a:extLst>
+            <a:ext uri="{909E8E84-426E-40DD-AFC4-6F175D3DCCD1}">
+              <a14:hiddenFill xmlns:a14="http://schemas.microsoft.com/office/drawing/2010/main">
+                <a:solidFill>
+                  <a:schemeClr val="accent1"/>
+                </a:solidFill>
+              </a14:hiddenFill>
+            </a:ext>
+            <a:ext uri="{91240B29-F687-4F45-9708-019B960494DF}">
+              <a14:hiddenLine xmlns:a14="http://schemas.microsoft.com/office/drawing/2010/main" w="9525">
+                <a:solidFill>
+                  <a:schemeClr val="tx1"/>
+                </a:solidFill>
+                <a:miter lim="800000"/>
+                <a:headEnd/>
+                <a:tailEnd/>
+              </a14:hiddenLine>
+            </a:ext>
+            <a:ext uri="{AF507438-7753-43E0-B8FC-AC1667EBCBE1}">
+              <a14:hiddenEffects xmlns:a14="http://schemas.microsoft.com/office/drawing/2010/main">
+                <a:effectLst>
+                  <a:outerShdw dist="35921" dir="2700000" algn="ctr" rotWithShape="0">
+                    <a:schemeClr val="bg2"/>
+                  </a:outerShdw>
+                </a:effectLst>
+              </a14:hiddenEffects>
+            </a:ext>
+          </a:extLst>
+        </p:spPr>
+        <p:txBody>
+          <a:bodyPr vert="horz" wrap="square" lIns="91440" tIns="45720" rIns="91440" bIns="45720" numCol="1" anchor="t" anchorCtr="0" compatLnSpc="1">
+            <a:prstTxWarp prst="textNoShape">
+              <a:avLst/>
+            </a:prstTxWarp>
+          </a:bodyPr>
+          <a:lstStyle/>
+          <a:p>
+            <a:r>
+              <a:rPr lang="en-US" altLang="en-US" dirty="0"/>
+              <a:t>What is Hibernate?</a:t>
+            </a:r>
+            <a:endParaRPr lang="en-US" altLang="en-US" dirty="0"/>
+          </a:p>
+        </p:txBody>
+      </p:sp>
+      <p:sp>
+        <p:nvSpPr>
+          <p:cNvPr id="26627" name="Rectangle 3"/>
+          <p:cNvSpPr>
+            <a:spLocks noGrp="1" noChangeArrowheads="1"/>
+          </p:cNvSpPr>
+          <p:nvPr>
+            <p:ph type="body" idx="1"/>
+          </p:nvPr>
+        </p:nvSpPr>
+        <p:spPr bwMode="auto">
+          <a:xfrm>
+            <a:off x="457200" y="1341438"/>
+            <a:ext cx="8229600" cy="4784725"/>
+          </a:xfrm>
+          <a:noFill/>
+          <a:ln/>
+          <a:extLst>
+            <a:ext uri="{909E8E84-426E-40DD-AFC4-6F175D3DCCD1}">
+              <a14:hiddenFill xmlns:a14="http://schemas.microsoft.com/office/drawing/2010/main">
+                <a:solidFill>
+                  <a:schemeClr val="accent1"/>
+                </a:solidFill>
+              </a14:hiddenFill>
+            </a:ext>
+            <a:ext uri="{91240B29-F687-4F45-9708-019B960494DF}">
+              <a14:hiddenLine xmlns:a14="http://schemas.microsoft.com/office/drawing/2010/main" w="9525">
+                <a:solidFill>
+                  <a:schemeClr val="tx1"/>
+                </a:solidFill>
+                <a:miter lim="800000"/>
+                <a:headEnd/>
+                <a:tailEnd/>
+              </a14:hiddenLine>
+            </a:ext>
+            <a:ext uri="{AF507438-7753-43E0-B8FC-AC1667EBCBE1}">
+              <a14:hiddenEffects xmlns:a14="http://schemas.microsoft.com/office/drawing/2010/main">
+                <a:effectLst>
+                  <a:outerShdw dist="35921" dir="2700000" algn="ctr" rotWithShape="0">
+                    <a:schemeClr val="bg2"/>
+                  </a:outerShdw>
+                </a:effectLst>
+              </a14:hiddenEffects>
+            </a:ext>
+          </a:extLst>
+        </p:spPr>
+        <p:txBody>
+          <a:bodyPr vert="horz" wrap="square" lIns="91440" tIns="45720" rIns="91440" bIns="45720" numCol="1" anchor="t" anchorCtr="0" compatLnSpc="1">
+            <a:prstTxWarp prst="textNoShape">
+              <a:avLst/>
+            </a:prstTxWarp>
+          </a:bodyPr>
+          <a:lstStyle/>
+          <a:p>
+            <a:pPr>
+              <a:lnSpc>
+                <a:spcPct val="80000"/>
+              </a:lnSpc>
+            </a:pPr>
+            <a:r>
+              <a:rPr lang="en-US" altLang="en-US" sz="2400" dirty="0"/>
+              <a:t>Object / Relational mapping (ORM) and persistence / query framework</a:t>
+            </a:r>
+          </a:p>
+          <a:p>
+            <a:pPr lvl="1">
+              <a:lnSpc>
+                <a:spcPct val="80000"/>
+              </a:lnSpc>
+            </a:pPr>
+            <a:r>
+              <a:rPr lang="en-US" altLang="en-US" sz="1600" dirty="0"/>
+              <a:t>i.e. It does even more stuff for you!</a:t>
+            </a:r>
+            <a:endParaRPr lang="en-US" altLang="en-US" sz="1800" dirty="0"/>
+          </a:p>
+          <a:p>
+            <a:pPr>
+              <a:lnSpc>
+                <a:spcPct val="80000"/>
+              </a:lnSpc>
+            </a:pPr>
+            <a:r>
+              <a:rPr lang="en-US" altLang="en-US" sz="2400" dirty="0"/>
+              <a:t>Some features of Hibernate</a:t>
+            </a:r>
+          </a:p>
+          <a:p>
+            <a:pPr lvl="1">
+              <a:lnSpc>
+                <a:spcPct val="80000"/>
+              </a:lnSpc>
+            </a:pPr>
+            <a:r>
+              <a:rPr lang="en-US" altLang="en-US" sz="1600" dirty="0" err="1"/>
+              <a:t>HibernateDaoSupport</a:t>
+            </a:r>
+            <a:r>
+              <a:rPr lang="en-US" altLang="en-US" sz="1600" dirty="0"/>
+              <a:t> – superclass, easy </a:t>
+            </a:r>
+            <a:r>
+              <a:rPr lang="en-US" altLang="en-US" sz="1600" dirty="0" err="1"/>
+              <a:t>HibernateTemplate</a:t>
+            </a:r>
+            <a:r>
+              <a:rPr lang="en-US" altLang="en-US" sz="1600" dirty="0"/>
+              <a:t> access</a:t>
+            </a:r>
+          </a:p>
+          <a:p>
+            <a:pPr lvl="1">
+              <a:lnSpc>
+                <a:spcPct val="80000"/>
+              </a:lnSpc>
+            </a:pPr>
+            <a:r>
+              <a:rPr lang="en-US" altLang="en-US" sz="1600" dirty="0"/>
+              <a:t>Database independence - sits between the database and your java code, easy database switch without changing any code</a:t>
+            </a:r>
+          </a:p>
+          <a:p>
+            <a:pPr lvl="1">
+              <a:lnSpc>
+                <a:spcPct val="80000"/>
+              </a:lnSpc>
+            </a:pPr>
+            <a:r>
+              <a:rPr lang="en-US" altLang="en-US" sz="1600" dirty="0"/>
+              <a:t>Object / Relational Mapping (ORM) - Allows a developer to treat a database like a collection of </a:t>
+            </a:r>
+            <a:r>
+              <a:rPr lang="en-US" altLang="en-US" sz="1600" dirty="0" smtClean="0"/>
+              <a:t>POJOs</a:t>
+            </a:r>
+            <a:endParaRPr lang="en-US" altLang="en-US" sz="1600" dirty="0"/>
+          </a:p>
+          <a:p>
+            <a:pPr lvl="1">
+              <a:lnSpc>
+                <a:spcPct val="80000"/>
+              </a:lnSpc>
+            </a:pPr>
+            <a:r>
+              <a:rPr lang="en-US" altLang="en-US" sz="1600" dirty="0"/>
+              <a:t>Object oriented query language (HQL) - *Portable* query language, supports polymorphic queries etc.</a:t>
+            </a:r>
+          </a:p>
+          <a:p>
+            <a:pPr lvl="1">
+              <a:lnSpc>
+                <a:spcPct val="80000"/>
+              </a:lnSpc>
+            </a:pPr>
+            <a:r>
+              <a:rPr lang="en-US" altLang="en-US" sz="1600" dirty="0"/>
+              <a:t>You can also still issue native SQL, and also queries by “Criteria” (specified using “parse tree” of Java objects)</a:t>
+            </a:r>
+          </a:p>
+          <a:p>
+            <a:pPr lvl="1">
+              <a:lnSpc>
+                <a:spcPct val="80000"/>
+              </a:lnSpc>
+            </a:pPr>
+            <a:r>
+              <a:rPr lang="en-US" altLang="en-US" sz="1600" dirty="0"/>
+              <a:t>Hibernate Mapping - Uses HBM XML files to map value objects (POJOs) to database tables </a:t>
+            </a:r>
+          </a:p>
+          <a:p>
+            <a:pPr lvl="1">
+              <a:lnSpc>
+                <a:spcPct val="80000"/>
+              </a:lnSpc>
+            </a:pPr>
+            <a:r>
+              <a:rPr lang="en-US" altLang="en-US" sz="1600" dirty="0"/>
+              <a:t>Transparent persistence - Allows easy saves/delete/retrieve for simple value objects</a:t>
+            </a:r>
+          </a:p>
+          <a:p>
+            <a:pPr lvl="1">
+              <a:lnSpc>
+                <a:spcPct val="80000"/>
+              </a:lnSpc>
+            </a:pPr>
+            <a:r>
+              <a:rPr lang="en-US" altLang="en-US" sz="1600" dirty="0"/>
+              <a:t>Very high performance “in general” due to intelligent (2-level) caching, although in a few cases hand-written SQL might beat it</a:t>
+            </a:r>
+          </a:p>
+        </p:txBody>
+      </p:sp>
+      <p:sp>
+        <p:nvSpPr>
+          <p:cNvPr id="26628" name="Text Box 4"/>
+          <p:cNvSpPr txBox="1">
+            <a:spLocks noChangeArrowheads="1"/>
+          </p:cNvSpPr>
+          <p:nvPr/>
+        </p:nvSpPr>
+        <p:spPr bwMode="auto">
+          <a:xfrm>
+            <a:off x="1371600" y="6324600"/>
+            <a:ext cx="3449638" cy="366713"/>
+          </a:xfrm>
+          <a:prstGeom prst="rect">
+            <a:avLst/>
+          </a:prstGeom>
+          <a:noFill/>
+          <a:ln>
+            <a:noFill/>
+          </a:ln>
+          <a:effectLst/>
+          <a:extLst>
+            <a:ext uri="{909E8E84-426E-40DD-AFC4-6F175D3DCCD1}">
+              <a14:hiddenFill xmlns:a14="http://schemas.microsoft.com/office/drawing/2010/main">
+                <a:solidFill>
+                  <a:schemeClr val="accent1"/>
+                </a:solidFill>
+              </a14:hiddenFill>
+            </a:ext>
+            <a:ext uri="{91240B29-F687-4F45-9708-019B960494DF}">
+              <a14:hiddenLine xmlns:a14="http://schemas.microsoft.com/office/drawing/2010/main" w="9525">
+                <a:solidFill>
+                  <a:schemeClr val="tx1"/>
+                </a:solidFill>
+                <a:miter lim="800000"/>
+                <a:headEnd/>
+                <a:tailEnd/>
+              </a14:hiddenLine>
+            </a:ext>
+            <a:ext uri="{AF507438-7753-43E0-B8FC-AC1667EBCBE1}">
+              <a14:hiddenEffects xmlns:a14="http://schemas.microsoft.com/office/drawing/2010/main">
+                <a:effectLst>
+                  <a:outerShdw dist="35921" dir="2700000" algn="ctr" rotWithShape="0">
+                    <a:schemeClr val="bg2"/>
+                  </a:outerShdw>
+                </a:effectLst>
+              </a14:hiddenEffects>
+            </a:ext>
+          </a:extLst>
+        </p:spPr>
+        <p:txBody>
+          <a:bodyPr wrap="none">
+            <a:spAutoFit/>
+          </a:bodyPr>
+          <a:lstStyle/>
+          <a:p>
+            <a:r>
+              <a:rPr lang="en-US" altLang="en-US"/>
+              <a:t>From: </a:t>
+            </a:r>
+            <a:r>
+              <a:rPr lang="en-US" altLang="en-US">
+                <a:hlinkClick r:id="rId2"/>
+              </a:rPr>
+              <a:t>http://www.hibernate.org/</a:t>
+            </a:r>
+            <a:r>
+              <a:rPr lang="en-US" altLang="en-US"/>
+              <a:t> </a:t>
+            </a:r>
+          </a:p>
+        </p:txBody>
+      </p:sp>
+    </p:spTree>
+    <p:extLst>
+      <p:ext uri="{BB962C8B-B14F-4D97-AF65-F5344CB8AC3E}">
+        <p14:creationId xmlns:p14="http://schemas.microsoft.com/office/powerpoint/2010/main" val="2705943161"/>
+      </p:ext>
+    </p:extLst>
+  </p:cSld>
+  <p:clrMapOvr>
+    <a:masterClrMapping/>
+  </p:clrMapOvr>
+  <p:transition/>
+  <p:timing>
+    <p:tnLst>
+      <p:par>
+        <p:cTn id="1" dur="indefinite" restart="never" nodeType="tmRoot"/>
+      </p:par>
+    </p:tnLst>
+  </p:timing>
+</p:sld>
+</file>
+
+<file path=ppt/slides/slide8.xml><?xml version="1.0" encoding="utf-8"?>
+<p:sld xmlns:a="http://schemas.openxmlformats.org/drawingml/2006/main" xmlns:r="http://schemas.openxmlformats.org/officeDocument/2006/relationships" xmlns:p="http://schemas.openxmlformats.org/presentationml/2006/main">
+  <p:cSld>
+    <p:spTree>
+      <p:nvGrpSpPr>
+        <p:cNvPr id="1" name=""/>
+        <p:cNvGrpSpPr/>
+        <p:nvPr/>
+      </p:nvGrpSpPr>
+      <p:grpSpPr>
+        <a:xfrm>
+          <a:off x="0" y="0"/>
+          <a:ext cx="0" cy="0"/>
+          <a:chOff x="0" y="0"/>
+          <a:chExt cx="0" cy="0"/>
+        </a:xfrm>
+      </p:grpSpPr>
+      <p:sp>
+        <p:nvSpPr>
+          <p:cNvPr id="4" name="Slide Number Placeholder 3"/>
+          <p:cNvSpPr>
+            <a:spLocks noGrp="1"/>
+          </p:cNvSpPr>
+          <p:nvPr>
+            <p:ph type="sldNum" sz="quarter" idx="10"/>
+          </p:nvPr>
+        </p:nvSpPr>
+        <p:spPr/>
+        <p:txBody>
+          <a:bodyPr/>
+          <a:lstStyle/>
+          <a:p>
+            <a:fld id="{9CAA6850-6AF0-4A45-8B3A-FEE9E8969215}" type="slidenum">
+              <a:rPr lang="en-US" altLang="en-US"/>
+              <a:pPr/>
+              <a:t>8</a:t>
+            </a:fld>
+            <a:endParaRPr lang="en-US" altLang="en-US"/>
+          </a:p>
+        </p:txBody>
+      </p:sp>
+      <p:sp>
+        <p:nvSpPr>
+          <p:cNvPr id="9220" name="Rectangle 4"/>
+          <p:cNvSpPr>
+            <a:spLocks noGrp="1" noChangeArrowheads="1"/>
+          </p:cNvSpPr>
+          <p:nvPr>
+            <p:ph type="title"/>
+          </p:nvPr>
+        </p:nvSpPr>
+        <p:spPr bwMode="auto">
+          <a:xfrm>
+            <a:off x="457200" y="274638"/>
+            <a:ext cx="8229600" cy="868362"/>
+          </a:xfrm>
+          <a:noFill/>
+          <a:ln/>
+          <a:extLst>
+            <a:ext uri="{909E8E84-426E-40DD-AFC4-6F175D3DCCD1}">
+              <a14:hiddenFill xmlns:a14="http://schemas.microsoft.com/office/drawing/2010/main">
+                <a:solidFill>
+                  <a:schemeClr val="accent1"/>
+                </a:solidFill>
+              </a14:hiddenFill>
+            </a:ext>
+            <a:ext uri="{91240B29-F687-4F45-9708-019B960494DF}">
+              <a14:hiddenLine xmlns:a14="http://schemas.microsoft.com/office/drawing/2010/main" w="9525">
+                <a:solidFill>
+                  <a:schemeClr val="tx1"/>
+                </a:solidFill>
+                <a:miter lim="800000"/>
+                <a:headEnd/>
+                <a:tailEnd/>
+              </a14:hiddenLine>
+            </a:ext>
+            <a:ext uri="{AF507438-7753-43E0-B8FC-AC1667EBCBE1}">
+              <a14:hiddenEffects xmlns:a14="http://schemas.microsoft.com/office/drawing/2010/main">
+                <a:effectLst>
+                  <a:outerShdw dist="35921" dir="2700000" algn="ctr" rotWithShape="0">
+                    <a:schemeClr val="bg2"/>
+                  </a:outerShdw>
+                </a:effectLst>
+              </a14:hiddenEffects>
+            </a:ext>
+          </a:extLst>
+        </p:spPr>
+        <p:txBody>
+          <a:bodyPr vert="horz" wrap="square" lIns="91440" tIns="45720" rIns="91440" bIns="45720" numCol="1" anchor="t" anchorCtr="0" compatLnSpc="1">
+            <a:prstTxWarp prst="textNoShape">
+              <a:avLst/>
+            </a:prstTxWarp>
+          </a:bodyPr>
+          <a:lstStyle/>
+          <a:p>
+            <a:r>
+              <a:rPr lang="en-US" altLang="en-US" dirty="0" smtClean="0"/>
+              <a:t>What is Hibernate? </a:t>
+            </a:r>
+            <a:endParaRPr lang="en-US" altLang="en-US" dirty="0"/>
+          </a:p>
+        </p:txBody>
+      </p:sp>
+      <p:sp>
+        <p:nvSpPr>
+          <p:cNvPr id="9221" name="Rectangle 5"/>
+          <p:cNvSpPr>
+            <a:spLocks noGrp="1" noChangeArrowheads="1"/>
+          </p:cNvSpPr>
+          <p:nvPr>
+            <p:ph type="body" idx="1"/>
+          </p:nvPr>
+        </p:nvSpPr>
+        <p:spPr bwMode="auto">
+          <a:xfrm>
+            <a:off x="457200" y="1295400"/>
+            <a:ext cx="8229600" cy="4830763"/>
+          </a:xfrm>
+          <a:noFill/>
+          <a:ln/>
+          <a:extLst>
+            <a:ext uri="{909E8E84-426E-40DD-AFC4-6F175D3DCCD1}">
+              <a14:hiddenFill xmlns:a14="http://schemas.microsoft.com/office/drawing/2010/main">
+                <a:solidFill>
+                  <a:schemeClr val="accent1"/>
+                </a:solidFill>
+              </a14:hiddenFill>
+            </a:ext>
+            <a:ext uri="{91240B29-F687-4F45-9708-019B960494DF}">
+              <a14:hiddenLine xmlns:a14="http://schemas.microsoft.com/office/drawing/2010/main" w="9525">
+                <a:solidFill>
+                  <a:schemeClr val="tx1"/>
+                </a:solidFill>
+                <a:miter lim="800000"/>
+                <a:headEnd/>
+                <a:tailEnd/>
+              </a14:hiddenLine>
+            </a:ext>
+            <a:ext uri="{AF507438-7753-43E0-B8FC-AC1667EBCBE1}">
+              <a14:hiddenEffects xmlns:a14="http://schemas.microsoft.com/office/drawing/2010/main">
+                <a:effectLst>
+                  <a:outerShdw dist="35921" dir="2700000" algn="ctr" rotWithShape="0">
+                    <a:schemeClr val="bg2"/>
+                  </a:outerShdw>
+                </a:effectLst>
+              </a14:hiddenEffects>
+            </a:ext>
+          </a:extLst>
+        </p:spPr>
+        <p:txBody>
+          <a:bodyPr vert="horz" wrap="square" lIns="91440" tIns="45720" rIns="91440" bIns="45720" numCol="1" anchor="t" anchorCtr="0" compatLnSpc="1">
+            <a:prstTxWarp prst="textNoShape">
+              <a:avLst/>
+            </a:prstTxWarp>
+          </a:bodyPr>
+          <a:lstStyle/>
+          <a:p>
+            <a:pPr>
+              <a:lnSpc>
+                <a:spcPct val="90000"/>
+              </a:lnSpc>
+            </a:pPr>
+            <a:r>
+              <a:rPr lang="en-US" altLang="en-US" sz="2800" dirty="0" smtClean="0"/>
+              <a:t>Databases</a:t>
+            </a:r>
+          </a:p>
+          <a:p>
+            <a:pPr lvl="1">
+              <a:lnSpc>
+                <a:spcPct val="90000"/>
+              </a:lnSpc>
+            </a:pPr>
+            <a:r>
+              <a:rPr lang="en-US" altLang="en-US" sz="2400" dirty="0" smtClean="0"/>
+              <a:t>MySQL</a:t>
+            </a:r>
+          </a:p>
+          <a:p>
+            <a:pPr lvl="1">
+              <a:lnSpc>
+                <a:spcPct val="90000"/>
+              </a:lnSpc>
+            </a:pPr>
+            <a:r>
+              <a:rPr lang="en-US" altLang="en-US" sz="2400" dirty="0" smtClean="0"/>
+              <a:t>Oracle</a:t>
+            </a:r>
+          </a:p>
+          <a:p>
+            <a:pPr lvl="1">
+              <a:lnSpc>
+                <a:spcPct val="90000"/>
+              </a:lnSpc>
+            </a:pPr>
+            <a:r>
+              <a:rPr lang="en-US" altLang="en-US" sz="2400" dirty="0" smtClean="0"/>
+              <a:t>Microsoft SQL Server</a:t>
+            </a:r>
+          </a:p>
+          <a:p>
+            <a:pPr lvl="1">
+              <a:lnSpc>
+                <a:spcPct val="90000"/>
+              </a:lnSpc>
+            </a:pPr>
+            <a:r>
+              <a:rPr lang="en-US" altLang="en-US" sz="2400" dirty="0" smtClean="0"/>
+              <a:t>PostgreSQL</a:t>
+            </a:r>
+            <a:endParaRPr lang="en-US" altLang="en-US" sz="2400" dirty="0" smtClean="0"/>
+          </a:p>
+          <a:p>
+            <a:pPr>
+              <a:lnSpc>
+                <a:spcPct val="90000"/>
+              </a:lnSpc>
+            </a:pPr>
+            <a:endParaRPr lang="en-US" altLang="en-US" sz="2800" dirty="0"/>
+          </a:p>
+        </p:txBody>
+      </p:sp>
+      <p:pic>
+        <p:nvPicPr>
+          <p:cNvPr id="5122" name="Picture 2"/>
+          <p:cNvPicPr>
+            <a:picLocks noChangeAspect="1" noChangeArrowheads="1"/>
+          </p:cNvPicPr>
+          <p:nvPr/>
+        </p:nvPicPr>
+        <p:blipFill>
+          <a:blip r:embed="rId2">
+            <a:extLst>
+              <a:ext uri="{28A0092B-C50C-407E-A947-70E740481C1C}">
+                <a14:useLocalDpi xmlns:a14="http://schemas.microsoft.com/office/drawing/2010/main" val="0"/>
+              </a:ext>
+            </a:extLst>
+          </a:blip>
+          <a:srcRect/>
+          <a:stretch>
+            <a:fillRect/>
+          </a:stretch>
+        </p:blipFill>
+        <p:spPr bwMode="auto">
+          <a:xfrm>
+            <a:off x="5715000" y="2971800"/>
+            <a:ext cx="2266950" cy="2009775"/>
+          </a:xfrm>
+          <a:prstGeom prst="rect">
+            <a:avLst/>
+          </a:prstGeom>
+          <a:noFill/>
+          <a:ln>
+            <a:noFill/>
+          </a:ln>
+          <a:extLst>
+            <a:ext uri="{909E8E84-426E-40DD-AFC4-6F175D3DCCD1}">
+              <a14:hiddenFill xmlns:a14="http://schemas.microsoft.com/office/drawing/2010/main">
+                <a:solidFill>
+                  <a:schemeClr val="accent1"/>
+                </a:solidFill>
+              </a14:hiddenFill>
+            </a:ext>
+            <a:ext uri="{91240B29-F687-4F45-9708-019B960494DF}">
+              <a14:hiddenLine xmlns:a14="http://schemas.microsoft.com/office/drawing/2010/main" w="9525">
+                <a:solidFill>
+                  <a:schemeClr val="tx1"/>
+                </a:solidFill>
+                <a:miter lim="800000"/>
+                <a:headEnd/>
+                <a:tailEnd/>
+              </a14:hiddenLine>
+            </a:ext>
+          </a:extLst>
+        </p:spPr>
+      </p:pic>
+      <p:pic>
+        <p:nvPicPr>
+          <p:cNvPr id="5123" name="Picture 3"/>
+          <p:cNvPicPr>
+            <a:picLocks noChangeAspect="1" noChangeArrowheads="1"/>
+          </p:cNvPicPr>
+          <p:nvPr/>
+        </p:nvPicPr>
+        <p:blipFill>
+          <a:blip r:embed="rId3">
+            <a:extLst>
+              <a:ext uri="{28A0092B-C50C-407E-A947-70E740481C1C}">
+                <a14:useLocalDpi xmlns:a14="http://schemas.microsoft.com/office/drawing/2010/main" val="0"/>
+              </a:ext>
+            </a:extLst>
+          </a:blip>
+          <a:srcRect/>
+          <a:stretch>
+            <a:fillRect/>
+          </a:stretch>
+        </p:blipFill>
+        <p:spPr bwMode="auto">
+          <a:xfrm>
+            <a:off x="5338762" y="5029200"/>
+            <a:ext cx="2428875" cy="1495425"/>
+          </a:xfrm>
+          <a:prstGeom prst="rect">
+            <a:avLst/>
+          </a:prstGeom>
+          <a:noFill/>
+          <a:ln>
+            <a:noFill/>
+          </a:ln>
+          <a:extLst>
+            <a:ext uri="{909E8E84-426E-40DD-AFC4-6F175D3DCCD1}">
+              <a14:hiddenFill xmlns:a14="http://schemas.microsoft.com/office/drawing/2010/main">
+                <a:solidFill>
+                  <a:schemeClr val="accent1"/>
+                </a:solidFill>
+              </a14:hiddenFill>
+            </a:ext>
+            <a:ext uri="{91240B29-F687-4F45-9708-019B960494DF}">
+              <a14:hiddenLine xmlns:a14="http://schemas.microsoft.com/office/drawing/2010/main" w="9525">
+                <a:solidFill>
+                  <a:schemeClr val="tx1"/>
+                </a:solidFill>
+                <a:miter lim="800000"/>
+                <a:headEnd/>
+                <a:tailEnd/>
+              </a14:hiddenLine>
+            </a:ext>
+          </a:extLst>
+        </p:spPr>
+      </p:pic>
+      <p:pic>
+        <p:nvPicPr>
+          <p:cNvPr id="5124" name="Picture 4"/>
+          <p:cNvPicPr>
+            <a:picLocks noChangeAspect="1" noChangeArrowheads="1"/>
+          </p:cNvPicPr>
+          <p:nvPr/>
+        </p:nvPicPr>
+        <p:blipFill>
+          <a:blip r:embed="rId4">
+            <a:extLst>
+              <a:ext uri="{28A0092B-C50C-407E-A947-70E740481C1C}">
+                <a14:useLocalDpi xmlns:a14="http://schemas.microsoft.com/office/drawing/2010/main" val="0"/>
+              </a:ext>
+            </a:extLst>
+          </a:blip>
+          <a:srcRect/>
+          <a:stretch>
+            <a:fillRect/>
+          </a:stretch>
+        </p:blipFill>
+        <p:spPr bwMode="auto">
+          <a:xfrm>
+            <a:off x="152401" y="5410329"/>
+            <a:ext cx="4038600" cy="1255240"/>
+          </a:xfrm>
+          <a:prstGeom prst="rect">
+            <a:avLst/>
+          </a:prstGeom>
+          <a:noFill/>
+          <a:ln>
+            <a:noFill/>
+          </a:ln>
+          <a:extLst>
+            <a:ext uri="{909E8E84-426E-40DD-AFC4-6F175D3DCCD1}">
+              <a14:hiddenFill xmlns:a14="http://schemas.microsoft.com/office/drawing/2010/main">
+                <a:solidFill>
+                  <a:schemeClr val="accent1"/>
+                </a:solidFill>
+              </a14:hiddenFill>
+            </a:ext>
+            <a:ext uri="{91240B29-F687-4F45-9708-019B960494DF}">
+              <a14:hiddenLine xmlns:a14="http://schemas.microsoft.com/office/drawing/2010/main" w="9525">
+                <a:solidFill>
+                  <a:schemeClr val="tx1"/>
+                </a:solidFill>
+                <a:miter lim="800000"/>
+                <a:headEnd/>
+                <a:tailEnd/>
+              </a14:hiddenLine>
+            </a:ext>
+          </a:extLst>
+        </p:spPr>
+      </p:pic>
+      <p:pic>
+        <p:nvPicPr>
+          <p:cNvPr id="5125" name="Picture 5"/>
+          <p:cNvPicPr>
+            <a:picLocks noChangeAspect="1" noChangeArrowheads="1"/>
+          </p:cNvPicPr>
+          <p:nvPr/>
+        </p:nvPicPr>
+        <p:blipFill>
+          <a:blip r:embed="rId5" cstate="print">
+            <a:extLst>
+              <a:ext uri="{28A0092B-C50C-407E-A947-70E740481C1C}">
+                <a14:useLocalDpi xmlns:a14="http://schemas.microsoft.com/office/drawing/2010/main" val="0"/>
+              </a:ext>
+            </a:extLst>
+          </a:blip>
+          <a:srcRect/>
+          <a:stretch>
+            <a:fillRect/>
+          </a:stretch>
+        </p:blipFill>
+        <p:spPr bwMode="auto">
+          <a:xfrm>
+            <a:off x="457200" y="3508198"/>
+            <a:ext cx="3824287" cy="1597202"/>
+          </a:xfrm>
+          <a:prstGeom prst="rect">
+            <a:avLst/>
+          </a:prstGeom>
+          <a:noFill/>
+          <a:ln>
+            <a:noFill/>
+          </a:ln>
+          <a:extLst>
+            <a:ext uri="{909E8E84-426E-40DD-AFC4-6F175D3DCCD1}">
+              <a14:hiddenFill xmlns:a14="http://schemas.microsoft.com/office/drawing/2010/main">
+                <a:solidFill>
+                  <a:schemeClr val="accent1"/>
+                </a:solidFill>
+              </a14:hiddenFill>
+            </a:ext>
+            <a:ext uri="{91240B29-F687-4F45-9708-019B960494DF}">
+              <a14:hiddenLine xmlns:a14="http://schemas.microsoft.com/office/drawing/2010/main" w="9525">
+                <a:solidFill>
+                  <a:schemeClr val="tx1"/>
+                </a:solidFill>
+                <a:miter lim="800000"/>
+                <a:headEnd/>
+                <a:tailEnd/>
+              </a14:hiddenLine>
+            </a:ext>
+          </a:extLst>
+        </p:spPr>
+      </p:pic>
+    </p:spTree>
+    <p:extLst>
+      <p:ext uri="{BB962C8B-B14F-4D97-AF65-F5344CB8AC3E}">
+        <p14:creationId xmlns:p14="http://schemas.microsoft.com/office/powerpoint/2010/main" val="3387741627"/>
+      </p:ext>
+    </p:extLst>
+  </p:cSld>
+  <p:clrMapOvr>
+    <a:masterClrMapping/>
+  </p:clrMapOvr>
+  <p:timing>
+    <p:tnLst>
+      <p:par>
+        <p:cTn id="1" dur="indefinite" restart="never" nodeType="tmRoot"/>
+      </p:par>
+    </p:tnLst>
+  </p:timing>
+</p:sld>
+</file>
+
+<file path=ppt/slides/slide9.xml><?xml version="1.0" encoding="utf-8"?>
+<p:sld xmlns:a="http://schemas.openxmlformats.org/drawingml/2006/main" xmlns:r="http://schemas.openxmlformats.org/officeDocument/2006/relationships" xmlns:p="http://schemas.openxmlformats.org/presentationml/2006/main">
+  <p:cSld>
+    <p:spTree>
+      <p:nvGrpSpPr>
+        <p:cNvPr id="1" name=""/>
+        <p:cNvGrpSpPr/>
+        <p:nvPr/>
+      </p:nvGrpSpPr>
+      <p:grpSpPr>
+        <a:xfrm>
+          <a:off x="0" y="0"/>
+          <a:ext cx="0" cy="0"/>
+          <a:chOff x="0" y="0"/>
+          <a:chExt cx="0" cy="0"/>
+        </a:xfrm>
+      </p:grpSpPr>
+      <p:sp>
+        <p:nvSpPr>
+          <p:cNvPr id="4" name="Slide Number Placeholder 3"/>
+          <p:cNvSpPr>
+            <a:spLocks noGrp="1"/>
+          </p:cNvSpPr>
+          <p:nvPr>
+            <p:ph type="sldNum" sz="quarter" idx="10"/>
+          </p:nvPr>
+        </p:nvSpPr>
+        <p:spPr/>
+        <p:txBody>
+          <a:bodyPr/>
+          <a:lstStyle/>
+          <a:p>
+            <a:fld id="{9CAA6850-6AF0-4A45-8B3A-FEE9E8969215}" type="slidenum">
+              <a:rPr lang="en-US" altLang="en-US"/>
+              <a:pPr/>
+              <a:t>9</a:t>
+            </a:fld>
+            <a:endParaRPr lang="en-US" altLang="en-US"/>
+          </a:p>
+        </p:txBody>
+      </p:sp>
+      <p:sp>
+        <p:nvSpPr>
+          <p:cNvPr id="9220" name="Rectangle 4"/>
+          <p:cNvSpPr>
+            <a:spLocks noGrp="1" noChangeArrowheads="1"/>
+          </p:cNvSpPr>
+          <p:nvPr>
+            <p:ph type="title"/>
+          </p:nvPr>
+        </p:nvSpPr>
+        <p:spPr bwMode="auto">
+          <a:xfrm>
+            <a:off x="457200" y="274638"/>
+            <a:ext cx="8229600" cy="868362"/>
+          </a:xfrm>
+          <a:noFill/>
+          <a:ln/>
+          <a:extLst>
+            <a:ext uri="{909E8E84-426E-40DD-AFC4-6F175D3DCCD1}">
+              <a14:hiddenFill xmlns:a14="http://schemas.microsoft.com/office/drawing/2010/main">
+                <a:solidFill>
+                  <a:schemeClr val="accent1"/>
+                </a:solidFill>
+              </a14:hiddenFill>
+            </a:ext>
+            <a:ext uri="{91240B29-F687-4F45-9708-019B960494DF}">
+              <a14:hiddenLine xmlns:a14="http://schemas.microsoft.com/office/drawing/2010/main" w="9525">
+                <a:solidFill>
+                  <a:schemeClr val="tx1"/>
+                </a:solidFill>
+                <a:miter lim="800000"/>
+                <a:headEnd/>
+                <a:tailEnd/>
+              </a14:hiddenLine>
+            </a:ext>
+            <a:ext uri="{AF507438-7753-43E0-B8FC-AC1667EBCBE1}">
+              <a14:hiddenEffects xmlns:a14="http://schemas.microsoft.com/office/drawing/2010/main">
+                <a:effectLst>
+                  <a:outerShdw dist="35921" dir="2700000" algn="ctr" rotWithShape="0">
+                    <a:schemeClr val="bg2"/>
+                  </a:outerShdw>
+                </a:effectLst>
+              </a14:hiddenEffects>
+            </a:ext>
+          </a:extLst>
+        </p:spPr>
+        <p:txBody>
+          <a:bodyPr vert="horz" wrap="square" lIns="91440" tIns="45720" rIns="91440" bIns="45720" numCol="1" anchor="t" anchorCtr="0" compatLnSpc="1">
+            <a:prstTxWarp prst="textNoShape">
+              <a:avLst/>
+            </a:prstTxWarp>
+          </a:bodyPr>
+          <a:lstStyle/>
+          <a:p>
+            <a:r>
+              <a:rPr lang="en-US" altLang="en-US" dirty="0" smtClean="0"/>
+              <a:t>What is Hibernate? </a:t>
+            </a:r>
+            <a:endParaRPr lang="en-US" altLang="en-US" dirty="0"/>
+          </a:p>
+        </p:txBody>
+      </p:sp>
+      <p:sp>
+        <p:nvSpPr>
+          <p:cNvPr id="9221" name="Rectangle 5"/>
+          <p:cNvSpPr>
+            <a:spLocks noGrp="1" noChangeArrowheads="1"/>
+          </p:cNvSpPr>
+          <p:nvPr>
+            <p:ph type="body" idx="1"/>
+          </p:nvPr>
+        </p:nvSpPr>
+        <p:spPr bwMode="auto">
+          <a:xfrm>
+            <a:off x="457200" y="1295400"/>
+            <a:ext cx="8229600" cy="4830763"/>
+          </a:xfrm>
+          <a:noFill/>
+          <a:ln/>
+          <a:extLst>
+            <a:ext uri="{909E8E84-426E-40DD-AFC4-6F175D3DCCD1}">
+              <a14:hiddenFill xmlns:a14="http://schemas.microsoft.com/office/drawing/2010/main">
+                <a:solidFill>
+                  <a:schemeClr val="accent1"/>
+                </a:solidFill>
+              </a14:hiddenFill>
+            </a:ext>
+            <a:ext uri="{91240B29-F687-4F45-9708-019B960494DF}">
+              <a14:hiddenLine xmlns:a14="http://schemas.microsoft.com/office/drawing/2010/main" w="9525">
+                <a:solidFill>
+                  <a:schemeClr val="tx1"/>
+                </a:solidFill>
+                <a:miter lim="800000"/>
+                <a:headEnd/>
+                <a:tailEnd/>
+              </a14:hiddenLine>
+            </a:ext>
+            <a:ext uri="{AF507438-7753-43E0-B8FC-AC1667EBCBE1}">
+              <a14:hiddenEffects xmlns:a14="http://schemas.microsoft.com/office/drawing/2010/main">
+                <a:effectLst>
+                  <a:outerShdw dist="35921" dir="2700000" algn="ctr" rotWithShape="0">
+                    <a:schemeClr val="bg2"/>
+                  </a:outerShdw>
+                </a:effectLst>
+              </a14:hiddenEffects>
+            </a:ext>
+          </a:extLst>
+        </p:spPr>
+        <p:txBody>
+          <a:bodyPr vert="horz" wrap="square" lIns="91440" tIns="45720" rIns="91440" bIns="45720" numCol="1" anchor="t" anchorCtr="0" compatLnSpc="1">
+            <a:prstTxWarp prst="textNoShape">
+              <a:avLst/>
+            </a:prstTxWarp>
+          </a:bodyPr>
+          <a:lstStyle/>
+          <a:p>
+            <a:pPr>
+              <a:lnSpc>
+                <a:spcPct val="90000"/>
+              </a:lnSpc>
+            </a:pPr>
+            <a:r>
+              <a:rPr lang="en-US" altLang="en-US" sz="2800" dirty="0" smtClean="0"/>
+              <a:t>Hibernate Query Language (HQL)</a:t>
+            </a:r>
+          </a:p>
+          <a:p>
+            <a:pPr lvl="1">
+              <a:lnSpc>
+                <a:spcPct val="90000"/>
+              </a:lnSpc>
+            </a:pPr>
+            <a:r>
+              <a:rPr lang="en-US" altLang="en-US" sz="2400" dirty="0" smtClean="0"/>
+              <a:t>Object-oriented</a:t>
+            </a:r>
+            <a:endParaRPr lang="en-US" altLang="en-US" sz="2400" dirty="0" smtClean="0"/>
+          </a:p>
+          <a:p>
+            <a:pPr lvl="1">
+              <a:lnSpc>
+                <a:spcPct val="90000"/>
+              </a:lnSpc>
+            </a:pPr>
+            <a:r>
+              <a:rPr lang="en-US" altLang="en-US" sz="2400" dirty="0" smtClean="0"/>
+              <a:t>Similar to SQL</a:t>
+            </a:r>
+          </a:p>
+          <a:p>
+            <a:pPr lvl="1">
+              <a:lnSpc>
+                <a:spcPct val="90000"/>
+              </a:lnSpc>
+            </a:pPr>
+            <a:r>
+              <a:rPr lang="en-US" altLang="en-US" sz="2400" dirty="0" smtClean="0"/>
+              <a:t>Use this instead of SQL in your code</a:t>
+            </a:r>
+          </a:p>
+          <a:p>
+            <a:pPr lvl="1">
+              <a:lnSpc>
+                <a:spcPct val="90000"/>
+              </a:lnSpc>
+            </a:pPr>
+            <a:r>
+              <a:rPr lang="en-US" altLang="en-US" sz="2400" dirty="0" smtClean="0"/>
+              <a:t>Makes your code more portable</a:t>
+            </a:r>
+          </a:p>
+          <a:p>
+            <a:pPr lvl="1">
+              <a:lnSpc>
+                <a:spcPct val="90000"/>
+              </a:lnSpc>
+            </a:pPr>
+            <a:r>
+              <a:rPr lang="en-US" altLang="en-US" sz="2400" dirty="0" smtClean="0"/>
+              <a:t>Real life example – FamilySearch</a:t>
+            </a:r>
+          </a:p>
+          <a:p>
+            <a:pPr lvl="2">
+              <a:lnSpc>
+                <a:spcPct val="90000"/>
+              </a:lnSpc>
+            </a:pPr>
+            <a:r>
+              <a:rPr lang="en-US" altLang="en-US" sz="2000" dirty="0" smtClean="0"/>
+              <a:t>Convert Oracle to PostgreSQL</a:t>
+            </a:r>
+            <a:endParaRPr lang="en-US" altLang="en-US" sz="2000" dirty="0"/>
+          </a:p>
+        </p:txBody>
+      </p:sp>
+    </p:spTree>
+    <p:extLst>
+      <p:ext uri="{BB962C8B-B14F-4D97-AF65-F5344CB8AC3E}">
+        <p14:creationId xmlns:p14="http://schemas.microsoft.com/office/powerpoint/2010/main" val="2876930943"/>
       </p:ext>
     </p:extLst>
   </p:cSld>

--- a/Presentations/Hibernate/Hibernate-Part-1.pptx
+++ b/Presentations/Hibernate/Hibernate-Part-1.pptx
@@ -4793,7 +4793,6 @@
               <a:rPr lang="en-US" altLang="en-US" sz="2800" dirty="0" smtClean="0"/>
               <a:t>ORM</a:t>
             </a:r>
-            <a:endParaRPr lang="en-US" altLang="en-US" sz="2800" dirty="0" smtClean="0"/>
           </a:p>
           <a:p>
             <a:pPr>
@@ -5075,7 +5074,11 @@
             </a:pPr>
             <a:r>
               <a:rPr lang="en-US" altLang="en-US" sz="2800" dirty="0" smtClean="0"/>
-              <a:t>Hibernate is the delicious center</a:t>
+              <a:t>Hibernate is the delicious </a:t>
+            </a:r>
+            <a:r>
+              <a:rPr lang="en-US" altLang="en-US" sz="2800" dirty="0" smtClean="0"/>
+              <a:t>ice cream center</a:t>
             </a:r>
             <a:endParaRPr lang="en-US" altLang="en-US" sz="2800" dirty="0" smtClean="0"/>
           </a:p>
@@ -5350,15 +5353,55 @@
             </a:pPr>
             <a:r>
               <a:rPr lang="en-US" altLang="en-US" sz="2800" dirty="0" smtClean="0"/>
-              <a:t>Sits between Plain Old Java Objects (</a:t>
+              <a:t>Sits between </a:t>
+            </a:r>
+            <a:r>
+              <a:rPr lang="en-US" altLang="en-US" sz="2800" dirty="0" smtClean="0">
+                <a:solidFill>
+                  <a:srgbClr val="FF0000"/>
+                </a:solidFill>
+              </a:rPr>
+              <a:t>P</a:t>
             </a:r>
             <a:r>
               <a:rPr lang="en-US" altLang="en-US" sz="2800" dirty="0" smtClean="0"/>
-              <a:t>POJOs) </a:t>
+              <a:t>lain </a:t>
+            </a:r>
+            <a:r>
+              <a:rPr lang="en-US" altLang="en-US" sz="2800" dirty="0" smtClean="0">
+                <a:solidFill>
+                  <a:srgbClr val="FF0000"/>
+                </a:solidFill>
+              </a:rPr>
+              <a:t>O</a:t>
             </a:r>
             <a:r>
               <a:rPr lang="en-US" altLang="en-US" sz="2800" dirty="0" smtClean="0"/>
-              <a:t>&amp; database</a:t>
+              <a:t>ld </a:t>
+            </a:r>
+            <a:r>
+              <a:rPr lang="en-US" altLang="en-US" sz="2800" dirty="0" smtClean="0">
+                <a:solidFill>
+                  <a:srgbClr val="FF0000"/>
+                </a:solidFill>
+              </a:rPr>
+              <a:t>J</a:t>
+            </a:r>
+            <a:r>
+              <a:rPr lang="en-US" altLang="en-US" sz="2800" dirty="0" smtClean="0"/>
+              <a:t>ava </a:t>
+            </a:r>
+            <a:r>
+              <a:rPr lang="en-US" altLang="en-US" sz="2800" dirty="0" smtClean="0">
+                <a:solidFill>
+                  <a:srgbClr val="FF0000"/>
+                </a:solidFill>
+              </a:rPr>
+              <a:t>O</a:t>
+            </a:r>
+            <a:r>
+              <a:rPr lang="en-US" altLang="en-US" sz="2800" dirty="0" smtClean="0"/>
+              <a:t>bjects (POJOs) &amp; database</a:t>
             </a:r>
           </a:p>
           <a:p>
@@ -5615,7 +5658,6 @@
               <a:rPr lang="en-US" altLang="en-US" sz="2800" dirty="0" smtClean="0"/>
               <a:t>Another view</a:t>
             </a:r>
-            <a:endParaRPr lang="en-US" altLang="en-US" sz="2800" dirty="0" smtClean="0"/>
           </a:p>
           <a:p>
             <a:pPr>
@@ -5796,7 +5838,6 @@
               <a:rPr lang="en-US" altLang="en-US" dirty="0"/>
               <a:t>What is Hibernate?</a:t>
             </a:r>
-            <a:endParaRPr lang="en-US" altLang="en-US" dirty="0"/>
           </a:p>
         </p:txBody>
       </p:sp>
@@ -5956,7 +5997,15 @@
             </a:pPr>
             <a:r>
               <a:rPr lang="en-US" altLang="en-US" sz="1600" dirty="0"/>
-              <a:t>You can also still issue native SQL, and also queries by “Criteria” (specified using “parse tree” of Java objects)</a:t>
+              <a:t>You can </a:t>
+            </a:r>
+            <a:r>
+              <a:rPr lang="en-US" altLang="en-US" sz="1600" dirty="0" smtClean="0"/>
+              <a:t>still </a:t>
+            </a:r>
+            <a:r>
+              <a:rPr lang="en-US" altLang="en-US" sz="1600" dirty="0"/>
+              <a:t>issue native SQL, and also queries by “Criteria” (specified using “parse tree” of Java objects)</a:t>
             </a:r>
           </a:p>
           <a:p>
@@ -6298,7 +6347,6 @@
               <a:rPr lang="en-US" altLang="en-US" sz="2400" dirty="0" smtClean="0"/>
               <a:t>PostgreSQL</a:t>
             </a:r>
-            <a:endParaRPr lang="en-US" altLang="en-US" sz="2400" dirty="0" smtClean="0"/>
           </a:p>
           <a:p>
             <a:pPr>
@@ -6723,7 +6771,6 @@
               <a:rPr lang="en-US" altLang="en-US" sz="2400" dirty="0" smtClean="0"/>
               <a:t>Object-oriented</a:t>
             </a:r>
-            <a:endParaRPr lang="en-US" altLang="en-US" sz="2400" dirty="0" smtClean="0"/>
           </a:p>
           <a:p>
             <a:pPr lvl="1">
@@ -6783,6 +6830,175 @@
           </a:p>
         </p:txBody>
       </p:sp>
+      <p:pic>
+        <p:nvPicPr>
+          <p:cNvPr id="1026" name="Picture 2"/>
+          <p:cNvPicPr>
+            <a:picLocks noChangeAspect="1" noChangeArrowheads="1"/>
+          </p:cNvPicPr>
+          <p:nvPr/>
+        </p:nvPicPr>
+        <p:blipFill>
+          <a:blip r:embed="rId2">
+            <a:extLst>
+              <a:ext uri="{28A0092B-C50C-407E-A947-70E740481C1C}">
+                <a14:useLocalDpi xmlns:a14="http://schemas.microsoft.com/office/drawing/2010/main" val="0"/>
+              </a:ext>
+            </a:extLst>
+          </a:blip>
+          <a:srcRect/>
+          <a:stretch>
+            <a:fillRect/>
+          </a:stretch>
+        </p:blipFill>
+        <p:spPr bwMode="auto">
+          <a:xfrm>
+            <a:off x="282497" y="4492624"/>
+            <a:ext cx="4041775" cy="1249363"/>
+          </a:xfrm>
+          <a:prstGeom prst="rect">
+            <a:avLst/>
+          </a:prstGeom>
+          <a:noFill/>
+          <a:ln>
+            <a:noFill/>
+          </a:ln>
+          <a:effectLst/>
+          <a:extLst>
+            <a:ext uri="{909E8E84-426E-40DD-AFC4-6F175D3DCCD1}">
+              <a14:hiddenFill xmlns:a14="http://schemas.microsoft.com/office/drawing/2010/main">
+                <a:solidFill>
+                  <a:schemeClr val="accent1"/>
+                </a:solidFill>
+              </a14:hiddenFill>
+            </a:ext>
+            <a:ext uri="{91240B29-F687-4F45-9708-019B960494DF}">
+              <a14:hiddenLine xmlns:a14="http://schemas.microsoft.com/office/drawing/2010/main" w="9525">
+                <a:solidFill>
+                  <a:schemeClr val="tx1"/>
+                </a:solidFill>
+                <a:miter lim="800000"/>
+                <a:headEnd/>
+                <a:tailEnd/>
+              </a14:hiddenLine>
+            </a:ext>
+            <a:ext uri="{AF507438-7753-43E0-B8FC-AC1667EBCBE1}">
+              <a14:hiddenEffects xmlns:a14="http://schemas.microsoft.com/office/drawing/2010/main">
+                <a:effectLst>
+                  <a:outerShdw dist="35921" dir="2700000" algn="ctr" rotWithShape="0">
+                    <a:schemeClr val="bg2"/>
+                  </a:outerShdw>
+                </a:effectLst>
+              </a14:hiddenEffects>
+            </a:ext>
+          </a:extLst>
+        </p:spPr>
+      </p:pic>
+      <p:pic>
+        <p:nvPicPr>
+          <p:cNvPr id="1027" name="Picture 3"/>
+          <p:cNvPicPr>
+            <a:picLocks noChangeAspect="1" noChangeArrowheads="1"/>
+          </p:cNvPicPr>
+          <p:nvPr/>
+        </p:nvPicPr>
+        <p:blipFill>
+          <a:blip r:embed="rId3">
+            <a:extLst>
+              <a:ext uri="{28A0092B-C50C-407E-A947-70E740481C1C}">
+                <a14:useLocalDpi xmlns:a14="http://schemas.microsoft.com/office/drawing/2010/main" val="0"/>
+              </a:ext>
+            </a:extLst>
+          </a:blip>
+          <a:srcRect/>
+          <a:stretch>
+            <a:fillRect/>
+          </a:stretch>
+        </p:blipFill>
+        <p:spPr bwMode="auto">
+          <a:xfrm>
+            <a:off x="5867400" y="4114800"/>
+            <a:ext cx="2262187" cy="2005013"/>
+          </a:xfrm>
+          <a:prstGeom prst="rect">
+            <a:avLst/>
+          </a:prstGeom>
+          <a:noFill/>
+          <a:ln>
+            <a:noFill/>
+          </a:ln>
+          <a:effectLst/>
+          <a:extLst>
+            <a:ext uri="{909E8E84-426E-40DD-AFC4-6F175D3DCCD1}">
+              <a14:hiddenFill xmlns:a14="http://schemas.microsoft.com/office/drawing/2010/main">
+                <a:solidFill>
+                  <a:schemeClr val="accent1"/>
+                </a:solidFill>
+              </a14:hiddenFill>
+            </a:ext>
+            <a:ext uri="{91240B29-F687-4F45-9708-019B960494DF}">
+              <a14:hiddenLine xmlns:a14="http://schemas.microsoft.com/office/drawing/2010/main" w="9525">
+                <a:solidFill>
+                  <a:schemeClr val="tx1"/>
+                </a:solidFill>
+                <a:miter lim="800000"/>
+                <a:headEnd/>
+                <a:tailEnd/>
+              </a14:hiddenLine>
+            </a:ext>
+            <a:ext uri="{AF507438-7753-43E0-B8FC-AC1667EBCBE1}">
+              <a14:hiddenEffects xmlns:a14="http://schemas.microsoft.com/office/drawing/2010/main">
+                <a:effectLst>
+                  <a:outerShdw dist="35921" dir="2700000" algn="ctr" rotWithShape="0">
+                    <a:schemeClr val="bg2"/>
+                  </a:outerShdw>
+                </a:effectLst>
+              </a14:hiddenEffects>
+            </a:ext>
+          </a:extLst>
+        </p:spPr>
+      </p:pic>
+      <p:pic>
+        <p:nvPicPr>
+          <p:cNvPr id="1028" name="Picture 4" descr="C:\Users\hivefd\AppData\Local\Microsoft\Windows\INetCache\IE\X9RDBIES\large-arrow-pointing-right-166.6-10789[1].gif"/>
+          <p:cNvPicPr>
+            <a:picLocks noChangeAspect="1" noChangeArrowheads="1"/>
+          </p:cNvPicPr>
+          <p:nvPr/>
+        </p:nvPicPr>
+        <p:blipFill>
+          <a:blip r:embed="rId4" cstate="print">
+            <a:extLst>
+              <a:ext uri="{28A0092B-C50C-407E-A947-70E740481C1C}">
+                <a14:useLocalDpi xmlns:a14="http://schemas.microsoft.com/office/drawing/2010/main" val="0"/>
+              </a:ext>
+            </a:extLst>
+          </a:blip>
+          <a:srcRect/>
+          <a:stretch>
+            <a:fillRect/>
+          </a:stretch>
+        </p:blipFill>
+        <p:spPr bwMode="auto">
+          <a:xfrm>
+            <a:off x="4572000" y="4876800"/>
+            <a:ext cx="893400" cy="406469"/>
+          </a:xfrm>
+          <a:prstGeom prst="rect">
+            <a:avLst/>
+          </a:prstGeom>
+          <a:noFill/>
+          <a:extLst>
+            <a:ext uri="{909E8E84-426E-40DD-AFC4-6F175D3DCCD1}">
+              <a14:hiddenFill xmlns:a14="http://schemas.microsoft.com/office/drawing/2010/main">
+                <a:solidFill>
+                  <a:srgbClr val="FFFFFF"/>
+                </a:solidFill>
+              </a14:hiddenFill>
+            </a:ext>
+          </a:extLst>
+        </p:spPr>
+      </p:pic>
     </p:spTree>
     <p:extLst>
       <p:ext uri="{BB962C8B-B14F-4D97-AF65-F5344CB8AC3E}">
